--- a/doc/mockups/homepage image.pptx
+++ b/doc/mockups/homepage image.pptx
@@ -196,7 +196,7 @@
           <a:p>
             <a:fld id="{A4537E34-E1A6-4BBF-AF99-84C669929841}" type="datetimeFigureOut">
               <a:rPr lang="en-SG" smtClean="0"/>
-              <a:t>9/8/2013</a:t>
+              <a:t>28/7/2014</a:t>
             </a:fld>
             <a:endParaRPr lang="en-SG"/>
           </a:p>
@@ -735,7 +735,7 @@
             <a:fld id="{1D8BD707-D9CF-40AE-B4C6-C98DA3205C09}" type="datetimeFigureOut">
               <a:rPr lang="en-US" smtClean="0"/>
               <a:pPr/>
-              <a:t>8/9/2013</a:t>
+              <a:t>7/28/2014</a:t>
             </a:fld>
             <a:endParaRPr lang="en-US"/>
           </a:p>
@@ -902,7 +902,7 @@
             <a:fld id="{1D8BD707-D9CF-40AE-B4C6-C98DA3205C09}" type="datetimeFigureOut">
               <a:rPr lang="en-US" smtClean="0"/>
               <a:pPr/>
-              <a:t>8/9/2013</a:t>
+              <a:t>7/28/2014</a:t>
             </a:fld>
             <a:endParaRPr lang="en-US"/>
           </a:p>
@@ -1079,7 +1079,7 @@
             <a:fld id="{1D8BD707-D9CF-40AE-B4C6-C98DA3205C09}" type="datetimeFigureOut">
               <a:rPr lang="en-US" smtClean="0"/>
               <a:pPr/>
-              <a:t>8/9/2013</a:t>
+              <a:t>7/28/2014</a:t>
             </a:fld>
             <a:endParaRPr lang="en-US"/>
           </a:p>
@@ -1246,7 +1246,7 @@
             <a:fld id="{1D8BD707-D9CF-40AE-B4C6-C98DA3205C09}" type="datetimeFigureOut">
               <a:rPr lang="en-US" smtClean="0"/>
               <a:pPr/>
-              <a:t>8/9/2013</a:t>
+              <a:t>7/28/2014</a:t>
             </a:fld>
             <a:endParaRPr lang="en-US"/>
           </a:p>
@@ -1489,7 +1489,7 @@
             <a:fld id="{1D8BD707-D9CF-40AE-B4C6-C98DA3205C09}" type="datetimeFigureOut">
               <a:rPr lang="en-US" smtClean="0"/>
               <a:pPr/>
-              <a:t>8/9/2013</a:t>
+              <a:t>7/28/2014</a:t>
             </a:fld>
             <a:endParaRPr lang="en-US"/>
           </a:p>
@@ -1774,7 +1774,7 @@
             <a:fld id="{1D8BD707-D9CF-40AE-B4C6-C98DA3205C09}" type="datetimeFigureOut">
               <a:rPr lang="en-US" smtClean="0"/>
               <a:pPr/>
-              <a:t>8/9/2013</a:t>
+              <a:t>7/28/2014</a:t>
             </a:fld>
             <a:endParaRPr lang="en-US"/>
           </a:p>
@@ -2193,7 +2193,7 @@
             <a:fld id="{1D8BD707-D9CF-40AE-B4C6-C98DA3205C09}" type="datetimeFigureOut">
               <a:rPr lang="en-US" smtClean="0"/>
               <a:pPr/>
-              <a:t>8/9/2013</a:t>
+              <a:t>7/28/2014</a:t>
             </a:fld>
             <a:endParaRPr lang="en-US"/>
           </a:p>
@@ -2308,7 +2308,7 @@
             <a:fld id="{1D8BD707-D9CF-40AE-B4C6-C98DA3205C09}" type="datetimeFigureOut">
               <a:rPr lang="en-US" smtClean="0"/>
               <a:pPr/>
-              <a:t>8/9/2013</a:t>
+              <a:t>7/28/2014</a:t>
             </a:fld>
             <a:endParaRPr lang="en-US"/>
           </a:p>
@@ -2400,7 +2400,7 @@
             <a:fld id="{1D8BD707-D9CF-40AE-B4C6-C98DA3205C09}" type="datetimeFigureOut">
               <a:rPr lang="en-US" smtClean="0"/>
               <a:pPr/>
-              <a:t>8/9/2013</a:t>
+              <a:t>7/28/2014</a:t>
             </a:fld>
             <a:endParaRPr lang="en-US"/>
           </a:p>
@@ -2674,7 +2674,7 @@
             <a:fld id="{1D8BD707-D9CF-40AE-B4C6-C98DA3205C09}" type="datetimeFigureOut">
               <a:rPr lang="en-US" smtClean="0"/>
               <a:pPr/>
-              <a:t>8/9/2013</a:t>
+              <a:t>7/28/2014</a:t>
             </a:fld>
             <a:endParaRPr lang="en-US"/>
           </a:p>
@@ -2924,7 +2924,7 @@
             <a:fld id="{1D8BD707-D9CF-40AE-B4C6-C98DA3205C09}" type="datetimeFigureOut">
               <a:rPr lang="en-US" smtClean="0"/>
               <a:pPr/>
-              <a:t>8/9/2013</a:t>
+              <a:t>7/28/2014</a:t>
             </a:fld>
             <a:endParaRPr lang="en-US"/>
           </a:p>
@@ -3134,7 +3134,7 @@
             <a:fld id="{1D8BD707-D9CF-40AE-B4C6-C98DA3205C09}" type="datetimeFigureOut">
               <a:rPr lang="en-US" smtClean="0"/>
               <a:pPr/>
-              <a:t>8/9/2013</a:t>
+              <a:t>7/28/2014</a:t>
             </a:fld>
             <a:endParaRPr lang="en-US"/>
           </a:p>
@@ -3507,32 +3507,28 @@
       </p:grpSpPr>
       <p:sp>
         <p:nvSpPr>
-          <p:cNvPr id="128" name="Arc 127"/>
+          <p:cNvPr id="22" name="Arc 21"/>
           <p:cNvSpPr/>
           <p:nvPr/>
         </p:nvSpPr>
         <p:spPr>
-          <a:xfrm flipH="1">
-            <a:off x="6165671" y="1119862"/>
-            <a:ext cx="501561" cy="385615"/>
+          <a:xfrm>
+            <a:off x="5997150" y="1073577"/>
+            <a:ext cx="861585" cy="861585"/>
           </a:xfrm>
           <a:prstGeom prst="arc">
             <a:avLst>
-              <a:gd name="adj1" fmla="val 15063136"/>
-              <a:gd name="adj2" fmla="val 21246208"/>
+              <a:gd name="adj1" fmla="val 4609329"/>
+              <a:gd name="adj2" fmla="val 17594459"/>
             </a:avLst>
           </a:prstGeom>
           <a:noFill/>
           <a:ln w="38100" cap="rnd">
             <a:solidFill>
-              <a:schemeClr val="accent6">
-                <a:lumMod val="40000"/>
-                <a:lumOff val="60000"/>
-                <a:alpha val="65000"/>
-              </a:schemeClr>
+              <a:srgbClr val="0070C0"/>
             </a:solidFill>
-            <a:headEnd type="triangle" w="med" len="med"/>
-            <a:tailEnd type="none" w="med" len="med"/>
+            <a:headEnd type="none" w="med" len="med"/>
+            <a:tailEnd type="triangle" w="med" len="med"/>
           </a:ln>
         </p:spPr>
         <p:style>
@@ -3556,77 +3552,34 @@
           <a:lstStyle/>
           <a:p>
             <a:pPr algn="ctr"/>
-            <a:endParaRPr lang="en-US"/>
-          </a:p>
-        </p:txBody>
-      </p:sp>
-      <p:sp>
-        <p:nvSpPr>
-          <p:cNvPr id="111" name="Arc 110"/>
+            <a:endParaRPr lang="en-SG">
+              <a:solidFill>
+                <a:schemeClr val="lt1"/>
+              </a:solidFill>
+            </a:endParaRPr>
+          </a:p>
+        </p:txBody>
+      </p:sp>
+      <p:sp>
+        <p:nvSpPr>
+          <p:cNvPr id="165" name="Rounded Rectangular Callout 164"/>
           <p:cNvSpPr/>
           <p:nvPr/>
         </p:nvSpPr>
         <p:spPr>
           <a:xfrm>
-            <a:off x="6619247" y="1706937"/>
-            <a:ext cx="1645430" cy="1645430"/>
+            <a:off x="3535873" y="1394605"/>
+            <a:ext cx="639252" cy="432780"/>
           </a:xfrm>
-          <a:prstGeom prst="arc">
+          <a:prstGeom prst="wedgeRoundRectCallout">
             <a:avLst>
-              <a:gd name="adj1" fmla="val 5379666"/>
-              <a:gd name="adj2" fmla="val 16530257"/>
+              <a:gd name="adj1" fmla="val 20700"/>
+              <a:gd name="adj2" fmla="val -71934"/>
+              <a:gd name="adj3" fmla="val 16667"/>
             </a:avLst>
           </a:prstGeom>
           <a:solidFill>
-            <a:schemeClr val="accent1">
-              <a:lumMod val="40000"/>
-              <a:lumOff val="60000"/>
-            </a:schemeClr>
-          </a:solidFill>
-          <a:ln w="38100">
-            <a:noFill/>
-            <a:prstDash val="sysDash"/>
-          </a:ln>
-        </p:spPr>
-        <p:style>
-          <a:lnRef idx="1">
-            <a:schemeClr val="accent1"/>
-          </a:lnRef>
-          <a:fillRef idx="0">
-            <a:schemeClr val="accent1"/>
-          </a:fillRef>
-          <a:effectRef idx="0">
-            <a:schemeClr val="accent1"/>
-          </a:effectRef>
-          <a:fontRef idx="minor">
-            <a:schemeClr val="tx1"/>
-          </a:fontRef>
-        </p:style>
-        <p:txBody>
-          <a:bodyPr rtlCol="0" anchor="ctr"/>
-          <a:lstStyle/>
-          <a:p>
-            <a:pPr algn="ctr"/>
-            <a:endParaRPr lang="en-US"/>
-          </a:p>
-        </p:txBody>
-      </p:sp>
-      <p:sp>
-        <p:nvSpPr>
-          <p:cNvPr id="182" name="Rectangle 181"/>
-          <p:cNvSpPr/>
-          <p:nvPr/>
-        </p:nvSpPr>
-        <p:spPr>
-          <a:xfrm>
-            <a:off x="6550255" y="2750820"/>
-            <a:ext cx="1130070" cy="389127"/>
-          </a:xfrm>
-          <a:prstGeom prst="rect">
-            <a:avLst/>
-          </a:prstGeom>
-          <a:solidFill>
-            <a:schemeClr val="bg1"/>
+            <a:srgbClr val="FDF3EC"/>
           </a:solidFill>
           <a:ln>
             <a:noFill/>
@@ -3653,103 +3606,7 @@
           <a:lstStyle/>
           <a:p>
             <a:pPr algn="ctr"/>
-            <a:endParaRPr lang="en-US"/>
-          </a:p>
-        </p:txBody>
-      </p:sp>
-      <p:sp>
-        <p:nvSpPr>
-          <p:cNvPr id="4" name="Flowchart: Connector 3"/>
-          <p:cNvSpPr/>
-          <p:nvPr/>
-        </p:nvSpPr>
-        <p:spPr>
-          <a:xfrm>
-            <a:off x="4860925" y="1119805"/>
-            <a:ext cx="1645430" cy="1645430"/>
-          </a:xfrm>
-          <a:prstGeom prst="flowChartConnector">
-            <a:avLst/>
-          </a:prstGeom>
-          <a:solidFill>
-            <a:schemeClr val="accent6">
-              <a:lumMod val="40000"/>
-              <a:lumOff val="60000"/>
-              <a:alpha val="65000"/>
-            </a:schemeClr>
-          </a:solidFill>
-          <a:ln>
-            <a:noFill/>
-          </a:ln>
-        </p:spPr>
-        <p:style>
-          <a:lnRef idx="2">
-            <a:schemeClr val="accent1">
-              <a:shade val="50000"/>
-            </a:schemeClr>
-          </a:lnRef>
-          <a:fillRef idx="1">
-            <a:schemeClr val="accent1"/>
-          </a:fillRef>
-          <a:effectRef idx="0">
-            <a:schemeClr val="accent1"/>
-          </a:effectRef>
-          <a:fontRef idx="minor">
-            <a:schemeClr val="lt1"/>
-          </a:fontRef>
-        </p:style>
-        <p:txBody>
-          <a:bodyPr rtlCol="0" anchor="ctr"/>
-          <a:lstStyle/>
-          <a:p>
-            <a:pPr algn="ctr"/>
-            <a:endParaRPr lang="en-US"/>
-          </a:p>
-        </p:txBody>
-      </p:sp>
-      <p:sp>
-        <p:nvSpPr>
-          <p:cNvPr id="14" name="Rectangle 13"/>
-          <p:cNvSpPr/>
-          <p:nvPr/>
-        </p:nvSpPr>
-        <p:spPr>
-          <a:xfrm>
-            <a:off x="4869542" y="846175"/>
-            <a:ext cx="497568" cy="2155787"/>
-          </a:xfrm>
-          <a:prstGeom prst="rect">
-            <a:avLst/>
-          </a:prstGeom>
-          <a:solidFill>
-            <a:schemeClr val="bg1"/>
-          </a:solidFill>
-          <a:ln>
-            <a:noFill/>
-          </a:ln>
-        </p:spPr>
-        <p:style>
-          <a:lnRef idx="2">
-            <a:schemeClr val="accent1">
-              <a:shade val="50000"/>
-            </a:schemeClr>
-          </a:lnRef>
-          <a:fillRef idx="1">
-            <a:schemeClr val="accent1"/>
-          </a:fillRef>
-          <a:effectRef idx="0">
-            <a:schemeClr val="accent1"/>
-          </a:effectRef>
-          <a:fontRef idx="minor">
-            <a:schemeClr val="lt1"/>
-          </a:fontRef>
-        </p:style>
-        <p:txBody>
-          <a:bodyPr rtlCol="0" anchor="ctr"/>
-          <a:lstStyle/>
-          <a:p>
-            <a:pPr algn="ctr"/>
-            <a:endParaRPr lang="en-US"/>
+            <a:endParaRPr lang="en-SG"/>
           </a:p>
         </p:txBody>
       </p:sp>
@@ -3805,345 +3662,378 @@
           </a:p>
         </p:txBody>
       </p:sp>
-      <p:sp>
-        <p:nvSpPr>
-          <p:cNvPr id="101" name="Flowchart: Delay 100"/>
-          <p:cNvSpPr/>
+      <p:grpSp>
+        <p:nvGrpSpPr>
+          <p:cNvPr id="6" name="Group 5"/>
+          <p:cNvGrpSpPr/>
           <p:nvPr/>
-        </p:nvSpPr>
-        <p:spPr>
-          <a:xfrm rot="16200000">
-            <a:off x="3817764" y="982395"/>
-            <a:ext cx="280353" cy="298983"/>
+        </p:nvGrpSpPr>
+        <p:grpSpPr>
+          <a:xfrm>
+            <a:off x="3667994" y="715962"/>
+            <a:ext cx="354731" cy="500250"/>
+            <a:chOff x="3752701" y="771813"/>
+            <a:chExt cx="354731" cy="500250"/>
           </a:xfrm>
-          <a:prstGeom prst="flowChartDelay">
-            <a:avLst/>
-          </a:prstGeom>
-          <a:solidFill>
-            <a:schemeClr val="bg1"/>
-          </a:solidFill>
-        </p:spPr>
-        <p:style>
-          <a:lnRef idx="2">
-            <a:schemeClr val="accent1">
-              <a:shade val="50000"/>
-            </a:schemeClr>
-          </a:lnRef>
-          <a:fillRef idx="1">
-            <a:schemeClr val="accent1"/>
-          </a:fillRef>
-          <a:effectRef idx="0">
-            <a:schemeClr val="accent1"/>
-          </a:effectRef>
-          <a:fontRef idx="minor">
-            <a:schemeClr val="lt1"/>
-          </a:fontRef>
-        </p:style>
-        <p:txBody>
-          <a:bodyPr rtlCol="0" anchor="ctr"/>
-          <a:lstStyle/>
-          <a:p>
-            <a:pPr algn="ctr"/>
-            <a:endParaRPr lang="en-SG"/>
-          </a:p>
-        </p:txBody>
-      </p:sp>
-      <p:sp>
-        <p:nvSpPr>
-          <p:cNvPr id="103" name="Freeform 102"/>
-          <p:cNvSpPr/>
-          <p:nvPr/>
-        </p:nvSpPr>
-        <p:spPr>
-          <a:xfrm rot="20549526">
-            <a:off x="3906803" y="995064"/>
-            <a:ext cx="102393" cy="235744"/>
-          </a:xfrm>
-          <a:custGeom>
-            <a:avLst/>
-            <a:gdLst>
-              <a:gd name="connsiteX0" fmla="*/ 47625 w 102393"/>
-              <a:gd name="connsiteY0" fmla="*/ 0 h 235744"/>
-              <a:gd name="connsiteX1" fmla="*/ 0 w 102393"/>
-              <a:gd name="connsiteY1" fmla="*/ 185738 h 235744"/>
-              <a:gd name="connsiteX2" fmla="*/ 57150 w 102393"/>
-              <a:gd name="connsiteY2" fmla="*/ 235744 h 235744"/>
-              <a:gd name="connsiteX3" fmla="*/ 102393 w 102393"/>
-              <a:gd name="connsiteY3" fmla="*/ 171450 h 235744"/>
-              <a:gd name="connsiteX4" fmla="*/ 47625 w 102393"/>
-              <a:gd name="connsiteY4" fmla="*/ 0 h 235744"/>
-            </a:gdLst>
-            <a:ahLst/>
-            <a:cxnLst>
-              <a:cxn ang="0">
-                <a:pos x="connsiteX0" y="connsiteY0"/>
-              </a:cxn>
-              <a:cxn ang="0">
-                <a:pos x="connsiteX1" y="connsiteY1"/>
-              </a:cxn>
-              <a:cxn ang="0">
-                <a:pos x="connsiteX2" y="connsiteY2"/>
-              </a:cxn>
-              <a:cxn ang="0">
-                <a:pos x="connsiteX3" y="connsiteY3"/>
-              </a:cxn>
-              <a:cxn ang="0">
-                <a:pos x="connsiteX4" y="connsiteY4"/>
-              </a:cxn>
-            </a:cxnLst>
-            <a:rect l="l" t="t" r="r" b="b"/>
-            <a:pathLst>
-              <a:path w="102393" h="235744">
-                <a:moveTo>
-                  <a:pt x="47625" y="0"/>
-                </a:moveTo>
-                <a:lnTo>
-                  <a:pt x="0" y="185738"/>
-                </a:lnTo>
-                <a:lnTo>
-                  <a:pt x="57150" y="235744"/>
-                </a:lnTo>
-                <a:lnTo>
-                  <a:pt x="102393" y="171450"/>
-                </a:lnTo>
-                <a:lnTo>
-                  <a:pt x="47625" y="0"/>
-                </a:lnTo>
-                <a:close/>
-              </a:path>
-            </a:pathLst>
-          </a:custGeom>
-          <a:solidFill>
-            <a:schemeClr val="bg1"/>
-          </a:solidFill>
-        </p:spPr>
-        <p:style>
-          <a:lnRef idx="2">
-            <a:schemeClr val="accent1">
-              <a:shade val="50000"/>
-            </a:schemeClr>
-          </a:lnRef>
-          <a:fillRef idx="1">
-            <a:schemeClr val="accent1"/>
-          </a:fillRef>
-          <a:effectRef idx="0">
-            <a:schemeClr val="accent1"/>
-          </a:effectRef>
-          <a:fontRef idx="minor">
-            <a:schemeClr val="lt1"/>
-          </a:fontRef>
-        </p:style>
-        <p:txBody>
-          <a:bodyPr rtlCol="0" anchor="ctr"/>
-          <a:lstStyle/>
-          <a:p>
-            <a:pPr algn="ctr"/>
-            <a:endParaRPr lang="en-SG"/>
-          </a:p>
-        </p:txBody>
-      </p:sp>
-      <p:sp>
-        <p:nvSpPr>
-          <p:cNvPr id="104" name="Flowchart: Connector 103"/>
-          <p:cNvSpPr/>
-          <p:nvPr/>
-        </p:nvSpPr>
-        <p:spPr>
-          <a:xfrm rot="6417624">
-            <a:off x="3752701" y="771813"/>
-            <a:ext cx="220662" cy="220662"/>
-          </a:xfrm>
-          <a:prstGeom prst="flowChartConnector">
-            <a:avLst/>
-          </a:prstGeom>
-          <a:solidFill>
-            <a:schemeClr val="bg1"/>
-          </a:solidFill>
-        </p:spPr>
-        <p:style>
-          <a:lnRef idx="2">
-            <a:schemeClr val="accent1">
-              <a:shade val="50000"/>
-            </a:schemeClr>
-          </a:lnRef>
-          <a:fillRef idx="1">
-            <a:schemeClr val="accent1"/>
-          </a:fillRef>
-          <a:effectRef idx="0">
-            <a:schemeClr val="accent1"/>
-          </a:effectRef>
-          <a:fontRef idx="minor">
-            <a:schemeClr val="lt1"/>
-          </a:fontRef>
-        </p:style>
-        <p:txBody>
-          <a:bodyPr rtlCol="0" anchor="ctr"/>
-          <a:lstStyle/>
-          <a:p>
-            <a:pPr algn="ctr"/>
-            <a:endParaRPr lang="en-SG"/>
-          </a:p>
-        </p:txBody>
-      </p:sp>
-      <p:sp>
-        <p:nvSpPr>
-          <p:cNvPr id="105" name="Freeform 104"/>
-          <p:cNvSpPr/>
-          <p:nvPr/>
-        </p:nvSpPr>
-        <p:spPr>
-          <a:xfrm rot="6417624">
-            <a:off x="3746479" y="961805"/>
-            <a:ext cx="50006" cy="19050"/>
-          </a:xfrm>
-          <a:custGeom>
-            <a:avLst/>
-            <a:gdLst>
-              <a:gd name="connsiteX0" fmla="*/ 0 w 50006"/>
-              <a:gd name="connsiteY0" fmla="*/ 0 h 19050"/>
-              <a:gd name="connsiteX1" fmla="*/ 0 w 50006"/>
-              <a:gd name="connsiteY1" fmla="*/ 0 h 19050"/>
-              <a:gd name="connsiteX2" fmla="*/ 21431 w 50006"/>
-              <a:gd name="connsiteY2" fmla="*/ 4762 h 19050"/>
-              <a:gd name="connsiteX3" fmla="*/ 28575 w 50006"/>
-              <a:gd name="connsiteY3" fmla="*/ 9525 h 19050"/>
-              <a:gd name="connsiteX4" fmla="*/ 38100 w 50006"/>
-              <a:gd name="connsiteY4" fmla="*/ 14287 h 19050"/>
-              <a:gd name="connsiteX5" fmla="*/ 50006 w 50006"/>
-              <a:gd name="connsiteY5" fmla="*/ 19050 h 19050"/>
-            </a:gdLst>
-            <a:ahLst/>
-            <a:cxnLst>
-              <a:cxn ang="0">
-                <a:pos x="connsiteX0" y="connsiteY0"/>
-              </a:cxn>
-              <a:cxn ang="0">
-                <a:pos x="connsiteX1" y="connsiteY1"/>
-              </a:cxn>
-              <a:cxn ang="0">
-                <a:pos x="connsiteX2" y="connsiteY2"/>
-              </a:cxn>
-              <a:cxn ang="0">
-                <a:pos x="connsiteX3" y="connsiteY3"/>
-              </a:cxn>
-              <a:cxn ang="0">
-                <a:pos x="connsiteX4" y="connsiteY4"/>
-              </a:cxn>
-              <a:cxn ang="0">
-                <a:pos x="connsiteX5" y="connsiteY5"/>
-              </a:cxn>
-            </a:cxnLst>
-            <a:rect l="l" t="t" r="r" b="b"/>
-            <a:pathLst>
-              <a:path w="50006" h="19050">
-                <a:moveTo>
-                  <a:pt x="0" y="0"/>
-                </a:moveTo>
-                <a:lnTo>
-                  <a:pt x="0" y="0"/>
-                </a:lnTo>
-                <a:cubicBezTo>
-                  <a:pt x="7144" y="1587"/>
-                  <a:pt x="14489" y="2448"/>
-                  <a:pt x="21431" y="4762"/>
-                </a:cubicBezTo>
-                <a:cubicBezTo>
-                  <a:pt x="24146" y="5667"/>
-                  <a:pt x="26090" y="8105"/>
-                  <a:pt x="28575" y="9525"/>
-                </a:cubicBezTo>
-                <a:cubicBezTo>
-                  <a:pt x="31657" y="11286"/>
-                  <a:pt x="34837" y="12889"/>
-                  <a:pt x="38100" y="14287"/>
-                </a:cubicBezTo>
-                <a:cubicBezTo>
-                  <a:pt x="58672" y="23103"/>
-                  <a:pt x="34691" y="11391"/>
-                  <a:pt x="50006" y="19050"/>
-                </a:cubicBezTo>
-              </a:path>
-            </a:pathLst>
-          </a:custGeom>
-          <a:solidFill>
-            <a:schemeClr val="bg1"/>
-          </a:solidFill>
-        </p:spPr>
-        <p:style>
-          <a:lnRef idx="2">
-            <a:schemeClr val="accent1">
-              <a:shade val="50000"/>
-            </a:schemeClr>
-          </a:lnRef>
-          <a:fillRef idx="1">
-            <a:schemeClr val="accent1"/>
-          </a:fillRef>
-          <a:effectRef idx="0">
-            <a:schemeClr val="accent1"/>
-          </a:effectRef>
-          <a:fontRef idx="minor">
-            <a:schemeClr val="lt1"/>
-          </a:fontRef>
-        </p:style>
-        <p:txBody>
-          <a:bodyPr rtlCol="0" anchor="ctr"/>
-          <a:lstStyle/>
-          <a:p>
-            <a:pPr algn="ctr"/>
-            <a:endParaRPr lang="en-SG"/>
-          </a:p>
-        </p:txBody>
-      </p:sp>
-      <p:sp>
-        <p:nvSpPr>
-          <p:cNvPr id="106" name="Flowchart: Connector 105"/>
-          <p:cNvSpPr/>
-          <p:nvPr/>
-        </p:nvSpPr>
-        <p:spPr>
-          <a:xfrm rot="6417624">
-            <a:off x="3797211" y="851850"/>
-            <a:ext cx="45719" cy="45719"/>
-          </a:xfrm>
-          <a:prstGeom prst="flowChartConnector">
-            <a:avLst/>
-          </a:prstGeom>
-          <a:solidFill>
-            <a:schemeClr val="bg1"/>
-          </a:solidFill>
-          <a:ln>
+        </p:grpSpPr>
+        <p:sp>
+          <p:nvSpPr>
+            <p:cNvPr id="101" name="Flowchart: Delay 100"/>
+            <p:cNvSpPr/>
+            <p:nvPr/>
+          </p:nvSpPr>
+          <p:spPr>
+            <a:xfrm rot="16200000">
+              <a:off x="3817764" y="982395"/>
+              <a:ext cx="280353" cy="298983"/>
+            </a:xfrm>
+            <a:prstGeom prst="flowChartDelay">
+              <a:avLst/>
+            </a:prstGeom>
             <a:solidFill>
+              <a:schemeClr val="bg1"/>
+            </a:solidFill>
+            <a:ln cap="rnd">
+              <a:solidFill>
+                <a:srgbClr val="0070C0"/>
+              </a:solidFill>
+            </a:ln>
+          </p:spPr>
+          <p:style>
+            <a:lnRef idx="2">
               <a:schemeClr val="accent1">
-                <a:lumMod val="75000"/>
+                <a:shade val="50000"/>
               </a:schemeClr>
+            </a:lnRef>
+            <a:fillRef idx="1">
+              <a:schemeClr val="accent1"/>
+            </a:fillRef>
+            <a:effectRef idx="0">
+              <a:schemeClr val="accent1"/>
+            </a:effectRef>
+            <a:fontRef idx="minor">
+              <a:schemeClr val="lt1"/>
+            </a:fontRef>
+          </p:style>
+          <p:txBody>
+            <a:bodyPr rtlCol="0" anchor="ctr"/>
+            <a:lstStyle/>
+            <a:p>
+              <a:pPr algn="ctr"/>
+              <a:endParaRPr lang="en-SG"/>
+            </a:p>
+          </p:txBody>
+        </p:sp>
+        <p:sp>
+          <p:nvSpPr>
+            <p:cNvPr id="103" name="Freeform 102"/>
+            <p:cNvSpPr/>
+            <p:nvPr/>
+          </p:nvSpPr>
+          <p:spPr>
+            <a:xfrm rot="20549526">
+              <a:off x="3906803" y="995064"/>
+              <a:ext cx="102393" cy="235744"/>
+            </a:xfrm>
+            <a:custGeom>
+              <a:avLst/>
+              <a:gdLst>
+                <a:gd name="connsiteX0" fmla="*/ 47625 w 102393"/>
+                <a:gd name="connsiteY0" fmla="*/ 0 h 235744"/>
+                <a:gd name="connsiteX1" fmla="*/ 0 w 102393"/>
+                <a:gd name="connsiteY1" fmla="*/ 185738 h 235744"/>
+                <a:gd name="connsiteX2" fmla="*/ 57150 w 102393"/>
+                <a:gd name="connsiteY2" fmla="*/ 235744 h 235744"/>
+                <a:gd name="connsiteX3" fmla="*/ 102393 w 102393"/>
+                <a:gd name="connsiteY3" fmla="*/ 171450 h 235744"/>
+                <a:gd name="connsiteX4" fmla="*/ 47625 w 102393"/>
+                <a:gd name="connsiteY4" fmla="*/ 0 h 235744"/>
+              </a:gdLst>
+              <a:ahLst/>
+              <a:cxnLst>
+                <a:cxn ang="0">
+                  <a:pos x="connsiteX0" y="connsiteY0"/>
+                </a:cxn>
+                <a:cxn ang="0">
+                  <a:pos x="connsiteX1" y="connsiteY1"/>
+                </a:cxn>
+                <a:cxn ang="0">
+                  <a:pos x="connsiteX2" y="connsiteY2"/>
+                </a:cxn>
+                <a:cxn ang="0">
+                  <a:pos x="connsiteX3" y="connsiteY3"/>
+                </a:cxn>
+                <a:cxn ang="0">
+                  <a:pos x="connsiteX4" y="connsiteY4"/>
+                </a:cxn>
+              </a:cxnLst>
+              <a:rect l="l" t="t" r="r" b="b"/>
+              <a:pathLst>
+                <a:path w="102393" h="235744">
+                  <a:moveTo>
+                    <a:pt x="47625" y="0"/>
+                  </a:moveTo>
+                  <a:lnTo>
+                    <a:pt x="0" y="185738"/>
+                  </a:lnTo>
+                  <a:lnTo>
+                    <a:pt x="57150" y="235744"/>
+                  </a:lnTo>
+                  <a:lnTo>
+                    <a:pt x="102393" y="171450"/>
+                  </a:lnTo>
+                  <a:lnTo>
+                    <a:pt x="47625" y="0"/>
+                  </a:lnTo>
+                  <a:close/>
+                </a:path>
+              </a:pathLst>
+            </a:custGeom>
+            <a:solidFill>
+              <a:schemeClr val="bg1"/>
             </a:solidFill>
-          </a:ln>
-        </p:spPr>
-        <p:style>
-          <a:lnRef idx="2">
-            <a:schemeClr val="accent1">
-              <a:shade val="50000"/>
-            </a:schemeClr>
-          </a:lnRef>
-          <a:fillRef idx="1">
-            <a:schemeClr val="accent1"/>
-          </a:fillRef>
-          <a:effectRef idx="0">
-            <a:schemeClr val="accent1"/>
-          </a:effectRef>
-          <a:fontRef idx="minor">
-            <a:schemeClr val="lt1"/>
-          </a:fontRef>
-        </p:style>
-        <p:txBody>
-          <a:bodyPr rtlCol="0" anchor="ctr"/>
-          <a:lstStyle/>
-          <a:p>
-            <a:pPr algn="ctr"/>
-            <a:endParaRPr lang="en-SG"/>
-          </a:p>
-        </p:txBody>
-      </p:sp>
+            <a:ln cap="rnd">
+              <a:solidFill>
+                <a:srgbClr val="0070C0"/>
+              </a:solidFill>
+            </a:ln>
+          </p:spPr>
+          <p:style>
+            <a:lnRef idx="2">
+              <a:schemeClr val="accent1">
+                <a:shade val="50000"/>
+              </a:schemeClr>
+            </a:lnRef>
+            <a:fillRef idx="1">
+              <a:schemeClr val="accent1"/>
+            </a:fillRef>
+            <a:effectRef idx="0">
+              <a:schemeClr val="accent1"/>
+            </a:effectRef>
+            <a:fontRef idx="minor">
+              <a:schemeClr val="lt1"/>
+            </a:fontRef>
+          </p:style>
+          <p:txBody>
+            <a:bodyPr rtlCol="0" anchor="ctr"/>
+            <a:lstStyle/>
+            <a:p>
+              <a:pPr algn="ctr"/>
+              <a:endParaRPr lang="en-SG"/>
+            </a:p>
+          </p:txBody>
+        </p:sp>
+        <p:sp>
+          <p:nvSpPr>
+            <p:cNvPr id="104" name="Flowchart: Connector 103"/>
+            <p:cNvSpPr/>
+            <p:nvPr/>
+          </p:nvSpPr>
+          <p:spPr>
+            <a:xfrm rot="6417624">
+              <a:off x="3752701" y="771813"/>
+              <a:ext cx="220662" cy="220662"/>
+            </a:xfrm>
+            <a:prstGeom prst="flowChartConnector">
+              <a:avLst/>
+            </a:prstGeom>
+            <a:solidFill>
+              <a:schemeClr val="bg1"/>
+            </a:solidFill>
+            <a:ln cap="rnd">
+              <a:solidFill>
+                <a:srgbClr val="0070C0"/>
+              </a:solidFill>
+            </a:ln>
+          </p:spPr>
+          <p:style>
+            <a:lnRef idx="2">
+              <a:schemeClr val="accent1">
+                <a:shade val="50000"/>
+              </a:schemeClr>
+            </a:lnRef>
+            <a:fillRef idx="1">
+              <a:schemeClr val="accent1"/>
+            </a:fillRef>
+            <a:effectRef idx="0">
+              <a:schemeClr val="accent1"/>
+            </a:effectRef>
+            <a:fontRef idx="minor">
+              <a:schemeClr val="lt1"/>
+            </a:fontRef>
+          </p:style>
+          <p:txBody>
+            <a:bodyPr rtlCol="0" anchor="ctr"/>
+            <a:lstStyle/>
+            <a:p>
+              <a:pPr algn="ctr"/>
+              <a:endParaRPr lang="en-SG"/>
+            </a:p>
+          </p:txBody>
+        </p:sp>
+        <p:sp>
+          <p:nvSpPr>
+            <p:cNvPr id="105" name="Freeform 104"/>
+            <p:cNvSpPr/>
+            <p:nvPr/>
+          </p:nvSpPr>
+          <p:spPr>
+            <a:xfrm rot="6417624">
+              <a:off x="3744098" y="964186"/>
+              <a:ext cx="50006" cy="19050"/>
+            </a:xfrm>
+            <a:custGeom>
+              <a:avLst/>
+              <a:gdLst>
+                <a:gd name="connsiteX0" fmla="*/ 0 w 50006"/>
+                <a:gd name="connsiteY0" fmla="*/ 0 h 19050"/>
+                <a:gd name="connsiteX1" fmla="*/ 0 w 50006"/>
+                <a:gd name="connsiteY1" fmla="*/ 0 h 19050"/>
+                <a:gd name="connsiteX2" fmla="*/ 21431 w 50006"/>
+                <a:gd name="connsiteY2" fmla="*/ 4762 h 19050"/>
+                <a:gd name="connsiteX3" fmla="*/ 28575 w 50006"/>
+                <a:gd name="connsiteY3" fmla="*/ 9525 h 19050"/>
+                <a:gd name="connsiteX4" fmla="*/ 38100 w 50006"/>
+                <a:gd name="connsiteY4" fmla="*/ 14287 h 19050"/>
+                <a:gd name="connsiteX5" fmla="*/ 50006 w 50006"/>
+                <a:gd name="connsiteY5" fmla="*/ 19050 h 19050"/>
+              </a:gdLst>
+              <a:ahLst/>
+              <a:cxnLst>
+                <a:cxn ang="0">
+                  <a:pos x="connsiteX0" y="connsiteY0"/>
+                </a:cxn>
+                <a:cxn ang="0">
+                  <a:pos x="connsiteX1" y="connsiteY1"/>
+                </a:cxn>
+                <a:cxn ang="0">
+                  <a:pos x="connsiteX2" y="connsiteY2"/>
+                </a:cxn>
+                <a:cxn ang="0">
+                  <a:pos x="connsiteX3" y="connsiteY3"/>
+                </a:cxn>
+                <a:cxn ang="0">
+                  <a:pos x="connsiteX4" y="connsiteY4"/>
+                </a:cxn>
+                <a:cxn ang="0">
+                  <a:pos x="connsiteX5" y="connsiteY5"/>
+                </a:cxn>
+              </a:cxnLst>
+              <a:rect l="l" t="t" r="r" b="b"/>
+              <a:pathLst>
+                <a:path w="50006" h="19050">
+                  <a:moveTo>
+                    <a:pt x="0" y="0"/>
+                  </a:moveTo>
+                  <a:lnTo>
+                    <a:pt x="0" y="0"/>
+                  </a:lnTo>
+                  <a:cubicBezTo>
+                    <a:pt x="7144" y="1587"/>
+                    <a:pt x="14489" y="2448"/>
+                    <a:pt x="21431" y="4762"/>
+                  </a:cubicBezTo>
+                  <a:cubicBezTo>
+                    <a:pt x="24146" y="5667"/>
+                    <a:pt x="26090" y="8105"/>
+                    <a:pt x="28575" y="9525"/>
+                  </a:cubicBezTo>
+                  <a:cubicBezTo>
+                    <a:pt x="31657" y="11286"/>
+                    <a:pt x="34837" y="12889"/>
+                    <a:pt x="38100" y="14287"/>
+                  </a:cubicBezTo>
+                  <a:cubicBezTo>
+                    <a:pt x="58672" y="23103"/>
+                    <a:pt x="34691" y="11391"/>
+                    <a:pt x="50006" y="19050"/>
+                  </a:cubicBezTo>
+                </a:path>
+              </a:pathLst>
+            </a:custGeom>
+            <a:solidFill>
+              <a:schemeClr val="bg1"/>
+            </a:solidFill>
+            <a:ln cap="rnd">
+              <a:solidFill>
+                <a:srgbClr val="0070C0"/>
+              </a:solidFill>
+            </a:ln>
+          </p:spPr>
+          <p:style>
+            <a:lnRef idx="2">
+              <a:schemeClr val="accent1">
+                <a:shade val="50000"/>
+              </a:schemeClr>
+            </a:lnRef>
+            <a:fillRef idx="1">
+              <a:schemeClr val="accent1"/>
+            </a:fillRef>
+            <a:effectRef idx="0">
+              <a:schemeClr val="accent1"/>
+            </a:effectRef>
+            <a:fontRef idx="minor">
+              <a:schemeClr val="lt1"/>
+            </a:fontRef>
+          </p:style>
+          <p:txBody>
+            <a:bodyPr rtlCol="0" anchor="ctr"/>
+            <a:lstStyle/>
+            <a:p>
+              <a:pPr algn="ctr"/>
+              <a:endParaRPr lang="en-SG"/>
+            </a:p>
+          </p:txBody>
+        </p:sp>
+        <p:sp>
+          <p:nvSpPr>
+            <p:cNvPr id="106" name="Flowchart: Connector 105"/>
+            <p:cNvSpPr/>
+            <p:nvPr/>
+          </p:nvSpPr>
+          <p:spPr>
+            <a:xfrm rot="6417624">
+              <a:off x="3797211" y="851850"/>
+              <a:ext cx="45719" cy="45719"/>
+            </a:xfrm>
+            <a:prstGeom prst="flowChartConnector">
+              <a:avLst/>
+            </a:prstGeom>
+            <a:solidFill>
+              <a:schemeClr val="bg1"/>
+            </a:solidFill>
+            <a:ln cap="rnd">
+              <a:solidFill>
+                <a:srgbClr val="0070C0"/>
+              </a:solidFill>
+            </a:ln>
+          </p:spPr>
+          <p:style>
+            <a:lnRef idx="2">
+              <a:schemeClr val="accent1">
+                <a:shade val="50000"/>
+              </a:schemeClr>
+            </a:lnRef>
+            <a:fillRef idx="1">
+              <a:schemeClr val="accent1"/>
+            </a:fillRef>
+            <a:effectRef idx="0">
+              <a:schemeClr val="accent1"/>
+            </a:effectRef>
+            <a:fontRef idx="minor">
+              <a:schemeClr val="lt1"/>
+            </a:fontRef>
+          </p:style>
+          <p:txBody>
+            <a:bodyPr rtlCol="0" anchor="ctr"/>
+            <a:lstStyle/>
+            <a:p>
+              <a:pPr algn="ctr"/>
+              <a:endParaRPr lang="en-SG"/>
+            </a:p>
+          </p:txBody>
+        </p:sp>
+      </p:grpSp>
       <p:grpSp>
         <p:nvGrpSpPr>
           <p:cNvPr id="107" name="Group 106"/>
@@ -4152,7 +4042,7 @@
         </p:nvGrpSpPr>
         <p:grpSpPr>
           <a:xfrm>
-            <a:off x="638861" y="671308"/>
+            <a:off x="413287" y="417618"/>
             <a:ext cx="298983" cy="513097"/>
             <a:chOff x="638861" y="316856"/>
             <a:chExt cx="298983" cy="513097"/>
@@ -4175,6 +4065,11 @@
             <a:solidFill>
               <a:schemeClr val="bg1"/>
             </a:solidFill>
+            <a:ln cap="rnd">
+              <a:solidFill>
+                <a:srgbClr val="0070C0"/>
+              </a:solidFill>
+            </a:ln>
           </p:spPr>
           <p:style>
             <a:lnRef idx="2">
@@ -4232,6 +4127,11 @@
               <a:solidFill>
                 <a:schemeClr val="bg1"/>
               </a:solidFill>
+              <a:ln cap="rnd">
+                <a:solidFill>
+                  <a:srgbClr val="0070C0"/>
+                </a:solidFill>
+              </a:ln>
             </p:spPr>
             <p:style>
               <a:lnRef idx="2">
@@ -4326,6 +4226,11 @@
               <a:solidFill>
                 <a:schemeClr val="bg1"/>
               </a:solidFill>
+              <a:ln cap="rnd">
+                <a:solidFill>
+                  <a:srgbClr val="0070C0"/>
+                </a:solidFill>
+              </a:ln>
             </p:spPr>
             <p:style>
               <a:lnRef idx="2">
@@ -4361,7 +4266,7 @@
           </p:nvSpPr>
           <p:spPr>
             <a:xfrm>
-              <a:off x="882472" y="469611"/>
+              <a:off x="887234" y="469611"/>
               <a:ext cx="50006" cy="19050"/>
             </a:xfrm>
             <a:custGeom>
@@ -4436,6 +4341,11 @@
             <a:solidFill>
               <a:schemeClr val="bg1"/>
             </a:solidFill>
+            <a:ln cap="rnd">
+              <a:solidFill>
+                <a:srgbClr val="0070C0"/>
+              </a:solidFill>
+            </a:ln>
           </p:spPr>
           <p:style>
             <a:lnRef idx="2">
@@ -4479,11 +4389,9 @@
             <a:solidFill>
               <a:schemeClr val="bg1"/>
             </a:solidFill>
-            <a:ln>
+            <a:ln cap="rnd">
               <a:solidFill>
-                <a:schemeClr val="accent1">
-                  <a:lumMod val="75000"/>
-                </a:schemeClr>
+                <a:srgbClr val="0070C0"/>
               </a:solidFill>
             </a:ln>
           </p:spPr>
@@ -4567,246 +4475,6 @@
       </p:sp>
       <p:sp>
         <p:nvSpPr>
-          <p:cNvPr id="122" name="Isosceles Triangle 121"/>
-          <p:cNvSpPr/>
-          <p:nvPr/>
-        </p:nvSpPr>
-        <p:spPr>
-          <a:xfrm rot="20473365">
-            <a:off x="-143498" y="717745"/>
-            <a:ext cx="2397834" cy="850298"/>
-          </a:xfrm>
-          <a:prstGeom prst="triangle">
-            <a:avLst>
-              <a:gd name="adj" fmla="val 47525"/>
-            </a:avLst>
-          </a:prstGeom>
-          <a:solidFill>
-            <a:schemeClr val="accent1">
-              <a:lumMod val="40000"/>
-              <a:lumOff val="60000"/>
-              <a:alpha val="66000"/>
-            </a:schemeClr>
-          </a:solidFill>
-          <a:ln>
-            <a:noFill/>
-          </a:ln>
-        </p:spPr>
-        <p:style>
-          <a:lnRef idx="2">
-            <a:schemeClr val="accent1">
-              <a:shade val="50000"/>
-            </a:schemeClr>
-          </a:lnRef>
-          <a:fillRef idx="1">
-            <a:schemeClr val="accent1"/>
-          </a:fillRef>
-          <a:effectRef idx="0">
-            <a:schemeClr val="accent1"/>
-          </a:effectRef>
-          <a:fontRef idx="minor">
-            <a:schemeClr val="lt1"/>
-          </a:fontRef>
-        </p:style>
-        <p:txBody>
-          <a:bodyPr rtlCol="0" anchor="ctr"/>
-          <a:lstStyle/>
-          <a:p>
-            <a:pPr algn="ctr"/>
-            <a:endParaRPr lang="en-US"/>
-          </a:p>
-        </p:txBody>
-      </p:sp>
-      <p:sp>
-        <p:nvSpPr>
-          <p:cNvPr id="123" name="Isosceles Triangle 122"/>
-          <p:cNvSpPr/>
-          <p:nvPr/>
-        </p:nvSpPr>
-        <p:spPr>
-          <a:xfrm rot="3148928">
-            <a:off x="3650834" y="1768963"/>
-            <a:ext cx="713841" cy="1021565"/>
-          </a:xfrm>
-          <a:prstGeom prst="triangle">
-            <a:avLst>
-              <a:gd name="adj" fmla="val 4653"/>
-            </a:avLst>
-          </a:prstGeom>
-          <a:solidFill>
-            <a:schemeClr val="accent6">
-              <a:lumMod val="40000"/>
-              <a:lumOff val="60000"/>
-              <a:alpha val="65000"/>
-            </a:schemeClr>
-          </a:solidFill>
-          <a:ln>
-            <a:noFill/>
-          </a:ln>
-        </p:spPr>
-        <p:style>
-          <a:lnRef idx="2">
-            <a:schemeClr val="accent1">
-              <a:shade val="50000"/>
-            </a:schemeClr>
-          </a:lnRef>
-          <a:fillRef idx="1">
-            <a:schemeClr val="accent1"/>
-          </a:fillRef>
-          <a:effectRef idx="0">
-            <a:schemeClr val="accent1"/>
-          </a:effectRef>
-          <a:fontRef idx="minor">
-            <a:schemeClr val="lt1"/>
-          </a:fontRef>
-        </p:style>
-        <p:txBody>
-          <a:bodyPr rtlCol="0" anchor="ctr"/>
-          <a:lstStyle/>
-          <a:p>
-            <a:pPr algn="ctr"/>
-            <a:endParaRPr lang="en-US"/>
-          </a:p>
-        </p:txBody>
-      </p:sp>
-      <p:sp>
-        <p:nvSpPr>
-          <p:cNvPr id="124" name="Isosceles Triangle 123"/>
-          <p:cNvSpPr/>
-          <p:nvPr/>
-        </p:nvSpPr>
-        <p:spPr>
-          <a:xfrm rot="4843798">
-            <a:off x="3211708" y="1114265"/>
-            <a:ext cx="863133" cy="1252009"/>
-          </a:xfrm>
-          <a:prstGeom prst="triangle">
-            <a:avLst>
-              <a:gd name="adj" fmla="val 53834"/>
-            </a:avLst>
-          </a:prstGeom>
-          <a:solidFill>
-            <a:schemeClr val="accent6">
-              <a:lumMod val="40000"/>
-              <a:lumOff val="60000"/>
-              <a:alpha val="65000"/>
-            </a:schemeClr>
-          </a:solidFill>
-          <a:ln>
-            <a:noFill/>
-          </a:ln>
-        </p:spPr>
-        <p:style>
-          <a:lnRef idx="2">
-            <a:schemeClr val="accent1">
-              <a:shade val="50000"/>
-            </a:schemeClr>
-          </a:lnRef>
-          <a:fillRef idx="1">
-            <a:schemeClr val="accent1"/>
-          </a:fillRef>
-          <a:effectRef idx="0">
-            <a:schemeClr val="accent1"/>
-          </a:effectRef>
-          <a:fontRef idx="minor">
-            <a:schemeClr val="lt1"/>
-          </a:fontRef>
-        </p:style>
-        <p:txBody>
-          <a:bodyPr rtlCol="0" anchor="ctr"/>
-          <a:lstStyle/>
-          <a:p>
-            <a:pPr algn="ctr"/>
-            <a:endParaRPr lang="en-US"/>
-          </a:p>
-        </p:txBody>
-      </p:sp>
-      <p:sp>
-        <p:nvSpPr>
-          <p:cNvPr id="125" name="TextBox 124"/>
-          <p:cNvSpPr txBox="1"/>
-          <p:nvPr/>
-        </p:nvSpPr>
-        <p:spPr>
-          <a:xfrm>
-            <a:off x="485546" y="227167"/>
-            <a:ext cx="1600200" cy="430887"/>
-          </a:xfrm>
-          <a:prstGeom prst="rect">
-            <a:avLst/>
-          </a:prstGeom>
-          <a:noFill/>
-        </p:spPr>
-        <p:txBody>
-          <a:bodyPr wrap="square" rtlCol="0">
-            <a:spAutoFit/>
-          </a:bodyPr>
-          <a:lstStyle/>
-          <a:p>
-            <a:pPr algn="ctr"/>
-            <a:r>
-              <a:rPr lang="en-US" sz="1100" dirty="0" smtClean="0">
-                <a:solidFill>
-                  <a:schemeClr val="bg1">
-                    <a:lumMod val="50000"/>
-                  </a:schemeClr>
-                </a:solidFill>
-                <a:latin typeface="+mj-lt"/>
-                <a:ea typeface="2Dumb" pitchFamily="2" charset="0"/>
-              </a:rPr>
-              <a:t>Anonymous</a:t>
-            </a:r>
-            <a:r>
-              <a:rPr lang="en-US" sz="1100" b="1" dirty="0" smtClean="0">
-                <a:solidFill>
-                  <a:schemeClr val="bg1">
-                    <a:lumMod val="50000"/>
-                  </a:schemeClr>
-                </a:solidFill>
-                <a:latin typeface="+mj-lt"/>
-                <a:ea typeface="2Dumb" pitchFamily="2" charset="0"/>
-              </a:rPr>
-              <a:t> </a:t>
-            </a:r>
-            <a:r>
-              <a:rPr lang="en-US" sz="1100" b="1" dirty="0" smtClean="0">
-                <a:latin typeface="+mj-lt"/>
-                <a:ea typeface="2Dumb" pitchFamily="2" charset="0"/>
-              </a:rPr>
-              <a:t/>
-            </a:r>
-            <a:br>
-              <a:rPr lang="en-US" sz="1100" b="1" dirty="0" smtClean="0">
-                <a:latin typeface="+mj-lt"/>
-                <a:ea typeface="2Dumb" pitchFamily="2" charset="0"/>
-              </a:rPr>
-            </a:br>
-            <a:r>
-              <a:rPr lang="en-US" sz="1100" b="1" dirty="0" smtClean="0">
-                <a:solidFill>
-                  <a:schemeClr val="accent6">
-                    <a:lumMod val="75000"/>
-                  </a:schemeClr>
-                </a:solidFill>
-                <a:latin typeface="+mj-lt"/>
-                <a:ea typeface="2Dumb" pitchFamily="2" charset="0"/>
-              </a:rPr>
-              <a:t>peer feedback</a:t>
-            </a:r>
-            <a:endParaRPr lang="en-US" sz="1100" b="1" dirty="0">
-              <a:solidFill>
-                <a:schemeClr val="accent6">
-                  <a:lumMod val="75000"/>
-                </a:schemeClr>
-              </a:solidFill>
-              <a:latin typeface="+mj-lt"/>
-              <a:ea typeface="2Dumb" pitchFamily="2" charset="0"/>
-            </a:endParaRPr>
-          </a:p>
-        </p:txBody>
-      </p:sp>
-      <p:sp>
-        <p:nvSpPr>
           <p:cNvPr id="126" name="TextBox 125"/>
           <p:cNvSpPr txBox="1"/>
           <p:nvPr/>
@@ -4835,81 +4503,9 @@
                     <a:lumMod val="50000"/>
                   </a:schemeClr>
                 </a:solidFill>
-                <a:latin typeface="+mj-lt"/>
                 <a:ea typeface="2Dumb" pitchFamily="2" charset="0"/>
               </a:rPr>
-              <a:t>Confidential</a:t>
-            </a:r>
-            <a:r>
-              <a:rPr lang="en-US" sz="1100" b="1" dirty="0" smtClean="0">
-                <a:solidFill>
-                  <a:schemeClr val="bg1">
-                    <a:lumMod val="50000"/>
-                  </a:schemeClr>
-                </a:solidFill>
-                <a:latin typeface="+mj-lt"/>
-                <a:ea typeface="2Dumb" pitchFamily="2" charset="0"/>
-              </a:rPr>
-              <a:t> </a:t>
-            </a:r>
-            <a:br>
-              <a:rPr lang="en-US" sz="1100" b="1" dirty="0" smtClean="0">
-                <a:solidFill>
-                  <a:schemeClr val="bg1">
-                    <a:lumMod val="50000"/>
-                  </a:schemeClr>
-                </a:solidFill>
-                <a:latin typeface="+mj-lt"/>
-                <a:ea typeface="2Dumb" pitchFamily="2" charset="0"/>
-              </a:rPr>
-            </a:br>
-            <a:r>
-              <a:rPr lang="en-US" sz="1100" b="1" dirty="0" smtClean="0">
-                <a:solidFill>
-                  <a:schemeClr val="accent1"/>
-                </a:solidFill>
-                <a:latin typeface="+mj-lt"/>
-                <a:ea typeface="2Dumb" pitchFamily="2" charset="0"/>
-              </a:rPr>
-              <a:t>peer evaluations</a:t>
-            </a:r>
-          </a:p>
-        </p:txBody>
-      </p:sp>
-      <p:sp>
-        <p:nvSpPr>
-          <p:cNvPr id="127" name="TextBox 126"/>
-          <p:cNvSpPr txBox="1"/>
-          <p:nvPr/>
-        </p:nvSpPr>
-        <p:spPr>
-          <a:xfrm>
-            <a:off x="5594757" y="230098"/>
-            <a:ext cx="1676400" cy="430887"/>
-          </a:xfrm>
-          <a:prstGeom prst="rect">
-            <a:avLst/>
-          </a:prstGeom>
-          <a:noFill/>
-        </p:spPr>
-        <p:txBody>
-          <a:bodyPr wrap="square" rtlCol="0">
-            <a:spAutoFit/>
-          </a:bodyPr>
-          <a:lstStyle/>
-          <a:p>
-            <a:pPr algn="ctr"/>
-            <a:r>
-              <a:rPr lang="en-US" sz="1100" dirty="0" smtClean="0">
-                <a:solidFill>
-                  <a:schemeClr val="bg1">
-                    <a:lumMod val="50000"/>
-                  </a:schemeClr>
-                </a:solidFill>
-                <a:latin typeface="+mj-lt"/>
-                <a:ea typeface="2Dumb" pitchFamily="2" charset="0"/>
-              </a:rPr>
-              <a:t>Many other</a:t>
+              <a:t>Shareable </a:t>
             </a:r>
             <a:br>
               <a:rPr lang="en-US" sz="1100" dirty="0" smtClean="0">
@@ -4918,10 +4514,61 @@
                     <a:lumMod val="50000"/>
                   </a:schemeClr>
                 </a:solidFill>
+                <a:ea typeface="2Dumb" pitchFamily="2" charset="0"/>
+              </a:rPr>
+            </a:br>
+            <a:r>
+              <a:rPr lang="en-US" sz="1100" b="1" dirty="0" smtClean="0">
+                <a:solidFill>
+                  <a:srgbClr val="E46B09"/>
+                </a:solidFill>
                 <a:latin typeface="+mj-lt"/>
                 <a:ea typeface="2Dumb" pitchFamily="2" charset="0"/>
               </a:rPr>
-            </a:br>
+              <a:t>i</a:t>
+            </a:r>
+            <a:r>
+              <a:rPr lang="en-US" sz="1100" b="1" dirty="0" smtClean="0">
+                <a:solidFill>
+                  <a:srgbClr val="E46B09"/>
+                </a:solidFill>
+                <a:latin typeface="+mj-lt"/>
+                <a:ea typeface="2Dumb" pitchFamily="2" charset="0"/>
+              </a:rPr>
+              <a:t>nstructor comments</a:t>
+            </a:r>
+            <a:endParaRPr lang="en-US" sz="1100" b="1" dirty="0" smtClean="0">
+              <a:solidFill>
+                <a:srgbClr val="E46B09"/>
+              </a:solidFill>
+              <a:latin typeface="+mj-lt"/>
+              <a:ea typeface="2Dumb" pitchFamily="2" charset="0"/>
+            </a:endParaRPr>
+          </a:p>
+        </p:txBody>
+      </p:sp>
+      <p:sp>
+        <p:nvSpPr>
+          <p:cNvPr id="127" name="TextBox 126"/>
+          <p:cNvSpPr txBox="1"/>
+          <p:nvPr/>
+        </p:nvSpPr>
+        <p:spPr>
+          <a:xfrm>
+            <a:off x="5418549" y="228600"/>
+            <a:ext cx="1676400" cy="430887"/>
+          </a:xfrm>
+          <a:prstGeom prst="rect">
+            <a:avLst/>
+          </a:prstGeom>
+          <a:noFill/>
+        </p:spPr>
+        <p:txBody>
+          <a:bodyPr wrap="square" rtlCol="0">
+            <a:spAutoFit/>
+          </a:bodyPr>
+          <a:lstStyle/>
+          <a:p>
             <a:r>
               <a:rPr lang="en-US" sz="1100" dirty="0" smtClean="0">
                 <a:solidFill>
@@ -4929,26 +4576,33 @@
                     <a:lumMod val="50000"/>
                   </a:schemeClr>
                 </a:solidFill>
-                <a:latin typeface="+mj-lt"/>
                 <a:ea typeface="2Dumb" pitchFamily="2" charset="0"/>
               </a:rPr>
-              <a:t> </a:t>
+              <a:t>Searchable </a:t>
             </a:r>
+            <a:br>
+              <a:rPr lang="en-US" sz="1100" dirty="0" smtClean="0">
+                <a:solidFill>
+                  <a:schemeClr val="bg1">
+                    <a:lumMod val="50000"/>
+                  </a:schemeClr>
+                </a:solidFill>
+                <a:ea typeface="2Dumb" pitchFamily="2" charset="0"/>
+              </a:rPr>
+            </a:br>
             <a:r>
               <a:rPr lang="en-US" sz="1100" b="1" dirty="0" smtClean="0">
                 <a:solidFill>
-                  <a:schemeClr val="accent6">
-                    <a:lumMod val="75000"/>
-                  </a:schemeClr>
+                  <a:srgbClr val="0070C0"/>
                 </a:solidFill>
                 <a:latin typeface="+mj-lt"/>
                 <a:ea typeface="2Dumb" pitchFamily="2" charset="0"/>
               </a:rPr>
-              <a:t>feedback paths</a:t>
+              <a:t>student records</a:t>
             </a:r>
             <a:endParaRPr lang="en-US" sz="1100" b="1" dirty="0" smtClean="0">
               <a:solidFill>
-                <a:schemeClr val="accent1"/>
+                <a:srgbClr val="0070C0"/>
               </a:solidFill>
               <a:latin typeface="+mj-lt"/>
               <a:ea typeface="2Dumb" pitchFamily="2" charset="0"/>
@@ -4964,7 +4618,7 @@
         </p:nvGrpSpPr>
         <p:grpSpPr>
           <a:xfrm flipH="1">
-            <a:off x="1770477" y="1589645"/>
+            <a:off x="1795569" y="997295"/>
             <a:ext cx="298983" cy="520531"/>
             <a:chOff x="699777" y="319219"/>
             <a:chExt cx="298983" cy="520531"/>
@@ -4988,7 +4642,7 @@
               <a:avLst/>
             </a:prstGeom>
             <a:grpFill/>
-            <a:ln>
+            <a:ln cap="rnd">
               <a:solidFill>
                 <a:schemeClr val="accent6">
                   <a:lumMod val="75000"/>
@@ -5036,7 +4690,7 @@
               <a:avLst/>
             </a:prstGeom>
             <a:grpFill/>
-            <a:ln>
+            <a:ln cap="rnd">
               <a:solidFill>
                 <a:schemeClr val="accent6">
                   <a:lumMod val="75000"/>
@@ -5077,7 +4731,7 @@
           </p:nvSpPr>
           <p:spPr>
             <a:xfrm>
-              <a:off x="943388" y="479408"/>
+              <a:off x="945769" y="479408"/>
               <a:ext cx="50006" cy="19050"/>
             </a:xfrm>
             <a:custGeom>
@@ -5150,7 +4804,7 @@
               </a:pathLst>
             </a:custGeom>
             <a:grpFill/>
-            <a:ln>
+            <a:ln cap="rnd">
               <a:solidFill>
                 <a:schemeClr val="accent6">
                   <a:lumMod val="75000"/>
@@ -5200,7 +4854,7 @@
             <a:solidFill>
               <a:schemeClr val="bg1"/>
             </a:solidFill>
-            <a:ln>
+            <a:ln cap="rnd">
               <a:solidFill>
                 <a:schemeClr val="accent6">
                   <a:lumMod val="75000"/>
@@ -5242,7 +4896,7 @@
         </p:nvGrpSpPr>
         <p:grpSpPr>
           <a:xfrm>
-            <a:off x="593726" y="2114985"/>
+            <a:off x="329282" y="2103601"/>
             <a:ext cx="309579" cy="505977"/>
             <a:chOff x="593726" y="1760533"/>
             <a:chExt cx="309579" cy="505977"/>
@@ -5265,7 +4919,7 @@
             <a:solidFill>
               <a:schemeClr val="bg1"/>
             </a:solidFill>
-            <a:ln>
+            <a:ln cap="rnd">
               <a:solidFill>
                 <a:schemeClr val="bg1">
                   <a:lumMod val="65000"/>
@@ -5329,7 +4983,7 @@
               <a:solidFill>
                 <a:schemeClr val="bg1"/>
               </a:solidFill>
-              <a:ln>
+              <a:ln cap="rnd">
                 <a:solidFill>
                   <a:schemeClr val="bg1">
                     <a:lumMod val="65000"/>
@@ -5445,7 +5099,7 @@
               <a:solidFill>
                 <a:schemeClr val="bg1"/>
               </a:solidFill>
-              <a:ln>
+              <a:ln cap="rnd">
                 <a:solidFill>
                   <a:schemeClr val="bg1">
                     <a:lumMod val="65000"/>
@@ -5495,7 +5149,7 @@
               <a:solidFill>
                 <a:schemeClr val="bg1"/>
               </a:solidFill>
-              <a:ln>
+              <a:ln cap="rnd">
                 <a:solidFill>
                   <a:schemeClr val="bg1">
                     <a:lumMod val="65000"/>
@@ -5532,590 +5186,13 @@
       </p:grpSp>
       <p:grpSp>
         <p:nvGrpSpPr>
-          <p:cNvPr id="2" name="Group 1"/>
-          <p:cNvGrpSpPr/>
-          <p:nvPr/>
-        </p:nvGrpSpPr>
-        <p:grpSpPr>
-          <a:xfrm>
-            <a:off x="4281181" y="1552305"/>
-            <a:ext cx="298983" cy="537428"/>
-            <a:chOff x="4281181" y="1552305"/>
-            <a:chExt cx="298983" cy="537428"/>
-          </a:xfrm>
-        </p:grpSpPr>
-        <p:sp>
-          <p:nvSpPr>
-            <p:cNvPr id="141" name="Flowchart: Delay 140"/>
-            <p:cNvSpPr/>
-            <p:nvPr/>
-          </p:nvSpPr>
-          <p:spPr>
-            <a:xfrm rot="5400000" flipH="1">
-              <a:off x="4290496" y="1800065"/>
-              <a:ext cx="280353" cy="298983"/>
-            </a:xfrm>
-            <a:prstGeom prst="flowChartDelay">
-              <a:avLst/>
-            </a:prstGeom>
-            <a:solidFill>
-              <a:schemeClr val="bg1"/>
-            </a:solidFill>
-            <a:ln>
-              <a:solidFill>
-                <a:schemeClr val="accent6">
-                  <a:lumMod val="75000"/>
-                </a:schemeClr>
-              </a:solidFill>
-            </a:ln>
-          </p:spPr>
-          <p:style>
-            <a:lnRef idx="2">
-              <a:schemeClr val="accent1">
-                <a:shade val="50000"/>
-              </a:schemeClr>
-            </a:lnRef>
-            <a:fillRef idx="1">
-              <a:schemeClr val="accent1"/>
-            </a:fillRef>
-            <a:effectRef idx="0">
-              <a:schemeClr val="accent1"/>
-            </a:effectRef>
-            <a:fontRef idx="minor">
-              <a:schemeClr val="lt1"/>
-            </a:fontRef>
-          </p:style>
-          <p:txBody>
-            <a:bodyPr rtlCol="0" anchor="ctr"/>
-            <a:lstStyle/>
-            <a:p>
-              <a:pPr algn="ctr"/>
-              <a:endParaRPr lang="en-SG"/>
-            </a:p>
-          </p:txBody>
-        </p:sp>
-        <p:grpSp>
-          <p:nvGrpSpPr>
-            <p:cNvPr id="142" name="Group 141"/>
-            <p:cNvGrpSpPr/>
-            <p:nvPr/>
-          </p:nvGrpSpPr>
-          <p:grpSpPr>
-            <a:xfrm rot="3372795">
-              <a:off x="4286547" y="1569203"/>
-              <a:ext cx="254457" cy="220662"/>
-              <a:chOff x="4335990" y="1588796"/>
-              <a:chExt cx="254457" cy="220662"/>
-            </a:xfrm>
-          </p:grpSpPr>
-          <p:sp>
-            <p:nvSpPr>
-              <p:cNvPr id="143" name="Flowchart: Connector 142"/>
-              <p:cNvSpPr/>
-              <p:nvPr/>
-            </p:nvSpPr>
-            <p:spPr>
-              <a:xfrm flipH="1">
-                <a:off x="4369785" y="1588796"/>
-                <a:ext cx="220662" cy="220662"/>
-              </a:xfrm>
-              <a:prstGeom prst="flowChartConnector">
-                <a:avLst/>
-              </a:prstGeom>
-              <a:solidFill>
-                <a:schemeClr val="bg1"/>
-              </a:solidFill>
-              <a:ln>
-                <a:solidFill>
-                  <a:schemeClr val="accent6">
-                    <a:lumMod val="75000"/>
-                  </a:schemeClr>
-                </a:solidFill>
-              </a:ln>
-            </p:spPr>
-            <p:style>
-              <a:lnRef idx="2">
-                <a:schemeClr val="accent1">
-                  <a:shade val="50000"/>
-                </a:schemeClr>
-              </a:lnRef>
-              <a:fillRef idx="1">
-                <a:schemeClr val="accent1"/>
-              </a:fillRef>
-              <a:effectRef idx="0">
-                <a:schemeClr val="accent1"/>
-              </a:effectRef>
-              <a:fontRef idx="minor">
-                <a:schemeClr val="lt1"/>
-              </a:fontRef>
-            </p:style>
-            <p:txBody>
-              <a:bodyPr rtlCol="0" anchor="ctr"/>
-              <a:lstStyle/>
-              <a:p>
-                <a:pPr algn="ctr"/>
-                <a:endParaRPr lang="en-SG"/>
-              </a:p>
-            </p:txBody>
-          </p:sp>
-          <p:sp>
-            <p:nvSpPr>
-              <p:cNvPr id="144" name="Freeform 143"/>
-              <p:cNvSpPr/>
-              <p:nvPr/>
-            </p:nvSpPr>
-            <p:spPr>
-              <a:xfrm flipH="1">
-                <a:off x="4335990" y="1748984"/>
-                <a:ext cx="50006" cy="19050"/>
-              </a:xfrm>
-              <a:custGeom>
-                <a:avLst/>
-                <a:gdLst>
-                  <a:gd name="connsiteX0" fmla="*/ 0 w 50006"/>
-                  <a:gd name="connsiteY0" fmla="*/ 0 h 19050"/>
-                  <a:gd name="connsiteX1" fmla="*/ 0 w 50006"/>
-                  <a:gd name="connsiteY1" fmla="*/ 0 h 19050"/>
-                  <a:gd name="connsiteX2" fmla="*/ 21431 w 50006"/>
-                  <a:gd name="connsiteY2" fmla="*/ 4762 h 19050"/>
-                  <a:gd name="connsiteX3" fmla="*/ 28575 w 50006"/>
-                  <a:gd name="connsiteY3" fmla="*/ 9525 h 19050"/>
-                  <a:gd name="connsiteX4" fmla="*/ 38100 w 50006"/>
-                  <a:gd name="connsiteY4" fmla="*/ 14287 h 19050"/>
-                  <a:gd name="connsiteX5" fmla="*/ 50006 w 50006"/>
-                  <a:gd name="connsiteY5" fmla="*/ 19050 h 19050"/>
-                </a:gdLst>
-                <a:ahLst/>
-                <a:cxnLst>
-                  <a:cxn ang="0">
-                    <a:pos x="connsiteX0" y="connsiteY0"/>
-                  </a:cxn>
-                  <a:cxn ang="0">
-                    <a:pos x="connsiteX1" y="connsiteY1"/>
-                  </a:cxn>
-                  <a:cxn ang="0">
-                    <a:pos x="connsiteX2" y="connsiteY2"/>
-                  </a:cxn>
-                  <a:cxn ang="0">
-                    <a:pos x="connsiteX3" y="connsiteY3"/>
-                  </a:cxn>
-                  <a:cxn ang="0">
-                    <a:pos x="connsiteX4" y="connsiteY4"/>
-                  </a:cxn>
-                  <a:cxn ang="0">
-                    <a:pos x="connsiteX5" y="connsiteY5"/>
-                  </a:cxn>
-                </a:cxnLst>
-                <a:rect l="l" t="t" r="r" b="b"/>
-                <a:pathLst>
-                  <a:path w="50006" h="19050">
-                    <a:moveTo>
-                      <a:pt x="0" y="0"/>
-                    </a:moveTo>
-                    <a:lnTo>
-                      <a:pt x="0" y="0"/>
-                    </a:lnTo>
-                    <a:cubicBezTo>
-                      <a:pt x="7144" y="1587"/>
-                      <a:pt x="14489" y="2448"/>
-                      <a:pt x="21431" y="4762"/>
-                    </a:cubicBezTo>
-                    <a:cubicBezTo>
-                      <a:pt x="24146" y="5667"/>
-                      <a:pt x="26090" y="8105"/>
-                      <a:pt x="28575" y="9525"/>
-                    </a:cubicBezTo>
-                    <a:cubicBezTo>
-                      <a:pt x="31657" y="11286"/>
-                      <a:pt x="34837" y="12889"/>
-                      <a:pt x="38100" y="14287"/>
-                    </a:cubicBezTo>
-                    <a:cubicBezTo>
-                      <a:pt x="58672" y="23103"/>
-                      <a:pt x="34691" y="11391"/>
-                      <a:pt x="50006" y="19050"/>
-                    </a:cubicBezTo>
-                  </a:path>
-                </a:pathLst>
-              </a:custGeom>
-              <a:solidFill>
-                <a:schemeClr val="bg1"/>
-              </a:solidFill>
-              <a:ln>
-                <a:solidFill>
-                  <a:schemeClr val="accent6">
-                    <a:lumMod val="75000"/>
-                  </a:schemeClr>
-                </a:solidFill>
-              </a:ln>
-            </p:spPr>
-            <p:style>
-              <a:lnRef idx="2">
-                <a:schemeClr val="accent1">
-                  <a:shade val="50000"/>
-                </a:schemeClr>
-              </a:lnRef>
-              <a:fillRef idx="1">
-                <a:schemeClr val="accent1"/>
-              </a:fillRef>
-              <a:effectRef idx="0">
-                <a:schemeClr val="accent1"/>
-              </a:effectRef>
-              <a:fontRef idx="minor">
-                <a:schemeClr val="lt1"/>
-              </a:fontRef>
-            </p:style>
-            <p:txBody>
-              <a:bodyPr rtlCol="0" anchor="ctr"/>
-              <a:lstStyle/>
-              <a:p>
-                <a:pPr algn="ctr"/>
-                <a:endParaRPr lang="en-SG"/>
-              </a:p>
-            </p:txBody>
-          </p:sp>
-          <p:sp>
-            <p:nvSpPr>
-              <p:cNvPr id="145" name="Flowchart: Connector 144"/>
-              <p:cNvSpPr/>
-              <p:nvPr/>
-            </p:nvSpPr>
-            <p:spPr>
-              <a:xfrm>
-                <a:off x="4432016" y="1643414"/>
-                <a:ext cx="45719" cy="45719"/>
-              </a:xfrm>
-              <a:prstGeom prst="flowChartConnector">
-                <a:avLst/>
-              </a:prstGeom>
-              <a:solidFill>
-                <a:schemeClr val="bg1"/>
-              </a:solidFill>
-              <a:ln>
-                <a:solidFill>
-                  <a:schemeClr val="accent6">
-                    <a:lumMod val="75000"/>
-                  </a:schemeClr>
-                </a:solidFill>
-              </a:ln>
-            </p:spPr>
-            <p:style>
-              <a:lnRef idx="2">
-                <a:schemeClr val="accent1">
-                  <a:shade val="50000"/>
-                </a:schemeClr>
-              </a:lnRef>
-              <a:fillRef idx="1">
-                <a:schemeClr val="accent1"/>
-              </a:fillRef>
-              <a:effectRef idx="0">
-                <a:schemeClr val="accent1"/>
-              </a:effectRef>
-              <a:fontRef idx="minor">
-                <a:schemeClr val="lt1"/>
-              </a:fontRef>
-            </p:style>
-            <p:txBody>
-              <a:bodyPr rtlCol="0" anchor="ctr"/>
-              <a:lstStyle/>
-              <a:p>
-                <a:pPr algn="ctr"/>
-                <a:endParaRPr lang="en-SG"/>
-              </a:p>
-            </p:txBody>
-          </p:sp>
-        </p:grpSp>
-      </p:grpSp>
-      <p:sp>
-        <p:nvSpPr>
-          <p:cNvPr id="146" name="Flowchart: Delay 145"/>
-          <p:cNvSpPr/>
-          <p:nvPr/>
-        </p:nvSpPr>
-        <p:spPr>
-          <a:xfrm rot="5400000" flipH="1">
-            <a:off x="3732363" y="2349801"/>
-            <a:ext cx="280353" cy="298983"/>
-          </a:xfrm>
-          <a:prstGeom prst="flowChartDelay">
-            <a:avLst/>
-          </a:prstGeom>
-          <a:solidFill>
-            <a:schemeClr val="bg1"/>
-          </a:solidFill>
-          <a:ln>
-            <a:solidFill>
-              <a:schemeClr val="bg1">
-                <a:lumMod val="65000"/>
-              </a:schemeClr>
-            </a:solidFill>
-          </a:ln>
-        </p:spPr>
-        <p:style>
-          <a:lnRef idx="2">
-            <a:schemeClr val="accent1">
-              <a:shade val="50000"/>
-            </a:schemeClr>
-          </a:lnRef>
-          <a:fillRef idx="1">
-            <a:schemeClr val="accent1"/>
-          </a:fillRef>
-          <a:effectRef idx="0">
-            <a:schemeClr val="accent1"/>
-          </a:effectRef>
-          <a:fontRef idx="minor">
-            <a:schemeClr val="lt1"/>
-          </a:fontRef>
-        </p:style>
-        <p:txBody>
-          <a:bodyPr rtlCol="0" anchor="ctr"/>
-          <a:lstStyle/>
-          <a:p>
-            <a:pPr algn="ctr"/>
-            <a:endParaRPr lang="en-SG"/>
-          </a:p>
-        </p:txBody>
-      </p:sp>
-      <p:grpSp>
-        <p:nvGrpSpPr>
-          <p:cNvPr id="147" name="Group 146"/>
-          <p:cNvGrpSpPr/>
-          <p:nvPr/>
-        </p:nvGrpSpPr>
-        <p:grpSpPr>
-          <a:xfrm rot="2886978">
-            <a:off x="3728414" y="2124653"/>
-            <a:ext cx="254457" cy="220662"/>
-            <a:chOff x="3791084" y="2070419"/>
-            <a:chExt cx="254457" cy="220662"/>
-          </a:xfrm>
-        </p:grpSpPr>
-        <p:sp>
-          <p:nvSpPr>
-            <p:cNvPr id="148" name="Flowchart: Connector 147"/>
-            <p:cNvSpPr/>
-            <p:nvPr/>
-          </p:nvSpPr>
-          <p:spPr>
-            <a:xfrm flipH="1">
-              <a:off x="3824879" y="2070419"/>
-              <a:ext cx="220662" cy="220662"/>
-            </a:xfrm>
-            <a:prstGeom prst="flowChartConnector">
-              <a:avLst/>
-            </a:prstGeom>
-            <a:solidFill>
-              <a:schemeClr val="bg1"/>
-            </a:solidFill>
-            <a:ln>
-              <a:solidFill>
-                <a:schemeClr val="bg1">
-                  <a:lumMod val="65000"/>
-                </a:schemeClr>
-              </a:solidFill>
-            </a:ln>
-          </p:spPr>
-          <p:style>
-            <a:lnRef idx="2">
-              <a:schemeClr val="accent1">
-                <a:shade val="50000"/>
-              </a:schemeClr>
-            </a:lnRef>
-            <a:fillRef idx="1">
-              <a:schemeClr val="accent1"/>
-            </a:fillRef>
-            <a:effectRef idx="0">
-              <a:schemeClr val="accent1"/>
-            </a:effectRef>
-            <a:fontRef idx="minor">
-              <a:schemeClr val="lt1"/>
-            </a:fontRef>
-          </p:style>
-          <p:txBody>
-            <a:bodyPr rtlCol="0" anchor="ctr"/>
-            <a:lstStyle/>
-            <a:p>
-              <a:pPr algn="ctr"/>
-              <a:endParaRPr lang="en-SG"/>
-            </a:p>
-          </p:txBody>
-        </p:sp>
-        <p:sp>
-          <p:nvSpPr>
-            <p:cNvPr id="149" name="Freeform 148"/>
-            <p:cNvSpPr/>
-            <p:nvPr/>
-          </p:nvSpPr>
-          <p:spPr>
-            <a:xfrm flipH="1">
-              <a:off x="3791084" y="2230608"/>
-              <a:ext cx="50006" cy="19050"/>
-            </a:xfrm>
-            <a:custGeom>
-              <a:avLst/>
-              <a:gdLst>
-                <a:gd name="connsiteX0" fmla="*/ 0 w 50006"/>
-                <a:gd name="connsiteY0" fmla="*/ 0 h 19050"/>
-                <a:gd name="connsiteX1" fmla="*/ 0 w 50006"/>
-                <a:gd name="connsiteY1" fmla="*/ 0 h 19050"/>
-                <a:gd name="connsiteX2" fmla="*/ 21431 w 50006"/>
-                <a:gd name="connsiteY2" fmla="*/ 4762 h 19050"/>
-                <a:gd name="connsiteX3" fmla="*/ 28575 w 50006"/>
-                <a:gd name="connsiteY3" fmla="*/ 9525 h 19050"/>
-                <a:gd name="connsiteX4" fmla="*/ 38100 w 50006"/>
-                <a:gd name="connsiteY4" fmla="*/ 14287 h 19050"/>
-                <a:gd name="connsiteX5" fmla="*/ 50006 w 50006"/>
-                <a:gd name="connsiteY5" fmla="*/ 19050 h 19050"/>
-              </a:gdLst>
-              <a:ahLst/>
-              <a:cxnLst>
-                <a:cxn ang="0">
-                  <a:pos x="connsiteX0" y="connsiteY0"/>
-                </a:cxn>
-                <a:cxn ang="0">
-                  <a:pos x="connsiteX1" y="connsiteY1"/>
-                </a:cxn>
-                <a:cxn ang="0">
-                  <a:pos x="connsiteX2" y="connsiteY2"/>
-                </a:cxn>
-                <a:cxn ang="0">
-                  <a:pos x="connsiteX3" y="connsiteY3"/>
-                </a:cxn>
-                <a:cxn ang="0">
-                  <a:pos x="connsiteX4" y="connsiteY4"/>
-                </a:cxn>
-                <a:cxn ang="0">
-                  <a:pos x="connsiteX5" y="connsiteY5"/>
-                </a:cxn>
-              </a:cxnLst>
-              <a:rect l="l" t="t" r="r" b="b"/>
-              <a:pathLst>
-                <a:path w="50006" h="19050">
-                  <a:moveTo>
-                    <a:pt x="0" y="0"/>
-                  </a:moveTo>
-                  <a:lnTo>
-                    <a:pt x="0" y="0"/>
-                  </a:lnTo>
-                  <a:cubicBezTo>
-                    <a:pt x="7144" y="1587"/>
-                    <a:pt x="14489" y="2448"/>
-                    <a:pt x="21431" y="4762"/>
-                  </a:cubicBezTo>
-                  <a:cubicBezTo>
-                    <a:pt x="24146" y="5667"/>
-                    <a:pt x="26090" y="8105"/>
-                    <a:pt x="28575" y="9525"/>
-                  </a:cubicBezTo>
-                  <a:cubicBezTo>
-                    <a:pt x="31657" y="11286"/>
-                    <a:pt x="34837" y="12889"/>
-                    <a:pt x="38100" y="14287"/>
-                  </a:cubicBezTo>
-                  <a:cubicBezTo>
-                    <a:pt x="58672" y="23103"/>
-                    <a:pt x="34691" y="11391"/>
-                    <a:pt x="50006" y="19050"/>
-                  </a:cubicBezTo>
-                </a:path>
-              </a:pathLst>
-            </a:custGeom>
-            <a:solidFill>
-              <a:schemeClr val="bg1"/>
-            </a:solidFill>
-            <a:ln>
-              <a:solidFill>
-                <a:schemeClr val="bg1">
-                  <a:lumMod val="65000"/>
-                </a:schemeClr>
-              </a:solidFill>
-            </a:ln>
-          </p:spPr>
-          <p:style>
-            <a:lnRef idx="2">
-              <a:schemeClr val="accent1">
-                <a:shade val="50000"/>
-              </a:schemeClr>
-            </a:lnRef>
-            <a:fillRef idx="1">
-              <a:schemeClr val="accent1"/>
-            </a:fillRef>
-            <a:effectRef idx="0">
-              <a:schemeClr val="accent1"/>
-            </a:effectRef>
-            <a:fontRef idx="minor">
-              <a:schemeClr val="lt1"/>
-            </a:fontRef>
-          </p:style>
-          <p:txBody>
-            <a:bodyPr rtlCol="0" anchor="ctr"/>
-            <a:lstStyle/>
-            <a:p>
-              <a:pPr algn="ctr"/>
-              <a:endParaRPr lang="en-SG"/>
-            </a:p>
-          </p:txBody>
-        </p:sp>
-        <p:sp>
-          <p:nvSpPr>
-            <p:cNvPr id="150" name="Flowchart: Connector 149"/>
-            <p:cNvSpPr/>
-            <p:nvPr/>
-          </p:nvSpPr>
-          <p:spPr>
-            <a:xfrm>
-              <a:off x="3870969" y="2125914"/>
-              <a:ext cx="45719" cy="45719"/>
-            </a:xfrm>
-            <a:prstGeom prst="flowChartConnector">
-              <a:avLst/>
-            </a:prstGeom>
-            <a:solidFill>
-              <a:schemeClr val="bg1"/>
-            </a:solidFill>
-            <a:ln>
-              <a:solidFill>
-                <a:schemeClr val="bg1">
-                  <a:lumMod val="65000"/>
-                </a:schemeClr>
-              </a:solidFill>
-            </a:ln>
-          </p:spPr>
-          <p:style>
-            <a:lnRef idx="2">
-              <a:schemeClr val="accent1">
-                <a:shade val="50000"/>
-              </a:schemeClr>
-            </a:lnRef>
-            <a:fillRef idx="1">
-              <a:schemeClr val="accent1"/>
-            </a:fillRef>
-            <a:effectRef idx="0">
-              <a:schemeClr val="accent1"/>
-            </a:effectRef>
-            <a:fontRef idx="minor">
-              <a:schemeClr val="lt1"/>
-            </a:fontRef>
-          </p:style>
-          <p:txBody>
-            <a:bodyPr rtlCol="0" anchor="ctr"/>
-            <a:lstStyle/>
-            <a:p>
-              <a:pPr algn="ctr"/>
-              <a:endParaRPr lang="en-SG"/>
-            </a:p>
-          </p:txBody>
-        </p:sp>
-      </p:grpSp>
-      <p:grpSp>
-        <p:nvGrpSpPr>
           <p:cNvPr id="3" name="Group 2"/>
           <p:cNvGrpSpPr/>
           <p:nvPr/>
         </p:nvGrpSpPr>
         <p:grpSpPr>
           <a:xfrm>
-            <a:off x="3184525" y="1630362"/>
+            <a:off x="2910015" y="1637883"/>
             <a:ext cx="309579" cy="505976"/>
             <a:chOff x="3184525" y="1770986"/>
             <a:chExt cx="309579" cy="505976"/>
@@ -6138,11 +5215,9 @@
             <a:solidFill>
               <a:schemeClr val="bg1"/>
             </a:solidFill>
-            <a:ln>
+            <a:ln cap="rnd">
               <a:solidFill>
-                <a:schemeClr val="bg1">
-                  <a:lumMod val="65000"/>
-                </a:schemeClr>
+                <a:srgbClr val="E46C09"/>
               </a:solidFill>
             </a:ln>
           </p:spPr>
@@ -6202,11 +5277,9 @@
               <a:solidFill>
                 <a:schemeClr val="bg1"/>
               </a:solidFill>
-              <a:ln>
+              <a:ln cap="rnd">
                 <a:solidFill>
-                  <a:schemeClr val="bg1">
-                    <a:lumMod val="65000"/>
-                  </a:schemeClr>
+                  <a:srgbClr val="E46C09"/>
                 </a:solidFill>
               </a:ln>
             </p:spPr>
@@ -6318,11 +5391,9 @@
               <a:solidFill>
                 <a:schemeClr val="bg1"/>
               </a:solidFill>
-              <a:ln>
+              <a:ln cap="rnd">
                 <a:solidFill>
-                  <a:schemeClr val="bg1">
-                    <a:lumMod val="65000"/>
-                  </a:schemeClr>
+                  <a:srgbClr val="E46C09"/>
                 </a:solidFill>
               </a:ln>
             </p:spPr>
@@ -6368,11 +5439,9 @@
               <a:solidFill>
                 <a:schemeClr val="bg1"/>
               </a:solidFill>
-              <a:ln>
+              <a:ln cap="rnd">
                 <a:solidFill>
-                  <a:schemeClr val="bg1">
-                    <a:lumMod val="65000"/>
-                  </a:schemeClr>
+                  <a:srgbClr val="E46C09"/>
                 </a:solidFill>
               </a:ln>
             </p:spPr>
@@ -6411,7 +5480,7 @@
         </p:nvGrpSpPr>
         <p:grpSpPr>
           <a:xfrm flipH="1">
-            <a:off x="1075575" y="2123038"/>
+            <a:off x="749191" y="2112293"/>
             <a:ext cx="298983" cy="497924"/>
             <a:chOff x="1075575" y="1768586"/>
             <a:chExt cx="298983" cy="497924"/>
@@ -6434,7 +5503,7 @@
             <a:solidFill>
               <a:schemeClr val="bg1"/>
             </a:solidFill>
-            <a:ln>
+            <a:ln cap="rnd">
               <a:solidFill>
                 <a:schemeClr val="bg1">
                   <a:lumMod val="65000"/>
@@ -6484,7 +5553,7 @@
             <a:solidFill>
               <a:schemeClr val="bg1"/>
             </a:solidFill>
-            <a:ln>
+            <a:ln cap="rnd">
               <a:solidFill>
                 <a:schemeClr val="bg1">
                   <a:lumMod val="65000"/>
@@ -6600,7 +5669,7 @@
             <a:solidFill>
               <a:schemeClr val="bg1"/>
             </a:solidFill>
-            <a:ln>
+            <a:ln cap="rnd">
               <a:solidFill>
                 <a:schemeClr val="bg1">
                   <a:lumMod val="65000"/>
@@ -6650,7 +5719,7 @@
             <a:solidFill>
               <a:schemeClr val="bg1"/>
             </a:solidFill>
-            <a:ln>
+            <a:ln cap="rnd">
               <a:solidFill>
                 <a:schemeClr val="bg1">
                   <a:lumMod val="65000"/>
@@ -6684,905 +5753,6 @@
           </p:txBody>
         </p:sp>
       </p:grpSp>
-      <p:sp>
-        <p:nvSpPr>
-          <p:cNvPr id="166" name="Freeform 165"/>
-          <p:cNvSpPr/>
-          <p:nvPr/>
-        </p:nvSpPr>
-        <p:spPr>
-          <a:xfrm>
-            <a:off x="4175125" y="1066800"/>
-            <a:ext cx="257456" cy="419744"/>
-          </a:xfrm>
-          <a:custGeom>
-            <a:avLst/>
-            <a:gdLst>
-              <a:gd name="connsiteX0" fmla="*/ 416718 w 416718"/>
-              <a:gd name="connsiteY0" fmla="*/ 490537 h 490537"/>
-              <a:gd name="connsiteX1" fmla="*/ 388143 w 416718"/>
-              <a:gd name="connsiteY1" fmla="*/ 295275 h 490537"/>
-              <a:gd name="connsiteX2" fmla="*/ 292893 w 416718"/>
-              <a:gd name="connsiteY2" fmla="*/ 142875 h 490537"/>
-              <a:gd name="connsiteX3" fmla="*/ 116681 w 416718"/>
-              <a:gd name="connsiteY3" fmla="*/ 47625 h 490537"/>
-              <a:gd name="connsiteX4" fmla="*/ 0 w 416718"/>
-              <a:gd name="connsiteY4" fmla="*/ 0 h 490537"/>
-            </a:gdLst>
-            <a:ahLst/>
-            <a:cxnLst>
-              <a:cxn ang="0">
-                <a:pos x="connsiteX0" y="connsiteY0"/>
-              </a:cxn>
-              <a:cxn ang="0">
-                <a:pos x="connsiteX1" y="connsiteY1"/>
-              </a:cxn>
-              <a:cxn ang="0">
-                <a:pos x="connsiteX2" y="connsiteY2"/>
-              </a:cxn>
-              <a:cxn ang="0">
-                <a:pos x="connsiteX3" y="connsiteY3"/>
-              </a:cxn>
-              <a:cxn ang="0">
-                <a:pos x="connsiteX4" y="connsiteY4"/>
-              </a:cxn>
-            </a:cxnLst>
-            <a:rect l="l" t="t" r="r" b="b"/>
-            <a:pathLst>
-              <a:path w="416718" h="490537">
-                <a:moveTo>
-                  <a:pt x="416718" y="490537"/>
-                </a:moveTo>
-                <a:cubicBezTo>
-                  <a:pt x="412749" y="421878"/>
-                  <a:pt x="408780" y="353219"/>
-                  <a:pt x="388143" y="295275"/>
-                </a:cubicBezTo>
-                <a:cubicBezTo>
-                  <a:pt x="367505" y="237331"/>
-                  <a:pt x="338137" y="184150"/>
-                  <a:pt x="292893" y="142875"/>
-                </a:cubicBezTo>
-                <a:cubicBezTo>
-                  <a:pt x="247649" y="101600"/>
-                  <a:pt x="165496" y="71437"/>
-                  <a:pt x="116681" y="47625"/>
-                </a:cubicBezTo>
-                <a:cubicBezTo>
-                  <a:pt x="67866" y="23813"/>
-                  <a:pt x="33933" y="11906"/>
-                  <a:pt x="0" y="0"/>
-                </a:cubicBezTo>
-              </a:path>
-            </a:pathLst>
-          </a:custGeom>
-          <a:noFill/>
-          <a:ln w="38100" cap="rnd">
-            <a:headEnd type="none" w="med" len="med"/>
-            <a:tailEnd type="triangle" w="med" len="med"/>
-          </a:ln>
-        </p:spPr>
-        <p:style>
-          <a:lnRef idx="2">
-            <a:schemeClr val="accent1">
-              <a:shade val="50000"/>
-            </a:schemeClr>
-          </a:lnRef>
-          <a:fillRef idx="1">
-            <a:schemeClr val="accent1"/>
-          </a:fillRef>
-          <a:effectRef idx="0">
-            <a:schemeClr val="accent1"/>
-          </a:effectRef>
-          <a:fontRef idx="minor">
-            <a:schemeClr val="lt1"/>
-          </a:fontRef>
-        </p:style>
-        <p:txBody>
-          <a:bodyPr rtlCol="0" anchor="ctr"/>
-          <a:lstStyle/>
-          <a:p>
-            <a:pPr algn="ctr"/>
-            <a:endParaRPr lang="en-SG"/>
-          </a:p>
-        </p:txBody>
-      </p:sp>
-      <p:sp>
-        <p:nvSpPr>
-          <p:cNvPr id="167" name="Freeform 166"/>
-          <p:cNvSpPr/>
-          <p:nvPr/>
-        </p:nvSpPr>
-        <p:spPr>
-          <a:xfrm>
-            <a:off x="1206653" y="1437572"/>
-            <a:ext cx="574055" cy="632207"/>
-          </a:xfrm>
-          <a:custGeom>
-            <a:avLst/>
-            <a:gdLst>
-              <a:gd name="connsiteX0" fmla="*/ 574055 w 574055"/>
-              <a:gd name="connsiteY0" fmla="*/ 150671 h 598346"/>
-              <a:gd name="connsiteX1" fmla="*/ 431180 w 574055"/>
-              <a:gd name="connsiteY1" fmla="*/ 14940 h 598346"/>
-              <a:gd name="connsiteX2" fmla="*/ 254967 w 574055"/>
-              <a:gd name="connsiteY2" fmla="*/ 12559 h 598346"/>
-              <a:gd name="connsiteX3" fmla="*/ 123998 w 574055"/>
-              <a:gd name="connsiteY3" fmla="*/ 95902 h 598346"/>
-              <a:gd name="connsiteX4" fmla="*/ 47798 w 574055"/>
-              <a:gd name="connsiteY4" fmla="*/ 279259 h 598346"/>
-              <a:gd name="connsiteX5" fmla="*/ 7317 w 574055"/>
-              <a:gd name="connsiteY5" fmla="*/ 472140 h 598346"/>
-              <a:gd name="connsiteX6" fmla="*/ 173 w 574055"/>
-              <a:gd name="connsiteY6" fmla="*/ 598346 h 598346"/>
-              <a:gd name="connsiteX0" fmla="*/ 574055 w 574055"/>
-              <a:gd name="connsiteY0" fmla="*/ 161942 h 609617"/>
-              <a:gd name="connsiteX1" fmla="*/ 431180 w 574055"/>
-              <a:gd name="connsiteY1" fmla="*/ 26211 h 609617"/>
-              <a:gd name="connsiteX2" fmla="*/ 249252 w 574055"/>
-              <a:gd name="connsiteY2" fmla="*/ 6685 h 609617"/>
-              <a:gd name="connsiteX3" fmla="*/ 123998 w 574055"/>
-              <a:gd name="connsiteY3" fmla="*/ 107173 h 609617"/>
-              <a:gd name="connsiteX4" fmla="*/ 47798 w 574055"/>
-              <a:gd name="connsiteY4" fmla="*/ 290530 h 609617"/>
-              <a:gd name="connsiteX5" fmla="*/ 7317 w 574055"/>
-              <a:gd name="connsiteY5" fmla="*/ 483411 h 609617"/>
-              <a:gd name="connsiteX6" fmla="*/ 173 w 574055"/>
-              <a:gd name="connsiteY6" fmla="*/ 609617 h 609617"/>
-              <a:gd name="connsiteX0" fmla="*/ 574055 w 574055"/>
-              <a:gd name="connsiteY0" fmla="*/ 164088 h 611763"/>
-              <a:gd name="connsiteX1" fmla="*/ 391175 w 574055"/>
-              <a:gd name="connsiteY1" fmla="*/ 22642 h 611763"/>
-              <a:gd name="connsiteX2" fmla="*/ 249252 w 574055"/>
-              <a:gd name="connsiteY2" fmla="*/ 8831 h 611763"/>
-              <a:gd name="connsiteX3" fmla="*/ 123998 w 574055"/>
-              <a:gd name="connsiteY3" fmla="*/ 109319 h 611763"/>
-              <a:gd name="connsiteX4" fmla="*/ 47798 w 574055"/>
-              <a:gd name="connsiteY4" fmla="*/ 292676 h 611763"/>
-              <a:gd name="connsiteX5" fmla="*/ 7317 w 574055"/>
-              <a:gd name="connsiteY5" fmla="*/ 485557 h 611763"/>
-              <a:gd name="connsiteX6" fmla="*/ 173 w 574055"/>
-              <a:gd name="connsiteY6" fmla="*/ 611763 h 611763"/>
-              <a:gd name="connsiteX0" fmla="*/ 574055 w 574055"/>
-              <a:gd name="connsiteY0" fmla="*/ 157098 h 604773"/>
-              <a:gd name="connsiteX1" fmla="*/ 391175 w 574055"/>
-              <a:gd name="connsiteY1" fmla="*/ 15652 h 604773"/>
-              <a:gd name="connsiteX2" fmla="*/ 220677 w 574055"/>
-              <a:gd name="connsiteY2" fmla="*/ 13271 h 604773"/>
-              <a:gd name="connsiteX3" fmla="*/ 123998 w 574055"/>
-              <a:gd name="connsiteY3" fmla="*/ 102329 h 604773"/>
-              <a:gd name="connsiteX4" fmla="*/ 47798 w 574055"/>
-              <a:gd name="connsiteY4" fmla="*/ 285686 h 604773"/>
-              <a:gd name="connsiteX5" fmla="*/ 7317 w 574055"/>
-              <a:gd name="connsiteY5" fmla="*/ 478567 h 604773"/>
-              <a:gd name="connsiteX6" fmla="*/ 173 w 574055"/>
-              <a:gd name="connsiteY6" fmla="*/ 604773 h 604773"/>
-              <a:gd name="connsiteX0" fmla="*/ 574055 w 574055"/>
-              <a:gd name="connsiteY0" fmla="*/ 147024 h 594699"/>
-              <a:gd name="connsiteX1" fmla="*/ 374030 w 574055"/>
-              <a:gd name="connsiteY1" fmla="*/ 31910 h 594699"/>
-              <a:gd name="connsiteX2" fmla="*/ 220677 w 574055"/>
-              <a:gd name="connsiteY2" fmla="*/ 3197 h 594699"/>
-              <a:gd name="connsiteX3" fmla="*/ 123998 w 574055"/>
-              <a:gd name="connsiteY3" fmla="*/ 92255 h 594699"/>
-              <a:gd name="connsiteX4" fmla="*/ 47798 w 574055"/>
-              <a:gd name="connsiteY4" fmla="*/ 275612 h 594699"/>
-              <a:gd name="connsiteX5" fmla="*/ 7317 w 574055"/>
-              <a:gd name="connsiteY5" fmla="*/ 468493 h 594699"/>
-              <a:gd name="connsiteX6" fmla="*/ 173 w 574055"/>
-              <a:gd name="connsiteY6" fmla="*/ 594699 h 594699"/>
-              <a:gd name="connsiteX0" fmla="*/ 574055 w 574055"/>
-              <a:gd name="connsiteY0" fmla="*/ 148169 h 595844"/>
-              <a:gd name="connsiteX1" fmla="*/ 419750 w 574055"/>
-              <a:gd name="connsiteY1" fmla="*/ 27789 h 595844"/>
-              <a:gd name="connsiteX2" fmla="*/ 220677 w 574055"/>
-              <a:gd name="connsiteY2" fmla="*/ 4342 h 595844"/>
-              <a:gd name="connsiteX3" fmla="*/ 123998 w 574055"/>
-              <a:gd name="connsiteY3" fmla="*/ 93400 h 595844"/>
-              <a:gd name="connsiteX4" fmla="*/ 47798 w 574055"/>
-              <a:gd name="connsiteY4" fmla="*/ 276757 h 595844"/>
-              <a:gd name="connsiteX5" fmla="*/ 7317 w 574055"/>
-              <a:gd name="connsiteY5" fmla="*/ 469638 h 595844"/>
-              <a:gd name="connsiteX6" fmla="*/ 173 w 574055"/>
-              <a:gd name="connsiteY6" fmla="*/ 595844 h 595844"/>
-              <a:gd name="connsiteX0" fmla="*/ 574055 w 574055"/>
-              <a:gd name="connsiteY0" fmla="*/ 133411 h 581086"/>
-              <a:gd name="connsiteX1" fmla="*/ 419750 w 574055"/>
-              <a:gd name="connsiteY1" fmla="*/ 13031 h 581086"/>
-              <a:gd name="connsiteX2" fmla="*/ 226392 w 574055"/>
-              <a:gd name="connsiteY2" fmla="*/ 10650 h 581086"/>
-              <a:gd name="connsiteX3" fmla="*/ 123998 w 574055"/>
-              <a:gd name="connsiteY3" fmla="*/ 78642 h 581086"/>
-              <a:gd name="connsiteX4" fmla="*/ 47798 w 574055"/>
-              <a:gd name="connsiteY4" fmla="*/ 261999 h 581086"/>
-              <a:gd name="connsiteX5" fmla="*/ 7317 w 574055"/>
-              <a:gd name="connsiteY5" fmla="*/ 454880 h 581086"/>
-              <a:gd name="connsiteX6" fmla="*/ 173 w 574055"/>
-              <a:gd name="connsiteY6" fmla="*/ 581086 h 581086"/>
-              <a:gd name="connsiteX0" fmla="*/ 574055 w 574055"/>
-              <a:gd name="connsiteY0" fmla="*/ 134664 h 582339"/>
-              <a:gd name="connsiteX1" fmla="*/ 419750 w 574055"/>
-              <a:gd name="connsiteY1" fmla="*/ 14284 h 582339"/>
-              <a:gd name="connsiteX2" fmla="*/ 226392 w 574055"/>
-              <a:gd name="connsiteY2" fmla="*/ 11903 h 582339"/>
-              <a:gd name="connsiteX3" fmla="*/ 129713 w 574055"/>
-              <a:gd name="connsiteY3" fmla="*/ 100961 h 582339"/>
-              <a:gd name="connsiteX4" fmla="*/ 47798 w 574055"/>
-              <a:gd name="connsiteY4" fmla="*/ 263252 h 582339"/>
-              <a:gd name="connsiteX5" fmla="*/ 7317 w 574055"/>
-              <a:gd name="connsiteY5" fmla="*/ 456133 h 582339"/>
-              <a:gd name="connsiteX6" fmla="*/ 173 w 574055"/>
-              <a:gd name="connsiteY6" fmla="*/ 582339 h 582339"/>
-              <a:gd name="connsiteX0" fmla="*/ 574055 w 574055"/>
-              <a:gd name="connsiteY0" fmla="*/ 129841 h 577516"/>
-              <a:gd name="connsiteX1" fmla="*/ 419750 w 574055"/>
-              <a:gd name="connsiteY1" fmla="*/ 9461 h 577516"/>
-              <a:gd name="connsiteX2" fmla="*/ 237822 w 574055"/>
-              <a:gd name="connsiteY2" fmla="*/ 17613 h 577516"/>
-              <a:gd name="connsiteX3" fmla="*/ 129713 w 574055"/>
-              <a:gd name="connsiteY3" fmla="*/ 96138 h 577516"/>
-              <a:gd name="connsiteX4" fmla="*/ 47798 w 574055"/>
-              <a:gd name="connsiteY4" fmla="*/ 258429 h 577516"/>
-              <a:gd name="connsiteX5" fmla="*/ 7317 w 574055"/>
-              <a:gd name="connsiteY5" fmla="*/ 451310 h 577516"/>
-              <a:gd name="connsiteX6" fmla="*/ 173 w 574055"/>
-              <a:gd name="connsiteY6" fmla="*/ 577516 h 577516"/>
-              <a:gd name="connsiteX0" fmla="*/ 574055 w 574055"/>
-              <a:gd name="connsiteY0" fmla="*/ 134907 h 582582"/>
-              <a:gd name="connsiteX1" fmla="*/ 419750 w 574055"/>
-              <a:gd name="connsiteY1" fmla="*/ 14527 h 582582"/>
-              <a:gd name="connsiteX2" fmla="*/ 252109 w 574055"/>
-              <a:gd name="connsiteY2" fmla="*/ 11707 h 582582"/>
-              <a:gd name="connsiteX3" fmla="*/ 129713 w 574055"/>
-              <a:gd name="connsiteY3" fmla="*/ 101204 h 582582"/>
-              <a:gd name="connsiteX4" fmla="*/ 47798 w 574055"/>
-              <a:gd name="connsiteY4" fmla="*/ 263495 h 582582"/>
-              <a:gd name="connsiteX5" fmla="*/ 7317 w 574055"/>
-              <a:gd name="connsiteY5" fmla="*/ 456376 h 582582"/>
-              <a:gd name="connsiteX6" fmla="*/ 173 w 574055"/>
-              <a:gd name="connsiteY6" fmla="*/ 582582 h 582582"/>
-            </a:gdLst>
-            <a:ahLst/>
-            <a:cxnLst>
-              <a:cxn ang="0">
-                <a:pos x="connsiteX0" y="connsiteY0"/>
-              </a:cxn>
-              <a:cxn ang="0">
-                <a:pos x="connsiteX1" y="connsiteY1"/>
-              </a:cxn>
-              <a:cxn ang="0">
-                <a:pos x="connsiteX2" y="connsiteY2"/>
-              </a:cxn>
-              <a:cxn ang="0">
-                <a:pos x="connsiteX3" y="connsiteY3"/>
-              </a:cxn>
-              <a:cxn ang="0">
-                <a:pos x="connsiteX4" y="connsiteY4"/>
-              </a:cxn>
-              <a:cxn ang="0">
-                <a:pos x="connsiteX5" y="connsiteY5"/>
-              </a:cxn>
-              <a:cxn ang="0">
-                <a:pos x="connsiteX6" y="connsiteY6"/>
-              </a:cxn>
-            </a:cxnLst>
-            <a:rect l="l" t="t" r="r" b="b"/>
-            <a:pathLst>
-              <a:path w="574055" h="582582">
-                <a:moveTo>
-                  <a:pt x="574055" y="134907"/>
-                </a:moveTo>
-                <a:cubicBezTo>
-                  <a:pt x="529208" y="78551"/>
-                  <a:pt x="473408" y="35060"/>
-                  <a:pt x="419750" y="14527"/>
-                </a:cubicBezTo>
-                <a:cubicBezTo>
-                  <a:pt x="366092" y="-6006"/>
-                  <a:pt x="300448" y="-2739"/>
-                  <a:pt x="252109" y="11707"/>
-                </a:cubicBezTo>
-                <a:cubicBezTo>
-                  <a:pt x="203770" y="26153"/>
-                  <a:pt x="163765" y="59239"/>
-                  <a:pt x="129713" y="101204"/>
-                </a:cubicBezTo>
-                <a:cubicBezTo>
-                  <a:pt x="95661" y="143169"/>
-                  <a:pt x="68197" y="204300"/>
-                  <a:pt x="47798" y="263495"/>
-                </a:cubicBezTo>
-                <a:cubicBezTo>
-                  <a:pt x="27399" y="322690"/>
-                  <a:pt x="15254" y="403195"/>
-                  <a:pt x="7317" y="456376"/>
-                </a:cubicBezTo>
-                <a:cubicBezTo>
-                  <a:pt x="-620" y="509557"/>
-                  <a:pt x="-224" y="546069"/>
-                  <a:pt x="173" y="582582"/>
-                </a:cubicBezTo>
-              </a:path>
-            </a:pathLst>
-          </a:custGeom>
-          <a:noFill/>
-          <a:ln w="38100" cap="rnd">
-            <a:solidFill>
-              <a:schemeClr val="accent6">
-                <a:lumMod val="75000"/>
-              </a:schemeClr>
-            </a:solidFill>
-            <a:headEnd type="none" w="med" len="med"/>
-            <a:tailEnd type="triangle" w="med" len="med"/>
-          </a:ln>
-        </p:spPr>
-        <p:style>
-          <a:lnRef idx="2">
-            <a:schemeClr val="accent1">
-              <a:shade val="50000"/>
-            </a:schemeClr>
-          </a:lnRef>
-          <a:fillRef idx="1">
-            <a:schemeClr val="accent1"/>
-          </a:fillRef>
-          <a:effectRef idx="0">
-            <a:schemeClr val="accent1"/>
-          </a:effectRef>
-          <a:fontRef idx="minor">
-            <a:schemeClr val="lt1"/>
-          </a:fontRef>
-        </p:style>
-        <p:txBody>
-          <a:bodyPr rtlCol="0" anchor="ctr"/>
-          <a:lstStyle/>
-          <a:p>
-            <a:pPr algn="ctr"/>
-            <a:endParaRPr lang="en-SG"/>
-          </a:p>
-        </p:txBody>
-      </p:sp>
-      <p:sp>
-        <p:nvSpPr>
-          <p:cNvPr id="168" name="Freeform 167"/>
-          <p:cNvSpPr/>
-          <p:nvPr/>
-        </p:nvSpPr>
-        <p:spPr>
-          <a:xfrm>
-            <a:off x="797728" y="1343969"/>
-            <a:ext cx="975836" cy="725810"/>
-          </a:xfrm>
-          <a:custGeom>
-            <a:avLst/>
-            <a:gdLst>
-              <a:gd name="connsiteX0" fmla="*/ 982980 w 982980"/>
-              <a:gd name="connsiteY0" fmla="*/ 197803 h 700723"/>
-              <a:gd name="connsiteX1" fmla="*/ 754380 w 982980"/>
-              <a:gd name="connsiteY1" fmla="*/ 3493 h 700723"/>
-              <a:gd name="connsiteX2" fmla="*/ 251460 w 982980"/>
-              <a:gd name="connsiteY2" fmla="*/ 123508 h 700723"/>
-              <a:gd name="connsiteX3" fmla="*/ 0 w 982980"/>
-              <a:gd name="connsiteY3" fmla="*/ 700723 h 700723"/>
-              <a:gd name="connsiteX0" fmla="*/ 982980 w 982980"/>
-              <a:gd name="connsiteY0" fmla="*/ 230587 h 733507"/>
-              <a:gd name="connsiteX1" fmla="*/ 645795 w 982980"/>
-              <a:gd name="connsiteY1" fmla="*/ 1987 h 733507"/>
-              <a:gd name="connsiteX2" fmla="*/ 251460 w 982980"/>
-              <a:gd name="connsiteY2" fmla="*/ 156292 h 733507"/>
-              <a:gd name="connsiteX3" fmla="*/ 0 w 982980"/>
-              <a:gd name="connsiteY3" fmla="*/ 733507 h 733507"/>
-              <a:gd name="connsiteX0" fmla="*/ 982980 w 982980"/>
-              <a:gd name="connsiteY0" fmla="*/ 228796 h 731716"/>
-              <a:gd name="connsiteX1" fmla="*/ 645795 w 982980"/>
-              <a:gd name="connsiteY1" fmla="*/ 196 h 731716"/>
-              <a:gd name="connsiteX2" fmla="*/ 217170 w 982980"/>
-              <a:gd name="connsiteY2" fmla="*/ 200221 h 731716"/>
-              <a:gd name="connsiteX3" fmla="*/ 0 w 982980"/>
-              <a:gd name="connsiteY3" fmla="*/ 731716 h 731716"/>
-              <a:gd name="connsiteX0" fmla="*/ 982980 w 982980"/>
-              <a:gd name="connsiteY0" fmla="*/ 223092 h 726012"/>
-              <a:gd name="connsiteX1" fmla="*/ 548640 w 982980"/>
-              <a:gd name="connsiteY1" fmla="*/ 207 h 726012"/>
-              <a:gd name="connsiteX2" fmla="*/ 217170 w 982980"/>
-              <a:gd name="connsiteY2" fmla="*/ 194517 h 726012"/>
-              <a:gd name="connsiteX3" fmla="*/ 0 w 982980"/>
-              <a:gd name="connsiteY3" fmla="*/ 726012 h 726012"/>
-              <a:gd name="connsiteX0" fmla="*/ 982980 w 982980"/>
-              <a:gd name="connsiteY0" fmla="*/ 206475 h 709395"/>
-              <a:gd name="connsiteX1" fmla="*/ 546259 w 982980"/>
-              <a:gd name="connsiteY1" fmla="*/ 258 h 709395"/>
-              <a:gd name="connsiteX2" fmla="*/ 217170 w 982980"/>
-              <a:gd name="connsiteY2" fmla="*/ 177900 h 709395"/>
-              <a:gd name="connsiteX3" fmla="*/ 0 w 982980"/>
-              <a:gd name="connsiteY3" fmla="*/ 709395 h 709395"/>
-              <a:gd name="connsiteX0" fmla="*/ 975836 w 975836"/>
-              <a:gd name="connsiteY0" fmla="*/ 216179 h 709574"/>
-              <a:gd name="connsiteX1" fmla="*/ 546259 w 975836"/>
-              <a:gd name="connsiteY1" fmla="*/ 437 h 709574"/>
-              <a:gd name="connsiteX2" fmla="*/ 217170 w 975836"/>
-              <a:gd name="connsiteY2" fmla="*/ 178079 h 709574"/>
-              <a:gd name="connsiteX3" fmla="*/ 0 w 975836"/>
-              <a:gd name="connsiteY3" fmla="*/ 709574 h 709574"/>
-              <a:gd name="connsiteX0" fmla="*/ 975836 w 975836"/>
-              <a:gd name="connsiteY0" fmla="*/ 232764 h 726159"/>
-              <a:gd name="connsiteX1" fmla="*/ 577216 w 975836"/>
-              <a:gd name="connsiteY1" fmla="*/ 353 h 726159"/>
-              <a:gd name="connsiteX2" fmla="*/ 217170 w 975836"/>
-              <a:gd name="connsiteY2" fmla="*/ 194664 h 726159"/>
-              <a:gd name="connsiteX3" fmla="*/ 0 w 975836"/>
-              <a:gd name="connsiteY3" fmla="*/ 726159 h 726159"/>
-              <a:gd name="connsiteX0" fmla="*/ 975836 w 975836"/>
-              <a:gd name="connsiteY0" fmla="*/ 232764 h 726159"/>
-              <a:gd name="connsiteX1" fmla="*/ 562928 w 975836"/>
-              <a:gd name="connsiteY1" fmla="*/ 353 h 726159"/>
-              <a:gd name="connsiteX2" fmla="*/ 217170 w 975836"/>
-              <a:gd name="connsiteY2" fmla="*/ 194664 h 726159"/>
-              <a:gd name="connsiteX3" fmla="*/ 0 w 975836"/>
-              <a:gd name="connsiteY3" fmla="*/ 726159 h 726159"/>
-              <a:gd name="connsiteX0" fmla="*/ 975836 w 975836"/>
-              <a:gd name="connsiteY0" fmla="*/ 232415 h 725810"/>
-              <a:gd name="connsiteX1" fmla="*/ 562928 w 975836"/>
-              <a:gd name="connsiteY1" fmla="*/ 4 h 725810"/>
-              <a:gd name="connsiteX2" fmla="*/ 217170 w 975836"/>
-              <a:gd name="connsiteY2" fmla="*/ 194315 h 725810"/>
-              <a:gd name="connsiteX3" fmla="*/ 0 w 975836"/>
-              <a:gd name="connsiteY3" fmla="*/ 725810 h 725810"/>
-            </a:gdLst>
-            <a:ahLst/>
-            <a:cxnLst>
-              <a:cxn ang="0">
-                <a:pos x="connsiteX0" y="connsiteY0"/>
-              </a:cxn>
-              <a:cxn ang="0">
-                <a:pos x="connsiteX1" y="connsiteY1"/>
-              </a:cxn>
-              <a:cxn ang="0">
-                <a:pos x="connsiteX2" y="connsiteY2"/>
-              </a:cxn>
-              <a:cxn ang="0">
-                <a:pos x="connsiteX3" y="connsiteY3"/>
-              </a:cxn>
-            </a:cxnLst>
-            <a:rect l="l" t="t" r="r" b="b"/>
-            <a:pathLst>
-              <a:path w="975836" h="725810">
-                <a:moveTo>
-                  <a:pt x="975836" y="232415"/>
-                </a:moveTo>
-                <a:cubicBezTo>
-                  <a:pt x="922496" y="141451"/>
-                  <a:pt x="689372" y="-790"/>
-                  <a:pt x="562928" y="4"/>
-                </a:cubicBezTo>
-                <a:cubicBezTo>
-                  <a:pt x="436484" y="798"/>
-                  <a:pt x="308610" y="73348"/>
-                  <a:pt x="217170" y="194315"/>
-                </a:cubicBezTo>
-                <a:cubicBezTo>
-                  <a:pt x="125730" y="315282"/>
-                  <a:pt x="62865" y="495305"/>
-                  <a:pt x="0" y="725810"/>
-                </a:cubicBezTo>
-              </a:path>
-            </a:pathLst>
-          </a:custGeom>
-          <a:noFill/>
-          <a:ln w="38100" cap="rnd">
-            <a:solidFill>
-              <a:schemeClr val="accent6">
-                <a:lumMod val="75000"/>
-              </a:schemeClr>
-            </a:solidFill>
-            <a:headEnd type="none" w="med" len="med"/>
-            <a:tailEnd type="triangle" w="med" len="med"/>
-          </a:ln>
-        </p:spPr>
-        <p:style>
-          <a:lnRef idx="2">
-            <a:schemeClr val="accent1">
-              <a:shade val="50000"/>
-            </a:schemeClr>
-          </a:lnRef>
-          <a:fillRef idx="1">
-            <a:schemeClr val="accent1"/>
-          </a:fillRef>
-          <a:effectRef idx="0">
-            <a:schemeClr val="accent1"/>
-          </a:effectRef>
-          <a:fontRef idx="minor">
-            <a:schemeClr val="lt1"/>
-          </a:fontRef>
-        </p:style>
-        <p:txBody>
-          <a:bodyPr rtlCol="0" anchor="ctr"/>
-          <a:lstStyle/>
-          <a:p>
-            <a:pPr algn="ctr"/>
-            <a:endParaRPr lang="en-SG"/>
-          </a:p>
-        </p:txBody>
-      </p:sp>
-      <p:sp>
-        <p:nvSpPr>
-          <p:cNvPr id="170" name="Freeform 8"/>
-          <p:cNvSpPr>
-            <a:spLocks/>
-          </p:cNvSpPr>
-          <p:nvPr/>
-        </p:nvSpPr>
-        <p:spPr bwMode="auto">
-          <a:xfrm>
-            <a:off x="6364288" y="1446213"/>
-            <a:ext cx="15875" cy="25400"/>
-          </a:xfrm>
-          <a:custGeom>
-            <a:avLst/>
-            <a:gdLst>
-              <a:gd name="T0" fmla="*/ 2 w 81"/>
-              <a:gd name="T1" fmla="*/ 11 h 146"/>
-              <a:gd name="T2" fmla="*/ 0 w 81"/>
-              <a:gd name="T3" fmla="*/ 44 h 146"/>
-              <a:gd name="T4" fmla="*/ 1 w 81"/>
-              <a:gd name="T5" fmla="*/ 76 h 146"/>
-              <a:gd name="T6" fmla="*/ 7 w 81"/>
-              <a:gd name="T7" fmla="*/ 109 h 146"/>
-              <a:gd name="T8" fmla="*/ 21 w 81"/>
-              <a:gd name="T9" fmla="*/ 140 h 146"/>
-              <a:gd name="T10" fmla="*/ 25 w 81"/>
-              <a:gd name="T11" fmla="*/ 144 h 146"/>
-              <a:gd name="T12" fmla="*/ 33 w 81"/>
-              <a:gd name="T13" fmla="*/ 146 h 146"/>
-              <a:gd name="T14" fmla="*/ 43 w 81"/>
-              <a:gd name="T15" fmla="*/ 145 h 146"/>
-              <a:gd name="T16" fmla="*/ 55 w 81"/>
-              <a:gd name="T17" fmla="*/ 143 h 146"/>
-              <a:gd name="T18" fmla="*/ 65 w 81"/>
-              <a:gd name="T19" fmla="*/ 139 h 146"/>
-              <a:gd name="T20" fmla="*/ 74 w 81"/>
-              <a:gd name="T21" fmla="*/ 133 h 146"/>
-              <a:gd name="T22" fmla="*/ 80 w 81"/>
-              <a:gd name="T23" fmla="*/ 128 h 146"/>
-              <a:gd name="T24" fmla="*/ 81 w 81"/>
-              <a:gd name="T25" fmla="*/ 122 h 146"/>
-              <a:gd name="T26" fmla="*/ 77 w 81"/>
-              <a:gd name="T27" fmla="*/ 106 h 146"/>
-              <a:gd name="T28" fmla="*/ 73 w 81"/>
-              <a:gd name="T29" fmla="*/ 90 h 146"/>
-              <a:gd name="T30" fmla="*/ 68 w 81"/>
-              <a:gd name="T31" fmla="*/ 75 h 146"/>
-              <a:gd name="T32" fmla="*/ 63 w 81"/>
-              <a:gd name="T33" fmla="*/ 60 h 146"/>
-              <a:gd name="T34" fmla="*/ 56 w 81"/>
-              <a:gd name="T35" fmla="*/ 45 h 146"/>
-              <a:gd name="T36" fmla="*/ 48 w 81"/>
-              <a:gd name="T37" fmla="*/ 30 h 146"/>
-              <a:gd name="T38" fmla="*/ 40 w 81"/>
-              <a:gd name="T39" fmla="*/ 16 h 146"/>
-              <a:gd name="T40" fmla="*/ 31 w 81"/>
-              <a:gd name="T41" fmla="*/ 3 h 146"/>
-              <a:gd name="T42" fmla="*/ 25 w 81"/>
-              <a:gd name="T43" fmla="*/ 0 h 146"/>
-              <a:gd name="T44" fmla="*/ 15 w 81"/>
-              <a:gd name="T45" fmla="*/ 1 h 146"/>
-              <a:gd name="T46" fmla="*/ 6 w 81"/>
-              <a:gd name="T47" fmla="*/ 6 h 146"/>
-              <a:gd name="T48" fmla="*/ 2 w 81"/>
-              <a:gd name="T49" fmla="*/ 11 h 146"/>
-              <a:gd name="T50" fmla="*/ 2 w 81"/>
-              <a:gd name="T51" fmla="*/ 11 h 146"/>
-            </a:gdLst>
-            <a:ahLst/>
-            <a:cxnLst>
-              <a:cxn ang="0">
-                <a:pos x="T0" y="T1"/>
-              </a:cxn>
-              <a:cxn ang="0">
-                <a:pos x="T2" y="T3"/>
-              </a:cxn>
-              <a:cxn ang="0">
-                <a:pos x="T4" y="T5"/>
-              </a:cxn>
-              <a:cxn ang="0">
-                <a:pos x="T6" y="T7"/>
-              </a:cxn>
-              <a:cxn ang="0">
-                <a:pos x="T8" y="T9"/>
-              </a:cxn>
-              <a:cxn ang="0">
-                <a:pos x="T10" y="T11"/>
-              </a:cxn>
-              <a:cxn ang="0">
-                <a:pos x="T12" y="T13"/>
-              </a:cxn>
-              <a:cxn ang="0">
-                <a:pos x="T14" y="T15"/>
-              </a:cxn>
-              <a:cxn ang="0">
-                <a:pos x="T16" y="T17"/>
-              </a:cxn>
-              <a:cxn ang="0">
-                <a:pos x="T18" y="T19"/>
-              </a:cxn>
-              <a:cxn ang="0">
-                <a:pos x="T20" y="T21"/>
-              </a:cxn>
-              <a:cxn ang="0">
-                <a:pos x="T22" y="T23"/>
-              </a:cxn>
-              <a:cxn ang="0">
-                <a:pos x="T24" y="T25"/>
-              </a:cxn>
-              <a:cxn ang="0">
-                <a:pos x="T26" y="T27"/>
-              </a:cxn>
-              <a:cxn ang="0">
-                <a:pos x="T28" y="T29"/>
-              </a:cxn>
-              <a:cxn ang="0">
-                <a:pos x="T30" y="T31"/>
-              </a:cxn>
-              <a:cxn ang="0">
-                <a:pos x="T32" y="T33"/>
-              </a:cxn>
-              <a:cxn ang="0">
-                <a:pos x="T34" y="T35"/>
-              </a:cxn>
-              <a:cxn ang="0">
-                <a:pos x="T36" y="T37"/>
-              </a:cxn>
-              <a:cxn ang="0">
-                <a:pos x="T38" y="T39"/>
-              </a:cxn>
-              <a:cxn ang="0">
-                <a:pos x="T40" y="T41"/>
-              </a:cxn>
-              <a:cxn ang="0">
-                <a:pos x="T42" y="T43"/>
-              </a:cxn>
-              <a:cxn ang="0">
-                <a:pos x="T44" y="T45"/>
-              </a:cxn>
-              <a:cxn ang="0">
-                <a:pos x="T46" y="T47"/>
-              </a:cxn>
-              <a:cxn ang="0">
-                <a:pos x="T48" y="T49"/>
-              </a:cxn>
-              <a:cxn ang="0">
-                <a:pos x="T50" y="T51"/>
-              </a:cxn>
-            </a:cxnLst>
-            <a:rect l="0" t="0" r="r" b="b"/>
-            <a:pathLst>
-              <a:path w="81" h="146">
-                <a:moveTo>
-                  <a:pt x="2" y="11"/>
-                </a:moveTo>
-                <a:lnTo>
-                  <a:pt x="0" y="44"/>
-                </a:lnTo>
-                <a:lnTo>
-                  <a:pt x="1" y="76"/>
-                </a:lnTo>
-                <a:lnTo>
-                  <a:pt x="7" y="109"/>
-                </a:lnTo>
-                <a:lnTo>
-                  <a:pt x="21" y="140"/>
-                </a:lnTo>
-                <a:lnTo>
-                  <a:pt x="25" y="144"/>
-                </a:lnTo>
-                <a:lnTo>
-                  <a:pt x="33" y="146"/>
-                </a:lnTo>
-                <a:lnTo>
-                  <a:pt x="43" y="145"/>
-                </a:lnTo>
-                <a:lnTo>
-                  <a:pt x="55" y="143"/>
-                </a:lnTo>
-                <a:lnTo>
-                  <a:pt x="65" y="139"/>
-                </a:lnTo>
-                <a:lnTo>
-                  <a:pt x="74" y="133"/>
-                </a:lnTo>
-                <a:lnTo>
-                  <a:pt x="80" y="128"/>
-                </a:lnTo>
-                <a:lnTo>
-                  <a:pt x="81" y="122"/>
-                </a:lnTo>
-                <a:lnTo>
-                  <a:pt x="77" y="106"/>
-                </a:lnTo>
-                <a:lnTo>
-                  <a:pt x="73" y="90"/>
-                </a:lnTo>
-                <a:lnTo>
-                  <a:pt x="68" y="75"/>
-                </a:lnTo>
-                <a:lnTo>
-                  <a:pt x="63" y="60"/>
-                </a:lnTo>
-                <a:lnTo>
-                  <a:pt x="56" y="45"/>
-                </a:lnTo>
-                <a:lnTo>
-                  <a:pt x="48" y="30"/>
-                </a:lnTo>
-                <a:lnTo>
-                  <a:pt x="40" y="16"/>
-                </a:lnTo>
-                <a:lnTo>
-                  <a:pt x="31" y="3"/>
-                </a:lnTo>
-                <a:lnTo>
-                  <a:pt x="25" y="0"/>
-                </a:lnTo>
-                <a:lnTo>
-                  <a:pt x="15" y="1"/>
-                </a:lnTo>
-                <a:lnTo>
-                  <a:pt x="6" y="6"/>
-                </a:lnTo>
-                <a:lnTo>
-                  <a:pt x="2" y="11"/>
-                </a:lnTo>
-                <a:lnTo>
-                  <a:pt x="2" y="11"/>
-                </a:lnTo>
-                <a:close/>
-              </a:path>
-            </a:pathLst>
-          </a:custGeom>
-          <a:solidFill>
-            <a:srgbClr val="FFFFEA"/>
-          </a:solidFill>
-          <a:ln>
-            <a:noFill/>
-          </a:ln>
-          <a:extLst>
-            <a:ext uri="{91240B29-F687-4F45-9708-019B960494DF}">
-              <a14:hiddenLine xmlns:a14="http://schemas.microsoft.com/office/drawing/2010/main" w="9525">
-                <a:solidFill>
-                  <a:srgbClr val="000000"/>
-                </a:solidFill>
-                <a:round/>
-                <a:headEnd/>
-                <a:tailEnd/>
-              </a14:hiddenLine>
-            </a:ext>
-          </a:extLst>
-        </p:spPr>
-        <p:txBody>
-          <a:bodyPr vert="horz" wrap="square" lIns="91440" tIns="45720" rIns="91440" bIns="45720" numCol="1" anchor="t" anchorCtr="0" compatLnSpc="1">
-            <a:prstTxWarp prst="textNoShape">
-              <a:avLst/>
-            </a:prstTxWarp>
-          </a:bodyPr>
-          <a:lstStyle/>
-          <a:p>
-            <a:endParaRPr lang="en-SG"/>
-          </a:p>
-        </p:txBody>
-      </p:sp>
-      <p:sp>
-        <p:nvSpPr>
-          <p:cNvPr id="172" name="Freeform 10"/>
-          <p:cNvSpPr>
-            <a:spLocks/>
-          </p:cNvSpPr>
-          <p:nvPr/>
-        </p:nvSpPr>
-        <p:spPr bwMode="auto">
-          <a:xfrm>
-            <a:off x="6469063" y="1939646"/>
-            <a:ext cx="0" cy="1588"/>
-          </a:xfrm>
-          <a:custGeom>
-            <a:avLst/>
-            <a:gdLst>
-              <a:gd name="T0" fmla="*/ 2 w 2"/>
-              <a:gd name="T1" fmla="*/ 0 h 3"/>
-              <a:gd name="T2" fmla="*/ 0 w 2"/>
-              <a:gd name="T3" fmla="*/ 3 h 3"/>
-              <a:gd name="T4" fmla="*/ 0 w 2"/>
-              <a:gd name="T5" fmla="*/ 3 h 3"/>
-              <a:gd name="T6" fmla="*/ 0 w 2"/>
-              <a:gd name="T7" fmla="*/ 3 h 3"/>
-              <a:gd name="T8" fmla="*/ 0 w 2"/>
-              <a:gd name="T9" fmla="*/ 3 h 3"/>
-              <a:gd name="T10" fmla="*/ 0 w 2"/>
-              <a:gd name="T11" fmla="*/ 3 h 3"/>
-              <a:gd name="T12" fmla="*/ 2 w 2"/>
-              <a:gd name="T13" fmla="*/ 0 h 3"/>
-            </a:gdLst>
-            <a:ahLst/>
-            <a:cxnLst>
-              <a:cxn ang="0">
-                <a:pos x="T0" y="T1"/>
-              </a:cxn>
-              <a:cxn ang="0">
-                <a:pos x="T2" y="T3"/>
-              </a:cxn>
-              <a:cxn ang="0">
-                <a:pos x="T4" y="T5"/>
-              </a:cxn>
-              <a:cxn ang="0">
-                <a:pos x="T6" y="T7"/>
-              </a:cxn>
-              <a:cxn ang="0">
-                <a:pos x="T8" y="T9"/>
-              </a:cxn>
-              <a:cxn ang="0">
-                <a:pos x="T10" y="T11"/>
-              </a:cxn>
-              <a:cxn ang="0">
-                <a:pos x="T12" y="T13"/>
-              </a:cxn>
-            </a:cxnLst>
-            <a:rect l="0" t="0" r="r" b="b"/>
-            <a:pathLst>
-              <a:path w="2" h="3">
-                <a:moveTo>
-                  <a:pt x="2" y="0"/>
-                </a:moveTo>
-                <a:lnTo>
-                  <a:pt x="0" y="3"/>
-                </a:lnTo>
-                <a:lnTo>
-                  <a:pt x="0" y="3"/>
-                </a:lnTo>
-                <a:lnTo>
-                  <a:pt x="0" y="3"/>
-                </a:lnTo>
-                <a:lnTo>
-                  <a:pt x="0" y="3"/>
-                </a:lnTo>
-                <a:lnTo>
-                  <a:pt x="0" y="3"/>
-                </a:lnTo>
-                <a:lnTo>
-                  <a:pt x="2" y="0"/>
-                </a:lnTo>
-                <a:close/>
-              </a:path>
-            </a:pathLst>
-          </a:custGeom>
-          <a:solidFill>
-            <a:srgbClr val="000000"/>
-          </a:solidFill>
-          <a:ln>
-            <a:noFill/>
-          </a:ln>
-          <a:extLst>
-            <a:ext uri="{91240B29-F687-4F45-9708-019B960494DF}">
-              <a14:hiddenLine xmlns:a14="http://schemas.microsoft.com/office/drawing/2010/main" w="9525">
-                <a:solidFill>
-                  <a:srgbClr val="000000"/>
-                </a:solidFill>
-                <a:round/>
-                <a:headEnd/>
-                <a:tailEnd/>
-              </a14:hiddenLine>
-            </a:ext>
-          </a:extLst>
-        </p:spPr>
-        <p:txBody>
-          <a:bodyPr vert="horz" wrap="square" lIns="91440" tIns="45720" rIns="91440" bIns="45720" numCol="1" anchor="t" anchorCtr="0" compatLnSpc="1">
-            <a:prstTxWarp prst="textNoShape">
-              <a:avLst/>
-            </a:prstTxWarp>
-          </a:bodyPr>
-          <a:lstStyle/>
-          <a:p>
-            <a:endParaRPr lang="en-SG"/>
-          </a:p>
-        </p:txBody>
-      </p:sp>
       <p:grpSp>
         <p:nvGrpSpPr>
           <p:cNvPr id="173" name="Group 172"/>
@@ -7591,7 +5761,7 @@
         </p:nvGrpSpPr>
         <p:grpSpPr>
           <a:xfrm flipH="1">
-            <a:off x="6517742" y="660065"/>
+            <a:off x="6858735" y="689448"/>
             <a:ext cx="298983" cy="513097"/>
             <a:chOff x="638861" y="316856"/>
             <a:chExt cx="298983" cy="513097"/>
@@ -7614,6 +5784,11 @@
             <a:solidFill>
               <a:schemeClr val="bg1"/>
             </a:solidFill>
+            <a:ln cap="rnd">
+              <a:solidFill>
+                <a:srgbClr val="0070C0"/>
+              </a:solidFill>
+            </a:ln>
           </p:spPr>
           <p:style>
             <a:lnRef idx="2">
@@ -7671,6 +5846,11 @@
               <a:solidFill>
                 <a:schemeClr val="bg1"/>
               </a:solidFill>
+              <a:ln cap="rnd">
+                <a:solidFill>
+                  <a:srgbClr val="0070C0"/>
+                </a:solidFill>
+              </a:ln>
             </p:spPr>
             <p:style>
               <a:lnRef idx="2">
@@ -7765,6 +5945,11 @@
               <a:solidFill>
                 <a:schemeClr val="bg1"/>
               </a:solidFill>
+              <a:ln cap="rnd">
+                <a:solidFill>
+                  <a:srgbClr val="0070C0"/>
+                </a:solidFill>
+              </a:ln>
             </p:spPr>
             <p:style>
               <a:lnRef idx="2">
@@ -7800,7 +5985,7 @@
           </p:nvSpPr>
           <p:spPr>
             <a:xfrm>
-              <a:off x="882472" y="469611"/>
+              <a:off x="887234" y="471992"/>
               <a:ext cx="50006" cy="19050"/>
             </a:xfrm>
             <a:custGeom>
@@ -7875,6 +6060,11 @@
             <a:solidFill>
               <a:schemeClr val="bg1"/>
             </a:solidFill>
+            <a:ln cap="rnd">
+              <a:solidFill>
+                <a:srgbClr val="0070C0"/>
+              </a:solidFill>
+            </a:ln>
           </p:spPr>
           <p:style>
             <a:lnRef idx="2">
@@ -7918,11 +6108,9 @@
             <a:solidFill>
               <a:schemeClr val="bg1"/>
             </a:solidFill>
-            <a:ln>
+            <a:ln cap="rnd">
               <a:solidFill>
-                <a:schemeClr val="accent1">
-                  <a:lumMod val="75000"/>
-                </a:schemeClr>
+                <a:srgbClr val="0070C0"/>
               </a:solidFill>
             </a:ln>
           </p:spPr>
@@ -7951,1110 +6139,6 @@
             </a:p>
           </p:txBody>
         </p:sp>
-      </p:grpSp>
-      <p:grpSp>
-        <p:nvGrpSpPr>
-          <p:cNvPr id="75" name="Group 74"/>
-          <p:cNvGrpSpPr/>
-          <p:nvPr/>
-        </p:nvGrpSpPr>
-        <p:grpSpPr>
-          <a:xfrm flipH="1">
-            <a:off x="6026227" y="1782762"/>
-            <a:ext cx="298983" cy="513097"/>
-            <a:chOff x="699777" y="319219"/>
-            <a:chExt cx="298983" cy="513097"/>
-          </a:xfrm>
-          <a:noFill/>
-        </p:grpSpPr>
-        <p:sp>
-          <p:nvSpPr>
-            <p:cNvPr id="76" name="Flowchart: Connector 75"/>
-            <p:cNvSpPr/>
-            <p:nvPr/>
-          </p:nvSpPr>
-          <p:spPr>
-            <a:xfrm>
-              <a:off x="738937" y="319219"/>
-              <a:ext cx="220662" cy="220662"/>
-            </a:xfrm>
-            <a:prstGeom prst="flowChartConnector">
-              <a:avLst/>
-            </a:prstGeom>
-            <a:grpFill/>
-            <a:ln>
-              <a:solidFill>
-                <a:schemeClr val="bg1"/>
-              </a:solidFill>
-            </a:ln>
-          </p:spPr>
-          <p:style>
-            <a:lnRef idx="2">
-              <a:schemeClr val="accent1">
-                <a:shade val="50000"/>
-              </a:schemeClr>
-            </a:lnRef>
-            <a:fillRef idx="1">
-              <a:schemeClr val="accent1"/>
-            </a:fillRef>
-            <a:effectRef idx="0">
-              <a:schemeClr val="accent1"/>
-            </a:effectRef>
-            <a:fontRef idx="minor">
-              <a:schemeClr val="lt1"/>
-            </a:fontRef>
-          </p:style>
-          <p:txBody>
-            <a:bodyPr rtlCol="0" anchor="ctr"/>
-            <a:lstStyle/>
-            <a:p>
-              <a:pPr algn="ctr"/>
-              <a:endParaRPr lang="en-SG"/>
-            </a:p>
-          </p:txBody>
-        </p:sp>
-        <p:sp>
-          <p:nvSpPr>
-            <p:cNvPr id="77" name="Flowchart: Delay 76"/>
-            <p:cNvSpPr/>
-            <p:nvPr/>
-          </p:nvSpPr>
-          <p:spPr>
-            <a:xfrm rot="16200000">
-              <a:off x="709092" y="542648"/>
-              <a:ext cx="280353" cy="298983"/>
-            </a:xfrm>
-            <a:prstGeom prst="flowChartDelay">
-              <a:avLst/>
-            </a:prstGeom>
-            <a:grpFill/>
-            <a:ln>
-              <a:solidFill>
-                <a:schemeClr val="bg1"/>
-              </a:solidFill>
-            </a:ln>
-          </p:spPr>
-          <p:style>
-            <a:lnRef idx="2">
-              <a:schemeClr val="accent1">
-                <a:shade val="50000"/>
-              </a:schemeClr>
-            </a:lnRef>
-            <a:fillRef idx="1">
-              <a:schemeClr val="accent1"/>
-            </a:fillRef>
-            <a:effectRef idx="0">
-              <a:schemeClr val="accent1"/>
-            </a:effectRef>
-            <a:fontRef idx="minor">
-              <a:schemeClr val="lt1"/>
-            </a:fontRef>
-          </p:style>
-          <p:txBody>
-            <a:bodyPr rtlCol="0" anchor="ctr"/>
-            <a:lstStyle/>
-            <a:p>
-              <a:pPr algn="ctr"/>
-              <a:endParaRPr lang="en-SG"/>
-            </a:p>
-          </p:txBody>
-        </p:sp>
-        <p:sp>
-          <p:nvSpPr>
-            <p:cNvPr id="78" name="Freeform 77"/>
-            <p:cNvSpPr/>
-            <p:nvPr/>
-          </p:nvSpPr>
-          <p:spPr>
-            <a:xfrm>
-              <a:off x="943388" y="479408"/>
-              <a:ext cx="50006" cy="19050"/>
-            </a:xfrm>
-            <a:custGeom>
-              <a:avLst/>
-              <a:gdLst>
-                <a:gd name="connsiteX0" fmla="*/ 0 w 50006"/>
-                <a:gd name="connsiteY0" fmla="*/ 0 h 19050"/>
-                <a:gd name="connsiteX1" fmla="*/ 0 w 50006"/>
-                <a:gd name="connsiteY1" fmla="*/ 0 h 19050"/>
-                <a:gd name="connsiteX2" fmla="*/ 21431 w 50006"/>
-                <a:gd name="connsiteY2" fmla="*/ 4762 h 19050"/>
-                <a:gd name="connsiteX3" fmla="*/ 28575 w 50006"/>
-                <a:gd name="connsiteY3" fmla="*/ 9525 h 19050"/>
-                <a:gd name="connsiteX4" fmla="*/ 38100 w 50006"/>
-                <a:gd name="connsiteY4" fmla="*/ 14287 h 19050"/>
-                <a:gd name="connsiteX5" fmla="*/ 50006 w 50006"/>
-                <a:gd name="connsiteY5" fmla="*/ 19050 h 19050"/>
-              </a:gdLst>
-              <a:ahLst/>
-              <a:cxnLst>
-                <a:cxn ang="0">
-                  <a:pos x="connsiteX0" y="connsiteY0"/>
-                </a:cxn>
-                <a:cxn ang="0">
-                  <a:pos x="connsiteX1" y="connsiteY1"/>
-                </a:cxn>
-                <a:cxn ang="0">
-                  <a:pos x="connsiteX2" y="connsiteY2"/>
-                </a:cxn>
-                <a:cxn ang="0">
-                  <a:pos x="connsiteX3" y="connsiteY3"/>
-                </a:cxn>
-                <a:cxn ang="0">
-                  <a:pos x="connsiteX4" y="connsiteY4"/>
-                </a:cxn>
-                <a:cxn ang="0">
-                  <a:pos x="connsiteX5" y="connsiteY5"/>
-                </a:cxn>
-              </a:cxnLst>
-              <a:rect l="l" t="t" r="r" b="b"/>
-              <a:pathLst>
-                <a:path w="50006" h="19050">
-                  <a:moveTo>
-                    <a:pt x="0" y="0"/>
-                  </a:moveTo>
-                  <a:lnTo>
-                    <a:pt x="0" y="0"/>
-                  </a:lnTo>
-                  <a:cubicBezTo>
-                    <a:pt x="7144" y="1587"/>
-                    <a:pt x="14489" y="2448"/>
-                    <a:pt x="21431" y="4762"/>
-                  </a:cubicBezTo>
-                  <a:cubicBezTo>
-                    <a:pt x="24146" y="5667"/>
-                    <a:pt x="26090" y="8105"/>
-                    <a:pt x="28575" y="9525"/>
-                  </a:cubicBezTo>
-                  <a:cubicBezTo>
-                    <a:pt x="31657" y="11286"/>
-                    <a:pt x="34837" y="12889"/>
-                    <a:pt x="38100" y="14287"/>
-                  </a:cubicBezTo>
-                  <a:cubicBezTo>
-                    <a:pt x="58672" y="23103"/>
-                    <a:pt x="34691" y="11391"/>
-                    <a:pt x="50006" y="19050"/>
-                  </a:cubicBezTo>
-                </a:path>
-              </a:pathLst>
-            </a:custGeom>
-            <a:grpFill/>
-            <a:ln>
-              <a:solidFill>
-                <a:schemeClr val="bg1"/>
-              </a:solidFill>
-            </a:ln>
-          </p:spPr>
-          <p:style>
-            <a:lnRef idx="2">
-              <a:schemeClr val="accent1">
-                <a:shade val="50000"/>
-              </a:schemeClr>
-            </a:lnRef>
-            <a:fillRef idx="1">
-              <a:schemeClr val="accent1"/>
-            </a:fillRef>
-            <a:effectRef idx="0">
-              <a:schemeClr val="accent1"/>
-            </a:effectRef>
-            <a:fontRef idx="minor">
-              <a:schemeClr val="lt1"/>
-            </a:fontRef>
-          </p:style>
-          <p:txBody>
-            <a:bodyPr rtlCol="0" anchor="ctr"/>
-            <a:lstStyle/>
-            <a:p>
-              <a:pPr algn="ctr"/>
-              <a:endParaRPr lang="en-SG"/>
-            </a:p>
-          </p:txBody>
-        </p:sp>
-        <p:sp>
-          <p:nvSpPr>
-            <p:cNvPr id="79" name="Flowchart: Connector 78"/>
-            <p:cNvSpPr/>
-            <p:nvPr/>
-          </p:nvSpPr>
-          <p:spPr>
-            <a:xfrm flipH="1">
-              <a:off x="851649" y="373837"/>
-              <a:ext cx="45719" cy="45719"/>
-            </a:xfrm>
-            <a:prstGeom prst="flowChartConnector">
-              <a:avLst/>
-            </a:prstGeom>
-            <a:grpFill/>
-            <a:ln>
-              <a:solidFill>
-                <a:schemeClr val="bg1"/>
-              </a:solidFill>
-            </a:ln>
-          </p:spPr>
-          <p:style>
-            <a:lnRef idx="2">
-              <a:schemeClr val="accent1">
-                <a:shade val="50000"/>
-              </a:schemeClr>
-            </a:lnRef>
-            <a:fillRef idx="1">
-              <a:schemeClr val="accent1"/>
-            </a:fillRef>
-            <a:effectRef idx="0">
-              <a:schemeClr val="accent1"/>
-            </a:effectRef>
-            <a:fontRef idx="minor">
-              <a:schemeClr val="lt1"/>
-            </a:fontRef>
-          </p:style>
-          <p:txBody>
-            <a:bodyPr rtlCol="0" anchor="ctr"/>
-            <a:lstStyle/>
-            <a:p>
-              <a:pPr algn="ctr"/>
-              <a:endParaRPr lang="en-SG"/>
-            </a:p>
-          </p:txBody>
-        </p:sp>
-      </p:grpSp>
-      <p:grpSp>
-        <p:nvGrpSpPr>
-          <p:cNvPr id="86" name="Group 85"/>
-          <p:cNvGrpSpPr/>
-          <p:nvPr/>
-        </p:nvGrpSpPr>
-        <p:grpSpPr>
-          <a:xfrm>
-            <a:off x="5622925" y="1352985"/>
-            <a:ext cx="309579" cy="505977"/>
-            <a:chOff x="593726" y="1760533"/>
-            <a:chExt cx="309579" cy="505977"/>
-          </a:xfrm>
-          <a:noFill/>
-        </p:grpSpPr>
-        <p:sp>
-          <p:nvSpPr>
-            <p:cNvPr id="87" name="Flowchart: Delay 86"/>
-            <p:cNvSpPr/>
-            <p:nvPr/>
-          </p:nvSpPr>
-          <p:spPr>
-            <a:xfrm rot="16200000">
-              <a:off x="603041" y="1976842"/>
-              <a:ext cx="280353" cy="298983"/>
-            </a:xfrm>
-            <a:prstGeom prst="flowChartDelay">
-              <a:avLst/>
-            </a:prstGeom>
-            <a:grpFill/>
-            <a:ln>
-              <a:solidFill>
-                <a:schemeClr val="accent6">
-                  <a:lumMod val="75000"/>
-                </a:schemeClr>
-              </a:solidFill>
-            </a:ln>
-          </p:spPr>
-          <p:style>
-            <a:lnRef idx="2">
-              <a:schemeClr val="accent1">
-                <a:shade val="50000"/>
-              </a:schemeClr>
-            </a:lnRef>
-            <a:fillRef idx="1">
-              <a:schemeClr val="accent1"/>
-            </a:fillRef>
-            <a:effectRef idx="0">
-              <a:schemeClr val="accent1"/>
-            </a:effectRef>
-            <a:fontRef idx="minor">
-              <a:schemeClr val="lt1"/>
-            </a:fontRef>
-          </p:style>
-          <p:txBody>
-            <a:bodyPr rtlCol="0" anchor="ctr"/>
-            <a:lstStyle/>
-            <a:p>
-              <a:pPr algn="ctr"/>
-              <a:endParaRPr lang="en-SG"/>
-            </a:p>
-          </p:txBody>
-        </p:sp>
-        <p:grpSp>
-          <p:nvGrpSpPr>
-            <p:cNvPr id="88" name="Group 87"/>
-            <p:cNvGrpSpPr/>
-            <p:nvPr/>
-          </p:nvGrpSpPr>
-          <p:grpSpPr>
-            <a:xfrm rot="20404603">
-              <a:off x="635382" y="1760533"/>
-              <a:ext cx="267923" cy="220662"/>
-              <a:chOff x="786804" y="1760533"/>
-              <a:chExt cx="267923" cy="220662"/>
-            </a:xfrm>
-            <a:grpFill/>
-          </p:grpSpPr>
-          <p:sp>
-            <p:nvSpPr>
-              <p:cNvPr id="89" name="Flowchart: Connector 88"/>
-              <p:cNvSpPr/>
-              <p:nvPr/>
-            </p:nvSpPr>
-            <p:spPr>
-              <a:xfrm rot="19707452">
-                <a:off x="786804" y="1760533"/>
-                <a:ext cx="220662" cy="220662"/>
-              </a:xfrm>
-              <a:prstGeom prst="flowChartConnector">
-                <a:avLst/>
-              </a:prstGeom>
-              <a:grpFill/>
-              <a:ln>
-                <a:solidFill>
-                  <a:schemeClr val="accent6">
-                    <a:lumMod val="75000"/>
-                  </a:schemeClr>
-                </a:solidFill>
-              </a:ln>
-            </p:spPr>
-            <p:style>
-              <a:lnRef idx="2">
-                <a:schemeClr val="accent1">
-                  <a:shade val="50000"/>
-                </a:schemeClr>
-              </a:lnRef>
-              <a:fillRef idx="1">
-                <a:schemeClr val="accent1"/>
-              </a:fillRef>
-              <a:effectRef idx="0">
-                <a:schemeClr val="accent1"/>
-              </a:effectRef>
-              <a:fontRef idx="minor">
-                <a:schemeClr val="lt1"/>
-              </a:fontRef>
-            </p:style>
-            <p:txBody>
-              <a:bodyPr rtlCol="0" anchor="ctr"/>
-              <a:lstStyle/>
-              <a:p>
-                <a:pPr algn="ctr"/>
-                <a:endParaRPr lang="en-SG"/>
-              </a:p>
-            </p:txBody>
-          </p:sp>
-          <p:sp>
-            <p:nvSpPr>
-              <p:cNvPr id="90" name="Freeform 89"/>
-              <p:cNvSpPr/>
-              <p:nvPr/>
-            </p:nvSpPr>
-            <p:spPr>
-              <a:xfrm rot="19707452">
-                <a:off x="1004721" y="1849632"/>
-                <a:ext cx="50006" cy="19050"/>
-              </a:xfrm>
-              <a:custGeom>
-                <a:avLst/>
-                <a:gdLst>
-                  <a:gd name="connsiteX0" fmla="*/ 0 w 50006"/>
-                  <a:gd name="connsiteY0" fmla="*/ 0 h 19050"/>
-                  <a:gd name="connsiteX1" fmla="*/ 0 w 50006"/>
-                  <a:gd name="connsiteY1" fmla="*/ 0 h 19050"/>
-                  <a:gd name="connsiteX2" fmla="*/ 21431 w 50006"/>
-                  <a:gd name="connsiteY2" fmla="*/ 4762 h 19050"/>
-                  <a:gd name="connsiteX3" fmla="*/ 28575 w 50006"/>
-                  <a:gd name="connsiteY3" fmla="*/ 9525 h 19050"/>
-                  <a:gd name="connsiteX4" fmla="*/ 38100 w 50006"/>
-                  <a:gd name="connsiteY4" fmla="*/ 14287 h 19050"/>
-                  <a:gd name="connsiteX5" fmla="*/ 50006 w 50006"/>
-                  <a:gd name="connsiteY5" fmla="*/ 19050 h 19050"/>
-                </a:gdLst>
-                <a:ahLst/>
-                <a:cxnLst>
-                  <a:cxn ang="0">
-                    <a:pos x="connsiteX0" y="connsiteY0"/>
-                  </a:cxn>
-                  <a:cxn ang="0">
-                    <a:pos x="connsiteX1" y="connsiteY1"/>
-                  </a:cxn>
-                  <a:cxn ang="0">
-                    <a:pos x="connsiteX2" y="connsiteY2"/>
-                  </a:cxn>
-                  <a:cxn ang="0">
-                    <a:pos x="connsiteX3" y="connsiteY3"/>
-                  </a:cxn>
-                  <a:cxn ang="0">
-                    <a:pos x="connsiteX4" y="connsiteY4"/>
-                  </a:cxn>
-                  <a:cxn ang="0">
-                    <a:pos x="connsiteX5" y="connsiteY5"/>
-                  </a:cxn>
-                </a:cxnLst>
-                <a:rect l="l" t="t" r="r" b="b"/>
-                <a:pathLst>
-                  <a:path w="50006" h="19050">
-                    <a:moveTo>
-                      <a:pt x="0" y="0"/>
-                    </a:moveTo>
-                    <a:lnTo>
-                      <a:pt x="0" y="0"/>
-                    </a:lnTo>
-                    <a:cubicBezTo>
-                      <a:pt x="7144" y="1587"/>
-                      <a:pt x="14489" y="2448"/>
-                      <a:pt x="21431" y="4762"/>
-                    </a:cubicBezTo>
-                    <a:cubicBezTo>
-                      <a:pt x="24146" y="5667"/>
-                      <a:pt x="26090" y="8105"/>
-                      <a:pt x="28575" y="9525"/>
-                    </a:cubicBezTo>
-                    <a:cubicBezTo>
-                      <a:pt x="31657" y="11286"/>
-                      <a:pt x="34837" y="12889"/>
-                      <a:pt x="38100" y="14287"/>
-                    </a:cubicBezTo>
-                    <a:cubicBezTo>
-                      <a:pt x="58672" y="23103"/>
-                      <a:pt x="34691" y="11391"/>
-                      <a:pt x="50006" y="19050"/>
-                    </a:cubicBezTo>
-                  </a:path>
-                </a:pathLst>
-              </a:custGeom>
-              <a:grpFill/>
-              <a:ln>
-                <a:solidFill>
-                  <a:schemeClr val="accent6">
-                    <a:lumMod val="75000"/>
-                  </a:schemeClr>
-                </a:solidFill>
-              </a:ln>
-            </p:spPr>
-            <p:style>
-              <a:lnRef idx="2">
-                <a:schemeClr val="accent1">
-                  <a:shade val="50000"/>
-                </a:schemeClr>
-              </a:lnRef>
-              <a:fillRef idx="1">
-                <a:schemeClr val="accent1"/>
-              </a:fillRef>
-              <a:effectRef idx="0">
-                <a:schemeClr val="accent1"/>
-              </a:effectRef>
-              <a:fontRef idx="minor">
-                <a:schemeClr val="lt1"/>
-              </a:fontRef>
-            </p:style>
-            <p:txBody>
-              <a:bodyPr rtlCol="0" anchor="ctr"/>
-              <a:lstStyle/>
-              <a:p>
-                <a:pPr algn="ctr"/>
-                <a:endParaRPr lang="en-SG"/>
-              </a:p>
-            </p:txBody>
-          </p:sp>
-          <p:sp>
-            <p:nvSpPr>
-              <p:cNvPr id="91" name="Flowchart: Connector 90"/>
-              <p:cNvSpPr/>
-              <p:nvPr/>
-            </p:nvSpPr>
-            <p:spPr>
-              <a:xfrm rot="19707452" flipH="1">
-                <a:off x="896667" y="1807272"/>
-                <a:ext cx="45719" cy="45719"/>
-              </a:xfrm>
-              <a:prstGeom prst="flowChartConnector">
-                <a:avLst/>
-              </a:prstGeom>
-              <a:grpFill/>
-              <a:ln>
-                <a:solidFill>
-                  <a:schemeClr val="accent6">
-                    <a:lumMod val="75000"/>
-                  </a:schemeClr>
-                </a:solidFill>
-              </a:ln>
-            </p:spPr>
-            <p:style>
-              <a:lnRef idx="2">
-                <a:schemeClr val="accent1">
-                  <a:shade val="50000"/>
-                </a:schemeClr>
-              </a:lnRef>
-              <a:fillRef idx="1">
-                <a:schemeClr val="accent1"/>
-              </a:fillRef>
-              <a:effectRef idx="0">
-                <a:schemeClr val="accent1"/>
-              </a:effectRef>
-              <a:fontRef idx="minor">
-                <a:schemeClr val="lt1"/>
-              </a:fontRef>
-            </p:style>
-            <p:txBody>
-              <a:bodyPr rtlCol="0" anchor="ctr"/>
-              <a:lstStyle/>
-              <a:p>
-                <a:pPr algn="ctr"/>
-                <a:endParaRPr lang="en-SG"/>
-              </a:p>
-            </p:txBody>
-          </p:sp>
-        </p:grpSp>
-      </p:grpSp>
-      <p:grpSp>
-        <p:nvGrpSpPr>
-          <p:cNvPr id="92" name="Group 91"/>
-          <p:cNvGrpSpPr/>
-          <p:nvPr/>
-        </p:nvGrpSpPr>
-        <p:grpSpPr>
-          <a:xfrm flipH="1">
-            <a:off x="7228942" y="1816578"/>
-            <a:ext cx="298983" cy="513097"/>
-            <a:chOff x="699777" y="319219"/>
-            <a:chExt cx="298983" cy="513097"/>
-          </a:xfrm>
-          <a:noFill/>
-        </p:grpSpPr>
-        <p:sp>
-          <p:nvSpPr>
-            <p:cNvPr id="93" name="Flowchart: Connector 92"/>
-            <p:cNvSpPr/>
-            <p:nvPr/>
-          </p:nvSpPr>
-          <p:spPr>
-            <a:xfrm>
-              <a:off x="738937" y="319219"/>
-              <a:ext cx="220662" cy="220662"/>
-            </a:xfrm>
-            <a:prstGeom prst="flowChartConnector">
-              <a:avLst/>
-            </a:prstGeom>
-            <a:grpFill/>
-            <a:ln>
-              <a:solidFill>
-                <a:schemeClr val="bg1"/>
-              </a:solidFill>
-            </a:ln>
-          </p:spPr>
-          <p:style>
-            <a:lnRef idx="2">
-              <a:schemeClr val="accent1">
-                <a:shade val="50000"/>
-              </a:schemeClr>
-            </a:lnRef>
-            <a:fillRef idx="1">
-              <a:schemeClr val="accent1"/>
-            </a:fillRef>
-            <a:effectRef idx="0">
-              <a:schemeClr val="accent1"/>
-            </a:effectRef>
-            <a:fontRef idx="minor">
-              <a:schemeClr val="lt1"/>
-            </a:fontRef>
-          </p:style>
-          <p:txBody>
-            <a:bodyPr rtlCol="0" anchor="ctr"/>
-            <a:lstStyle/>
-            <a:p>
-              <a:pPr algn="ctr"/>
-              <a:endParaRPr lang="en-SG"/>
-            </a:p>
-          </p:txBody>
-        </p:sp>
-        <p:sp>
-          <p:nvSpPr>
-            <p:cNvPr id="94" name="Flowchart: Delay 93"/>
-            <p:cNvSpPr/>
-            <p:nvPr/>
-          </p:nvSpPr>
-          <p:spPr>
-            <a:xfrm rot="16200000">
-              <a:off x="709092" y="542648"/>
-              <a:ext cx="280353" cy="298983"/>
-            </a:xfrm>
-            <a:prstGeom prst="flowChartDelay">
-              <a:avLst/>
-            </a:prstGeom>
-            <a:grpFill/>
-            <a:ln>
-              <a:solidFill>
-                <a:schemeClr val="bg1"/>
-              </a:solidFill>
-            </a:ln>
-          </p:spPr>
-          <p:style>
-            <a:lnRef idx="2">
-              <a:schemeClr val="accent1">
-                <a:shade val="50000"/>
-              </a:schemeClr>
-            </a:lnRef>
-            <a:fillRef idx="1">
-              <a:schemeClr val="accent1"/>
-            </a:fillRef>
-            <a:effectRef idx="0">
-              <a:schemeClr val="accent1"/>
-            </a:effectRef>
-            <a:fontRef idx="minor">
-              <a:schemeClr val="lt1"/>
-            </a:fontRef>
-          </p:style>
-          <p:txBody>
-            <a:bodyPr rtlCol="0" anchor="ctr"/>
-            <a:lstStyle/>
-            <a:p>
-              <a:pPr algn="ctr"/>
-              <a:endParaRPr lang="en-SG"/>
-            </a:p>
-          </p:txBody>
-        </p:sp>
-        <p:sp>
-          <p:nvSpPr>
-            <p:cNvPr id="95" name="Freeform 94"/>
-            <p:cNvSpPr/>
-            <p:nvPr/>
-          </p:nvSpPr>
-          <p:spPr>
-            <a:xfrm>
-              <a:off x="943388" y="479408"/>
-              <a:ext cx="50006" cy="19050"/>
-            </a:xfrm>
-            <a:custGeom>
-              <a:avLst/>
-              <a:gdLst>
-                <a:gd name="connsiteX0" fmla="*/ 0 w 50006"/>
-                <a:gd name="connsiteY0" fmla="*/ 0 h 19050"/>
-                <a:gd name="connsiteX1" fmla="*/ 0 w 50006"/>
-                <a:gd name="connsiteY1" fmla="*/ 0 h 19050"/>
-                <a:gd name="connsiteX2" fmla="*/ 21431 w 50006"/>
-                <a:gd name="connsiteY2" fmla="*/ 4762 h 19050"/>
-                <a:gd name="connsiteX3" fmla="*/ 28575 w 50006"/>
-                <a:gd name="connsiteY3" fmla="*/ 9525 h 19050"/>
-                <a:gd name="connsiteX4" fmla="*/ 38100 w 50006"/>
-                <a:gd name="connsiteY4" fmla="*/ 14287 h 19050"/>
-                <a:gd name="connsiteX5" fmla="*/ 50006 w 50006"/>
-                <a:gd name="connsiteY5" fmla="*/ 19050 h 19050"/>
-              </a:gdLst>
-              <a:ahLst/>
-              <a:cxnLst>
-                <a:cxn ang="0">
-                  <a:pos x="connsiteX0" y="connsiteY0"/>
-                </a:cxn>
-                <a:cxn ang="0">
-                  <a:pos x="connsiteX1" y="connsiteY1"/>
-                </a:cxn>
-                <a:cxn ang="0">
-                  <a:pos x="connsiteX2" y="connsiteY2"/>
-                </a:cxn>
-                <a:cxn ang="0">
-                  <a:pos x="connsiteX3" y="connsiteY3"/>
-                </a:cxn>
-                <a:cxn ang="0">
-                  <a:pos x="connsiteX4" y="connsiteY4"/>
-                </a:cxn>
-                <a:cxn ang="0">
-                  <a:pos x="connsiteX5" y="connsiteY5"/>
-                </a:cxn>
-              </a:cxnLst>
-              <a:rect l="l" t="t" r="r" b="b"/>
-              <a:pathLst>
-                <a:path w="50006" h="19050">
-                  <a:moveTo>
-                    <a:pt x="0" y="0"/>
-                  </a:moveTo>
-                  <a:lnTo>
-                    <a:pt x="0" y="0"/>
-                  </a:lnTo>
-                  <a:cubicBezTo>
-                    <a:pt x="7144" y="1587"/>
-                    <a:pt x="14489" y="2448"/>
-                    <a:pt x="21431" y="4762"/>
-                  </a:cubicBezTo>
-                  <a:cubicBezTo>
-                    <a:pt x="24146" y="5667"/>
-                    <a:pt x="26090" y="8105"/>
-                    <a:pt x="28575" y="9525"/>
-                  </a:cubicBezTo>
-                  <a:cubicBezTo>
-                    <a:pt x="31657" y="11286"/>
-                    <a:pt x="34837" y="12889"/>
-                    <a:pt x="38100" y="14287"/>
-                  </a:cubicBezTo>
-                  <a:cubicBezTo>
-                    <a:pt x="58672" y="23103"/>
-                    <a:pt x="34691" y="11391"/>
-                    <a:pt x="50006" y="19050"/>
-                  </a:cubicBezTo>
-                </a:path>
-              </a:pathLst>
-            </a:custGeom>
-            <a:grpFill/>
-            <a:ln>
-              <a:solidFill>
-                <a:schemeClr val="bg1"/>
-              </a:solidFill>
-            </a:ln>
-          </p:spPr>
-          <p:style>
-            <a:lnRef idx="2">
-              <a:schemeClr val="accent1">
-                <a:shade val="50000"/>
-              </a:schemeClr>
-            </a:lnRef>
-            <a:fillRef idx="1">
-              <a:schemeClr val="accent1"/>
-            </a:fillRef>
-            <a:effectRef idx="0">
-              <a:schemeClr val="accent1"/>
-            </a:effectRef>
-            <a:fontRef idx="minor">
-              <a:schemeClr val="lt1"/>
-            </a:fontRef>
-          </p:style>
-          <p:txBody>
-            <a:bodyPr rtlCol="0" anchor="ctr"/>
-            <a:lstStyle/>
-            <a:p>
-              <a:pPr algn="ctr"/>
-              <a:endParaRPr lang="en-SG"/>
-            </a:p>
-          </p:txBody>
-        </p:sp>
-        <p:sp>
-          <p:nvSpPr>
-            <p:cNvPr id="96" name="Flowchart: Connector 95"/>
-            <p:cNvSpPr/>
-            <p:nvPr/>
-          </p:nvSpPr>
-          <p:spPr>
-            <a:xfrm flipH="1">
-              <a:off x="851649" y="373837"/>
-              <a:ext cx="45719" cy="45719"/>
-            </a:xfrm>
-            <a:prstGeom prst="flowChartConnector">
-              <a:avLst/>
-            </a:prstGeom>
-            <a:grpFill/>
-            <a:ln>
-              <a:solidFill>
-                <a:schemeClr val="bg1"/>
-              </a:solidFill>
-            </a:ln>
-          </p:spPr>
-          <p:style>
-            <a:lnRef idx="2">
-              <a:schemeClr val="accent1">
-                <a:shade val="50000"/>
-              </a:schemeClr>
-            </a:lnRef>
-            <a:fillRef idx="1">
-              <a:schemeClr val="accent1"/>
-            </a:fillRef>
-            <a:effectRef idx="0">
-              <a:schemeClr val="accent1"/>
-            </a:effectRef>
-            <a:fontRef idx="minor">
-              <a:schemeClr val="lt1"/>
-            </a:fontRef>
-          </p:style>
-          <p:txBody>
-            <a:bodyPr rtlCol="0" anchor="ctr"/>
-            <a:lstStyle/>
-            <a:p>
-              <a:pPr algn="ctr"/>
-              <a:endParaRPr lang="en-SG"/>
-            </a:p>
-          </p:txBody>
-        </p:sp>
-      </p:grpSp>
-      <p:grpSp>
-        <p:nvGrpSpPr>
-          <p:cNvPr id="97" name="Group 96"/>
-          <p:cNvGrpSpPr/>
-          <p:nvPr/>
-        </p:nvGrpSpPr>
-        <p:grpSpPr>
-          <a:xfrm>
-            <a:off x="6837346" y="2267385"/>
-            <a:ext cx="309579" cy="505977"/>
-            <a:chOff x="593726" y="1760533"/>
-            <a:chExt cx="309579" cy="505977"/>
-          </a:xfrm>
-          <a:noFill/>
-        </p:grpSpPr>
-        <p:sp>
-          <p:nvSpPr>
-            <p:cNvPr id="98" name="Flowchart: Delay 97"/>
-            <p:cNvSpPr/>
-            <p:nvPr/>
-          </p:nvSpPr>
-          <p:spPr>
-            <a:xfrm rot="16200000">
-              <a:off x="603041" y="1976842"/>
-              <a:ext cx="280353" cy="298983"/>
-            </a:xfrm>
-            <a:prstGeom prst="flowChartDelay">
-              <a:avLst/>
-            </a:prstGeom>
-            <a:grpFill/>
-            <a:ln>
-              <a:solidFill>
-                <a:schemeClr val="bg1"/>
-              </a:solidFill>
-            </a:ln>
-          </p:spPr>
-          <p:style>
-            <a:lnRef idx="2">
-              <a:schemeClr val="accent1">
-                <a:shade val="50000"/>
-              </a:schemeClr>
-            </a:lnRef>
-            <a:fillRef idx="1">
-              <a:schemeClr val="accent1"/>
-            </a:fillRef>
-            <a:effectRef idx="0">
-              <a:schemeClr val="accent1"/>
-            </a:effectRef>
-            <a:fontRef idx="minor">
-              <a:schemeClr val="lt1"/>
-            </a:fontRef>
-          </p:style>
-          <p:txBody>
-            <a:bodyPr rtlCol="0" anchor="ctr"/>
-            <a:lstStyle/>
-            <a:p>
-              <a:pPr algn="ctr"/>
-              <a:endParaRPr lang="en-SG"/>
-            </a:p>
-          </p:txBody>
-        </p:sp>
-        <p:grpSp>
-          <p:nvGrpSpPr>
-            <p:cNvPr id="99" name="Group 98"/>
-            <p:cNvGrpSpPr/>
-            <p:nvPr/>
-          </p:nvGrpSpPr>
-          <p:grpSpPr>
-            <a:xfrm rot="20404603">
-              <a:off x="635382" y="1760533"/>
-              <a:ext cx="267923" cy="220662"/>
-              <a:chOff x="786804" y="1760533"/>
-              <a:chExt cx="267923" cy="220662"/>
-            </a:xfrm>
-            <a:grpFill/>
-          </p:grpSpPr>
-          <p:sp>
-            <p:nvSpPr>
-              <p:cNvPr id="102" name="Flowchart: Connector 101"/>
-              <p:cNvSpPr/>
-              <p:nvPr/>
-            </p:nvSpPr>
-            <p:spPr>
-              <a:xfrm rot="19707452">
-                <a:off x="786804" y="1760533"/>
-                <a:ext cx="220662" cy="220662"/>
-              </a:xfrm>
-              <a:prstGeom prst="flowChartConnector">
-                <a:avLst/>
-              </a:prstGeom>
-              <a:grpFill/>
-              <a:ln>
-                <a:solidFill>
-                  <a:schemeClr val="bg1"/>
-                </a:solidFill>
-              </a:ln>
-            </p:spPr>
-            <p:style>
-              <a:lnRef idx="2">
-                <a:schemeClr val="accent1">
-                  <a:shade val="50000"/>
-                </a:schemeClr>
-              </a:lnRef>
-              <a:fillRef idx="1">
-                <a:schemeClr val="accent1"/>
-              </a:fillRef>
-              <a:effectRef idx="0">
-                <a:schemeClr val="accent1"/>
-              </a:effectRef>
-              <a:fontRef idx="minor">
-                <a:schemeClr val="lt1"/>
-              </a:fontRef>
-            </p:style>
-            <p:txBody>
-              <a:bodyPr rtlCol="0" anchor="ctr"/>
-              <a:lstStyle/>
-              <a:p>
-                <a:pPr algn="ctr"/>
-                <a:endParaRPr lang="en-SG"/>
-              </a:p>
-            </p:txBody>
-          </p:sp>
-          <p:sp>
-            <p:nvSpPr>
-              <p:cNvPr id="108" name="Freeform 107"/>
-              <p:cNvSpPr/>
-              <p:nvPr/>
-            </p:nvSpPr>
-            <p:spPr>
-              <a:xfrm rot="19707452">
-                <a:off x="1004721" y="1849632"/>
-                <a:ext cx="50006" cy="19050"/>
-              </a:xfrm>
-              <a:custGeom>
-                <a:avLst/>
-                <a:gdLst>
-                  <a:gd name="connsiteX0" fmla="*/ 0 w 50006"/>
-                  <a:gd name="connsiteY0" fmla="*/ 0 h 19050"/>
-                  <a:gd name="connsiteX1" fmla="*/ 0 w 50006"/>
-                  <a:gd name="connsiteY1" fmla="*/ 0 h 19050"/>
-                  <a:gd name="connsiteX2" fmla="*/ 21431 w 50006"/>
-                  <a:gd name="connsiteY2" fmla="*/ 4762 h 19050"/>
-                  <a:gd name="connsiteX3" fmla="*/ 28575 w 50006"/>
-                  <a:gd name="connsiteY3" fmla="*/ 9525 h 19050"/>
-                  <a:gd name="connsiteX4" fmla="*/ 38100 w 50006"/>
-                  <a:gd name="connsiteY4" fmla="*/ 14287 h 19050"/>
-                  <a:gd name="connsiteX5" fmla="*/ 50006 w 50006"/>
-                  <a:gd name="connsiteY5" fmla="*/ 19050 h 19050"/>
-                </a:gdLst>
-                <a:ahLst/>
-                <a:cxnLst>
-                  <a:cxn ang="0">
-                    <a:pos x="connsiteX0" y="connsiteY0"/>
-                  </a:cxn>
-                  <a:cxn ang="0">
-                    <a:pos x="connsiteX1" y="connsiteY1"/>
-                  </a:cxn>
-                  <a:cxn ang="0">
-                    <a:pos x="connsiteX2" y="connsiteY2"/>
-                  </a:cxn>
-                  <a:cxn ang="0">
-                    <a:pos x="connsiteX3" y="connsiteY3"/>
-                  </a:cxn>
-                  <a:cxn ang="0">
-                    <a:pos x="connsiteX4" y="connsiteY4"/>
-                  </a:cxn>
-                  <a:cxn ang="0">
-                    <a:pos x="connsiteX5" y="connsiteY5"/>
-                  </a:cxn>
-                </a:cxnLst>
-                <a:rect l="l" t="t" r="r" b="b"/>
-                <a:pathLst>
-                  <a:path w="50006" h="19050">
-                    <a:moveTo>
-                      <a:pt x="0" y="0"/>
-                    </a:moveTo>
-                    <a:lnTo>
-                      <a:pt x="0" y="0"/>
-                    </a:lnTo>
-                    <a:cubicBezTo>
-                      <a:pt x="7144" y="1587"/>
-                      <a:pt x="14489" y="2448"/>
-                      <a:pt x="21431" y="4762"/>
-                    </a:cubicBezTo>
-                    <a:cubicBezTo>
-                      <a:pt x="24146" y="5667"/>
-                      <a:pt x="26090" y="8105"/>
-                      <a:pt x="28575" y="9525"/>
-                    </a:cubicBezTo>
-                    <a:cubicBezTo>
-                      <a:pt x="31657" y="11286"/>
-                      <a:pt x="34837" y="12889"/>
-                      <a:pt x="38100" y="14287"/>
-                    </a:cubicBezTo>
-                    <a:cubicBezTo>
-                      <a:pt x="58672" y="23103"/>
-                      <a:pt x="34691" y="11391"/>
-                      <a:pt x="50006" y="19050"/>
-                    </a:cubicBezTo>
-                  </a:path>
-                </a:pathLst>
-              </a:custGeom>
-              <a:grpFill/>
-              <a:ln>
-                <a:solidFill>
-                  <a:schemeClr val="bg1"/>
-                </a:solidFill>
-              </a:ln>
-            </p:spPr>
-            <p:style>
-              <a:lnRef idx="2">
-                <a:schemeClr val="accent1">
-                  <a:shade val="50000"/>
-                </a:schemeClr>
-              </a:lnRef>
-              <a:fillRef idx="1">
-                <a:schemeClr val="accent1"/>
-              </a:fillRef>
-              <a:effectRef idx="0">
-                <a:schemeClr val="accent1"/>
-              </a:effectRef>
-              <a:fontRef idx="minor">
-                <a:schemeClr val="lt1"/>
-              </a:fontRef>
-            </p:style>
-            <p:txBody>
-              <a:bodyPr rtlCol="0" anchor="ctr"/>
-              <a:lstStyle/>
-              <a:p>
-                <a:pPr algn="ctr"/>
-                <a:endParaRPr lang="en-SG"/>
-              </a:p>
-            </p:txBody>
-          </p:sp>
-          <p:sp>
-            <p:nvSpPr>
-              <p:cNvPr id="110" name="Flowchart: Connector 109"/>
-              <p:cNvSpPr/>
-              <p:nvPr/>
-            </p:nvSpPr>
-            <p:spPr>
-              <a:xfrm rot="19707452" flipH="1">
-                <a:off x="896667" y="1807272"/>
-                <a:ext cx="45719" cy="45719"/>
-              </a:xfrm>
-              <a:prstGeom prst="flowChartConnector">
-                <a:avLst/>
-              </a:prstGeom>
-              <a:grpFill/>
-              <a:ln>
-                <a:solidFill>
-                  <a:schemeClr val="bg1"/>
-                </a:solidFill>
-              </a:ln>
-            </p:spPr>
-            <p:style>
-              <a:lnRef idx="2">
-                <a:schemeClr val="accent1">
-                  <a:shade val="50000"/>
-                </a:schemeClr>
-              </a:lnRef>
-              <a:fillRef idx="1">
-                <a:schemeClr val="accent1"/>
-              </a:fillRef>
-              <a:effectRef idx="0">
-                <a:schemeClr val="accent1"/>
-              </a:effectRef>
-              <a:fontRef idx="minor">
-                <a:schemeClr val="lt1"/>
-              </a:fontRef>
-            </p:style>
-            <p:txBody>
-              <a:bodyPr rtlCol="0" anchor="ctr"/>
-              <a:lstStyle/>
-              <a:p>
-                <a:pPr algn="ctr"/>
-                <a:endParaRPr lang="en-SG"/>
-              </a:p>
-            </p:txBody>
-          </p:sp>
-        </p:grpSp>
       </p:grpSp>
       <p:sp>
         <p:nvSpPr>
@@ -9110,73 +6194,196 @@
       </p:sp>
       <p:sp>
         <p:nvSpPr>
-          <p:cNvPr id="7" name="Freeform 6"/>
+          <p:cNvPr id="115" name="TextBox 114"/>
+          <p:cNvSpPr txBox="1"/>
+          <p:nvPr/>
+        </p:nvSpPr>
+        <p:spPr>
+          <a:xfrm>
+            <a:off x="971782" y="228600"/>
+            <a:ext cx="1203975" cy="430887"/>
+          </a:xfrm>
+          <a:prstGeom prst="rect">
+            <a:avLst/>
+          </a:prstGeom>
+          <a:noFill/>
+        </p:spPr>
+        <p:txBody>
+          <a:bodyPr wrap="square" rtlCol="0">
+            <a:spAutoFit/>
+          </a:bodyPr>
+          <a:lstStyle/>
+          <a:p>
+            <a:pPr algn="r"/>
+            <a:r>
+              <a:rPr lang="en-US" sz="1100" dirty="0" smtClean="0">
+                <a:solidFill>
+                  <a:schemeClr val="bg1">
+                    <a:lumMod val="50000"/>
+                  </a:schemeClr>
+                </a:solidFill>
+                <a:latin typeface="+mj-lt"/>
+                <a:ea typeface="2Dumb" pitchFamily="2" charset="0"/>
+              </a:rPr>
+              <a:t>Confidential</a:t>
+            </a:r>
+            <a:r>
+              <a:rPr lang="en-US" sz="1100" b="1" dirty="0" smtClean="0">
+                <a:solidFill>
+                  <a:schemeClr val="bg1">
+                    <a:lumMod val="50000"/>
+                  </a:schemeClr>
+                </a:solidFill>
+                <a:latin typeface="+mj-lt"/>
+                <a:ea typeface="2Dumb" pitchFamily="2" charset="0"/>
+              </a:rPr>
+              <a:t> </a:t>
+            </a:r>
+            <a:r>
+              <a:rPr lang="en-US" sz="1100" b="1" dirty="0" smtClean="0">
+                <a:latin typeface="+mj-lt"/>
+                <a:ea typeface="2Dumb" pitchFamily="2" charset="0"/>
+              </a:rPr>
+              <a:t/>
+            </a:r>
+            <a:br>
+              <a:rPr lang="en-US" sz="1100" b="1" dirty="0" smtClean="0">
+                <a:latin typeface="+mj-lt"/>
+                <a:ea typeface="2Dumb" pitchFamily="2" charset="0"/>
+              </a:rPr>
+            </a:br>
+            <a:r>
+              <a:rPr lang="en-US" sz="1100" b="1" dirty="0" smtClean="0">
+                <a:solidFill>
+                  <a:srgbClr val="0070C0"/>
+                </a:solidFill>
+                <a:latin typeface="+mj-lt"/>
+                <a:ea typeface="2Dumb" pitchFamily="2" charset="0"/>
+              </a:rPr>
+              <a:t>peer </a:t>
+            </a:r>
+            <a:r>
+              <a:rPr lang="en-US" sz="1100" b="1" dirty="0" smtClean="0">
+                <a:solidFill>
+                  <a:srgbClr val="0070C0"/>
+                </a:solidFill>
+                <a:latin typeface="+mj-lt"/>
+                <a:ea typeface="2Dumb" pitchFamily="2" charset="0"/>
+              </a:rPr>
+              <a:t>evaluations</a:t>
+            </a:r>
+            <a:endParaRPr lang="en-US" sz="1100" b="1" dirty="0">
+              <a:solidFill>
+                <a:srgbClr val="0070C0"/>
+              </a:solidFill>
+              <a:latin typeface="+mj-lt"/>
+              <a:ea typeface="2Dumb" pitchFamily="2" charset="0"/>
+            </a:endParaRPr>
+          </a:p>
+        </p:txBody>
+      </p:sp>
+      <p:sp>
+        <p:nvSpPr>
+          <p:cNvPr id="162" name="TextBox 161"/>
+          <p:cNvSpPr txBox="1"/>
+          <p:nvPr/>
+        </p:nvSpPr>
+        <p:spPr>
+          <a:xfrm>
+            <a:off x="1082028" y="1732875"/>
+            <a:ext cx="1042804" cy="430887"/>
+          </a:xfrm>
+          <a:prstGeom prst="rect">
+            <a:avLst/>
+          </a:prstGeom>
+          <a:noFill/>
+        </p:spPr>
+        <p:txBody>
+          <a:bodyPr wrap="square" rtlCol="0">
+            <a:spAutoFit/>
+          </a:bodyPr>
+          <a:lstStyle/>
+          <a:p>
+            <a:r>
+              <a:rPr lang="en-US" sz="1100" dirty="0" smtClean="0">
+                <a:solidFill>
+                  <a:schemeClr val="bg1">
+                    <a:lumMod val="50000"/>
+                  </a:schemeClr>
+                </a:solidFill>
+                <a:latin typeface="+mj-lt"/>
+                <a:ea typeface="2Dumb" pitchFamily="2" charset="0"/>
+              </a:rPr>
+              <a:t>Anonymous</a:t>
+            </a:r>
+            <a:r>
+              <a:rPr lang="en-US" sz="1100" b="1" dirty="0" smtClean="0">
+                <a:solidFill>
+                  <a:schemeClr val="bg1">
+                    <a:lumMod val="50000"/>
+                  </a:schemeClr>
+                </a:solidFill>
+                <a:latin typeface="+mj-lt"/>
+                <a:ea typeface="2Dumb" pitchFamily="2" charset="0"/>
+              </a:rPr>
+              <a:t> </a:t>
+            </a:r>
+            <a:r>
+              <a:rPr lang="en-US" sz="1100" b="1" dirty="0" smtClean="0">
+                <a:latin typeface="+mj-lt"/>
+                <a:ea typeface="2Dumb" pitchFamily="2" charset="0"/>
+              </a:rPr>
+              <a:t/>
+            </a:r>
+            <a:br>
+              <a:rPr lang="en-US" sz="1100" b="1" dirty="0" smtClean="0">
+                <a:latin typeface="+mj-lt"/>
+                <a:ea typeface="2Dumb" pitchFamily="2" charset="0"/>
+              </a:rPr>
+            </a:br>
+            <a:r>
+              <a:rPr lang="en-US" sz="1100" b="1" dirty="0" smtClean="0">
+                <a:solidFill>
+                  <a:srgbClr val="E46B09"/>
+                </a:solidFill>
+                <a:latin typeface="+mj-lt"/>
+                <a:ea typeface="2Dumb" pitchFamily="2" charset="0"/>
+              </a:rPr>
+              <a:t>peer feedback</a:t>
+            </a:r>
+            <a:endParaRPr lang="en-US" sz="1100" b="1" dirty="0">
+              <a:solidFill>
+                <a:srgbClr val="E46B09"/>
+              </a:solidFill>
+              <a:latin typeface="+mj-lt"/>
+              <a:ea typeface="2Dumb" pitchFamily="2" charset="0"/>
+            </a:endParaRPr>
+          </a:p>
+        </p:txBody>
+      </p:sp>
+      <p:sp>
+        <p:nvSpPr>
+          <p:cNvPr id="8" name="Rounded Rectangular Callout 7"/>
           <p:cNvSpPr/>
           <p:nvPr/>
         </p:nvSpPr>
         <p:spPr>
           <a:xfrm>
-            <a:off x="6475141" y="1660828"/>
-            <a:ext cx="498088" cy="182840"/>
+            <a:off x="3471079" y="1483113"/>
+            <a:ext cx="639252" cy="432780"/>
           </a:xfrm>
-          <a:custGeom>
-            <a:avLst/>
-            <a:gdLst>
-              <a:gd name="connsiteX0" fmla="*/ 0 w 498088"/>
-              <a:gd name="connsiteY0" fmla="*/ 87078 h 220892"/>
-              <a:gd name="connsiteX1" fmla="*/ 245327 w 498088"/>
-              <a:gd name="connsiteY1" fmla="*/ 5302 h 220892"/>
-              <a:gd name="connsiteX2" fmla="*/ 498088 w 498088"/>
-              <a:gd name="connsiteY2" fmla="*/ 220892 h 220892"/>
-              <a:gd name="connsiteX0" fmla="*/ 0 w 498088"/>
-              <a:gd name="connsiteY0" fmla="*/ 49026 h 182840"/>
-              <a:gd name="connsiteX1" fmla="*/ 260196 w 498088"/>
-              <a:gd name="connsiteY1" fmla="*/ 11855 h 182840"/>
-              <a:gd name="connsiteX2" fmla="*/ 498088 w 498088"/>
-              <a:gd name="connsiteY2" fmla="*/ 182840 h 182840"/>
-            </a:gdLst>
-            <a:ahLst/>
-            <a:cxnLst>
-              <a:cxn ang="0">
-                <a:pos x="connsiteX0" y="connsiteY0"/>
-              </a:cxn>
-              <a:cxn ang="0">
-                <a:pos x="connsiteX1" y="connsiteY1"/>
-              </a:cxn>
-              <a:cxn ang="0">
-                <a:pos x="connsiteX2" y="connsiteY2"/>
-              </a:cxn>
-            </a:cxnLst>
-            <a:rect l="l" t="t" r="r" b="b"/>
-            <a:pathLst>
-              <a:path w="498088" h="182840">
-                <a:moveTo>
-                  <a:pt x="0" y="49026"/>
-                </a:moveTo>
-                <a:cubicBezTo>
-                  <a:pt x="81156" y="-3013"/>
-                  <a:pt x="177181" y="-10447"/>
-                  <a:pt x="260196" y="11855"/>
-                </a:cubicBezTo>
-                <a:cubicBezTo>
-                  <a:pt x="343211" y="34157"/>
-                  <a:pt x="413215" y="86196"/>
-                  <a:pt x="498088" y="182840"/>
-                </a:cubicBezTo>
-              </a:path>
-            </a:pathLst>
-          </a:custGeom>
-          <a:noFill/>
-          <a:ln w="38100" cap="rnd">
-            <a:solidFill>
-              <a:schemeClr val="accent6">
-                <a:lumMod val="40000"/>
-                <a:lumOff val="60000"/>
-                <a:alpha val="65000"/>
-              </a:schemeClr>
-            </a:solidFill>
-            <a:headEnd type="none" w="med" len="med"/>
-            <a:tailEnd type="triangle" w="med" len="med"/>
+          <a:prstGeom prst="wedgeRoundRectCallout">
+            <a:avLst>
+              <a:gd name="adj1" fmla="val 1754"/>
+              <a:gd name="adj2" fmla="val -88725"/>
+              <a:gd name="adj3" fmla="val 16667"/>
+            </a:avLst>
+          </a:prstGeom>
+          <a:solidFill>
+            <a:srgbClr val="FDE4CF"/>
+          </a:solidFill>
+          <a:ln>
+            <a:noFill/>
           </a:ln>
         </p:spPr>
         <p:style>
@@ -9200,37 +6407,993 @@
           <a:lstStyle/>
           <a:p>
             <a:pPr algn="ctr"/>
-            <a:endParaRPr lang="en-US">
-              <a:solidFill>
-                <a:schemeClr val="lt1"/>
-              </a:solidFill>
-            </a:endParaRPr>
-          </a:p>
-        </p:txBody>
-      </p:sp>
-      <p:sp>
-        <p:nvSpPr>
-          <p:cNvPr id="9" name="Arc 8"/>
+            <a:endParaRPr lang="en-SG"/>
+          </a:p>
+        </p:txBody>
+      </p:sp>
+      <p:sp>
+        <p:nvSpPr>
+          <p:cNvPr id="164" name="Rounded Rectangular Callout 163"/>
           <p:cNvSpPr/>
           <p:nvPr/>
         </p:nvSpPr>
         <p:spPr>
           <a:xfrm>
-            <a:off x="5473046" y="1240750"/>
-            <a:ext cx="230126" cy="230126"/>
+            <a:off x="3413125" y="1571425"/>
+            <a:ext cx="639252" cy="432780"/>
+          </a:xfrm>
+          <a:prstGeom prst="wedgeRoundRectCallout">
+            <a:avLst>
+              <a:gd name="adj1" fmla="val -7719"/>
+              <a:gd name="adj2" fmla="val -102718"/>
+              <a:gd name="adj3" fmla="val 16667"/>
+            </a:avLst>
+          </a:prstGeom>
+          <a:solidFill>
+            <a:srgbClr val="F9C090"/>
+          </a:solidFill>
+          <a:ln>
+            <a:noFill/>
+          </a:ln>
+        </p:spPr>
+        <p:style>
+          <a:lnRef idx="2">
+            <a:schemeClr val="accent1">
+              <a:shade val="50000"/>
+            </a:schemeClr>
+          </a:lnRef>
+          <a:fillRef idx="1">
+            <a:schemeClr val="accent1"/>
+          </a:fillRef>
+          <a:effectRef idx="0">
+            <a:schemeClr val="accent1"/>
+          </a:effectRef>
+          <a:fontRef idx="minor">
+            <a:schemeClr val="lt1"/>
+          </a:fontRef>
+        </p:style>
+        <p:txBody>
+          <a:bodyPr rtlCol="0" anchor="ctr"/>
+          <a:lstStyle/>
+          <a:p>
+            <a:pPr algn="ctr"/>
+            <a:endParaRPr lang="en-SG"/>
+          </a:p>
+        </p:txBody>
+      </p:sp>
+      <p:grpSp>
+        <p:nvGrpSpPr>
+          <p:cNvPr id="17" name="Group 16"/>
+          <p:cNvGrpSpPr/>
+          <p:nvPr/>
+        </p:nvGrpSpPr>
+        <p:grpSpPr>
+          <a:xfrm flipH="1">
+            <a:off x="3514567" y="2082709"/>
+            <a:ext cx="298983" cy="538253"/>
+            <a:chOff x="3641214" y="1984863"/>
+            <a:chExt cx="298983" cy="538253"/>
+          </a:xfrm>
+        </p:grpSpPr>
+        <p:sp>
+          <p:nvSpPr>
+            <p:cNvPr id="146" name="Flowchart: Delay 145"/>
+            <p:cNvSpPr/>
+            <p:nvPr/>
+          </p:nvSpPr>
+          <p:spPr>
+            <a:xfrm rot="5400000" flipH="1">
+              <a:off x="3650529" y="2233448"/>
+              <a:ext cx="280353" cy="298983"/>
+            </a:xfrm>
+            <a:prstGeom prst="flowChartDelay">
+              <a:avLst/>
+            </a:prstGeom>
+            <a:solidFill>
+              <a:schemeClr val="bg1"/>
+            </a:solidFill>
+            <a:ln cap="rnd">
+              <a:solidFill>
+                <a:schemeClr val="bg1">
+                  <a:lumMod val="65000"/>
+                </a:schemeClr>
+              </a:solidFill>
+            </a:ln>
+          </p:spPr>
+          <p:style>
+            <a:lnRef idx="2">
+              <a:schemeClr val="accent1">
+                <a:shade val="50000"/>
+              </a:schemeClr>
+            </a:lnRef>
+            <a:fillRef idx="1">
+              <a:schemeClr val="accent1"/>
+            </a:fillRef>
+            <a:effectRef idx="0">
+              <a:schemeClr val="accent1"/>
+            </a:effectRef>
+            <a:fontRef idx="minor">
+              <a:schemeClr val="lt1"/>
+            </a:fontRef>
+          </p:style>
+          <p:txBody>
+            <a:bodyPr rtlCol="0" anchor="ctr"/>
+            <a:lstStyle/>
+            <a:p>
+              <a:pPr algn="ctr"/>
+              <a:endParaRPr lang="en-SG"/>
+            </a:p>
+          </p:txBody>
+        </p:sp>
+        <p:grpSp>
+          <p:nvGrpSpPr>
+            <p:cNvPr id="147" name="Group 146"/>
+            <p:cNvGrpSpPr/>
+            <p:nvPr/>
+          </p:nvGrpSpPr>
+          <p:grpSpPr>
+            <a:xfrm rot="2886978">
+              <a:off x="3674759" y="2020880"/>
+              <a:ext cx="220662" cy="220662"/>
+              <a:chOff x="3824879" y="2070419"/>
+              <a:chExt cx="220662" cy="220662"/>
+            </a:xfrm>
+          </p:grpSpPr>
+          <p:sp>
+            <p:nvSpPr>
+              <p:cNvPr id="148" name="Flowchart: Connector 147"/>
+              <p:cNvSpPr/>
+              <p:nvPr/>
+            </p:nvSpPr>
+            <p:spPr>
+              <a:xfrm flipH="1">
+                <a:off x="3824879" y="2070419"/>
+                <a:ext cx="220662" cy="220662"/>
+              </a:xfrm>
+              <a:prstGeom prst="flowChartConnector">
+                <a:avLst/>
+              </a:prstGeom>
+              <a:solidFill>
+                <a:schemeClr val="bg1"/>
+              </a:solidFill>
+              <a:ln cap="rnd">
+                <a:solidFill>
+                  <a:schemeClr val="bg1">
+                    <a:lumMod val="65000"/>
+                  </a:schemeClr>
+                </a:solidFill>
+              </a:ln>
+            </p:spPr>
+            <p:style>
+              <a:lnRef idx="2">
+                <a:schemeClr val="accent1">
+                  <a:shade val="50000"/>
+                </a:schemeClr>
+              </a:lnRef>
+              <a:fillRef idx="1">
+                <a:schemeClr val="accent1"/>
+              </a:fillRef>
+              <a:effectRef idx="0">
+                <a:schemeClr val="accent1"/>
+              </a:effectRef>
+              <a:fontRef idx="minor">
+                <a:schemeClr val="lt1"/>
+              </a:fontRef>
+            </p:style>
+            <p:txBody>
+              <a:bodyPr rtlCol="0" anchor="ctr"/>
+              <a:lstStyle/>
+              <a:p>
+                <a:pPr algn="ctr"/>
+                <a:endParaRPr lang="en-SG"/>
+              </a:p>
+            </p:txBody>
+          </p:sp>
+          <p:sp>
+            <p:nvSpPr>
+              <p:cNvPr id="150" name="Flowchart: Connector 149"/>
+              <p:cNvSpPr/>
+              <p:nvPr/>
+            </p:nvSpPr>
+            <p:spPr>
+              <a:xfrm>
+                <a:off x="3870969" y="2125914"/>
+                <a:ext cx="45719" cy="45719"/>
+              </a:xfrm>
+              <a:prstGeom prst="flowChartConnector">
+                <a:avLst/>
+              </a:prstGeom>
+              <a:solidFill>
+                <a:schemeClr val="bg1"/>
+              </a:solidFill>
+              <a:ln cap="rnd">
+                <a:solidFill>
+                  <a:schemeClr val="bg1">
+                    <a:lumMod val="65000"/>
+                  </a:schemeClr>
+                </a:solidFill>
+              </a:ln>
+            </p:spPr>
+            <p:style>
+              <a:lnRef idx="2">
+                <a:schemeClr val="accent1">
+                  <a:shade val="50000"/>
+                </a:schemeClr>
+              </a:lnRef>
+              <a:fillRef idx="1">
+                <a:schemeClr val="accent1"/>
+              </a:fillRef>
+              <a:effectRef idx="0">
+                <a:schemeClr val="accent1"/>
+              </a:effectRef>
+              <a:fontRef idx="minor">
+                <a:schemeClr val="lt1"/>
+              </a:fontRef>
+            </p:style>
+            <p:txBody>
+              <a:bodyPr rtlCol="0" anchor="ctr"/>
+              <a:lstStyle/>
+              <a:p>
+                <a:pPr algn="ctr"/>
+                <a:endParaRPr lang="en-SG"/>
+              </a:p>
+            </p:txBody>
+          </p:sp>
+        </p:grpSp>
+        <p:cxnSp>
+          <p:nvCxnSpPr>
+            <p:cNvPr id="12" name="Straight Connector 11"/>
+            <p:cNvCxnSpPr/>
+            <p:nvPr/>
+          </p:nvCxnSpPr>
+          <p:spPr>
+            <a:xfrm flipH="1" flipV="1">
+              <a:off x="3714569" y="1984863"/>
+              <a:ext cx="25038" cy="37121"/>
+            </a:xfrm>
+            <a:prstGeom prst="line">
+              <a:avLst/>
+            </a:prstGeom>
+            <a:solidFill>
+              <a:schemeClr val="bg1"/>
+            </a:solidFill>
+            <a:ln cap="rnd">
+              <a:solidFill>
+                <a:srgbClr val="A6A6A6"/>
+              </a:solidFill>
+            </a:ln>
+          </p:spPr>
+          <p:style>
+            <a:lnRef idx="2">
+              <a:schemeClr val="accent1">
+                <a:shade val="50000"/>
+              </a:schemeClr>
+            </a:lnRef>
+            <a:fillRef idx="1">
+              <a:schemeClr val="accent1"/>
+            </a:fillRef>
+            <a:effectRef idx="0">
+              <a:schemeClr val="accent1"/>
+            </a:effectRef>
+            <a:fontRef idx="minor">
+              <a:schemeClr val="lt1"/>
+            </a:fontRef>
+          </p:style>
+        </p:cxnSp>
+      </p:grpSp>
+      <p:grpSp>
+        <p:nvGrpSpPr>
+          <p:cNvPr id="24" name="Group 23"/>
+          <p:cNvGrpSpPr/>
+          <p:nvPr/>
+        </p:nvGrpSpPr>
+        <p:grpSpPr>
+          <a:xfrm>
+            <a:off x="4251325" y="1675138"/>
+            <a:ext cx="320109" cy="506486"/>
+            <a:chOff x="4223868" y="1675138"/>
+            <a:chExt cx="320109" cy="506486"/>
+          </a:xfrm>
+        </p:grpSpPr>
+        <p:grpSp>
+          <p:nvGrpSpPr>
+            <p:cNvPr id="2" name="Group 1"/>
+            <p:cNvGrpSpPr/>
+            <p:nvPr/>
+          </p:nvGrpSpPr>
+          <p:grpSpPr>
+            <a:xfrm>
+              <a:off x="4244994" y="1675138"/>
+              <a:ext cx="298983" cy="506486"/>
+              <a:chOff x="4281181" y="1583247"/>
+              <a:chExt cx="298983" cy="506486"/>
+            </a:xfrm>
+          </p:grpSpPr>
+          <p:sp>
+            <p:nvSpPr>
+              <p:cNvPr id="141" name="Flowchart: Delay 140"/>
+              <p:cNvSpPr/>
+              <p:nvPr/>
+            </p:nvSpPr>
+            <p:spPr>
+              <a:xfrm rot="5400000" flipH="1">
+                <a:off x="4290496" y="1800065"/>
+                <a:ext cx="280353" cy="298983"/>
+              </a:xfrm>
+              <a:prstGeom prst="flowChartDelay">
+                <a:avLst/>
+              </a:prstGeom>
+              <a:solidFill>
+                <a:schemeClr val="bg1"/>
+              </a:solidFill>
+              <a:ln cap="rnd">
+                <a:solidFill>
+                  <a:srgbClr val="A6A6A6"/>
+                </a:solidFill>
+              </a:ln>
+            </p:spPr>
+            <p:style>
+              <a:lnRef idx="2">
+                <a:schemeClr val="accent1">
+                  <a:shade val="50000"/>
+                </a:schemeClr>
+              </a:lnRef>
+              <a:fillRef idx="1">
+                <a:schemeClr val="accent1"/>
+              </a:fillRef>
+              <a:effectRef idx="0">
+                <a:schemeClr val="accent1"/>
+              </a:effectRef>
+              <a:fontRef idx="minor">
+                <a:schemeClr val="lt1"/>
+              </a:fontRef>
+            </p:style>
+            <p:txBody>
+              <a:bodyPr rtlCol="0" anchor="ctr"/>
+              <a:lstStyle/>
+              <a:p>
+                <a:pPr algn="ctr"/>
+                <a:endParaRPr lang="en-SG"/>
+              </a:p>
+            </p:txBody>
+          </p:sp>
+          <p:grpSp>
+            <p:nvGrpSpPr>
+              <p:cNvPr id="142" name="Group 141"/>
+              <p:cNvGrpSpPr/>
+              <p:nvPr/>
+            </p:nvGrpSpPr>
+            <p:grpSpPr>
+              <a:xfrm rot="3372795">
+                <a:off x="4312841" y="1583247"/>
+                <a:ext cx="220662" cy="220662"/>
+                <a:chOff x="4369785" y="1588796"/>
+                <a:chExt cx="220662" cy="220662"/>
+              </a:xfrm>
+            </p:grpSpPr>
+            <p:sp>
+              <p:nvSpPr>
+                <p:cNvPr id="143" name="Flowchart: Connector 142"/>
+                <p:cNvSpPr/>
+                <p:nvPr/>
+              </p:nvSpPr>
+              <p:spPr>
+                <a:xfrm flipH="1">
+                  <a:off x="4369785" y="1588796"/>
+                  <a:ext cx="220662" cy="220662"/>
+                </a:xfrm>
+                <a:prstGeom prst="flowChartConnector">
+                  <a:avLst/>
+                </a:prstGeom>
+                <a:solidFill>
+                  <a:schemeClr val="bg1"/>
+                </a:solidFill>
+                <a:ln cap="rnd">
+                  <a:solidFill>
+                    <a:srgbClr val="A6A6A6"/>
+                  </a:solidFill>
+                </a:ln>
+              </p:spPr>
+              <p:style>
+                <a:lnRef idx="2">
+                  <a:schemeClr val="accent1">
+                    <a:shade val="50000"/>
+                  </a:schemeClr>
+                </a:lnRef>
+                <a:fillRef idx="1">
+                  <a:schemeClr val="accent1"/>
+                </a:fillRef>
+                <a:effectRef idx="0">
+                  <a:schemeClr val="accent1"/>
+                </a:effectRef>
+                <a:fontRef idx="minor">
+                  <a:schemeClr val="lt1"/>
+                </a:fontRef>
+              </p:style>
+              <p:txBody>
+                <a:bodyPr rtlCol="0" anchor="ctr"/>
+                <a:lstStyle/>
+                <a:p>
+                  <a:pPr algn="ctr"/>
+                  <a:endParaRPr lang="en-SG"/>
+                </a:p>
+              </p:txBody>
+            </p:sp>
+            <p:sp>
+              <p:nvSpPr>
+                <p:cNvPr id="145" name="Flowchart: Connector 144"/>
+                <p:cNvSpPr/>
+                <p:nvPr/>
+              </p:nvSpPr>
+              <p:spPr>
+                <a:xfrm>
+                  <a:off x="4432016" y="1643414"/>
+                  <a:ext cx="45719" cy="45719"/>
+                </a:xfrm>
+                <a:prstGeom prst="flowChartConnector">
+                  <a:avLst/>
+                </a:prstGeom>
+                <a:solidFill>
+                  <a:schemeClr val="bg1"/>
+                </a:solidFill>
+                <a:ln cap="rnd">
+                  <a:solidFill>
+                    <a:srgbClr val="A6A6A6"/>
+                  </a:solidFill>
+                </a:ln>
+              </p:spPr>
+              <p:style>
+                <a:lnRef idx="2">
+                  <a:schemeClr val="accent1">
+                    <a:shade val="50000"/>
+                  </a:schemeClr>
+                </a:lnRef>
+                <a:fillRef idx="1">
+                  <a:schemeClr val="accent1"/>
+                </a:fillRef>
+                <a:effectRef idx="0">
+                  <a:schemeClr val="accent1"/>
+                </a:effectRef>
+                <a:fontRef idx="minor">
+                  <a:schemeClr val="lt1"/>
+                </a:fontRef>
+              </p:style>
+              <p:txBody>
+                <a:bodyPr rtlCol="0" anchor="ctr"/>
+                <a:lstStyle/>
+                <a:p>
+                  <a:pPr algn="ctr"/>
+                  <a:endParaRPr lang="en-SG"/>
+                </a:p>
+              </p:txBody>
+            </p:sp>
+          </p:grpSp>
+        </p:grpSp>
+        <p:cxnSp>
+          <p:nvCxnSpPr>
+            <p:cNvPr id="169" name="Straight Connector 168"/>
+            <p:cNvCxnSpPr/>
+            <p:nvPr/>
+          </p:nvCxnSpPr>
+          <p:spPr>
+            <a:xfrm flipH="1" flipV="1">
+              <a:off x="4223868" y="1756806"/>
+              <a:ext cx="46505" cy="2"/>
+            </a:xfrm>
+            <a:prstGeom prst="line">
+              <a:avLst/>
+            </a:prstGeom>
+            <a:solidFill>
+              <a:schemeClr val="bg1"/>
+            </a:solidFill>
+            <a:ln cap="rnd">
+              <a:solidFill>
+                <a:srgbClr val="A6A6A6"/>
+              </a:solidFill>
+            </a:ln>
+          </p:spPr>
+          <p:style>
+            <a:lnRef idx="2">
+              <a:schemeClr val="accent1">
+                <a:shade val="50000"/>
+              </a:schemeClr>
+            </a:lnRef>
+            <a:fillRef idx="1">
+              <a:schemeClr val="accent1"/>
+            </a:fillRef>
+            <a:effectRef idx="0">
+              <a:schemeClr val="accent1"/>
+            </a:effectRef>
+            <a:fontRef idx="minor">
+              <a:schemeClr val="lt1"/>
+            </a:fontRef>
+          </p:style>
+        </p:cxnSp>
+      </p:grpSp>
+      <p:grpSp>
+        <p:nvGrpSpPr>
+          <p:cNvPr id="23" name="Group 22"/>
+          <p:cNvGrpSpPr/>
+          <p:nvPr/>
+        </p:nvGrpSpPr>
+        <p:grpSpPr>
+          <a:xfrm>
+            <a:off x="6576925" y="1760165"/>
+            <a:ext cx="710817" cy="694092"/>
+            <a:chOff x="6499509" y="1689361"/>
+            <a:chExt cx="876016" cy="855403"/>
+          </a:xfrm>
+        </p:grpSpPr>
+        <p:sp>
+          <p:nvSpPr>
+            <p:cNvPr id="171" name="Freeform 170"/>
+            <p:cNvSpPr/>
+            <p:nvPr/>
+          </p:nvSpPr>
+          <p:spPr>
+            <a:xfrm>
+              <a:off x="6499509" y="2017645"/>
+              <a:ext cx="876016" cy="521033"/>
+            </a:xfrm>
+            <a:custGeom>
+              <a:avLst/>
+              <a:gdLst>
+                <a:gd name="connsiteX0" fmla="*/ 0 w 1174750"/>
+                <a:gd name="connsiteY0" fmla="*/ 355600 h 692150"/>
+                <a:gd name="connsiteX1" fmla="*/ 431800 w 1174750"/>
+                <a:gd name="connsiteY1" fmla="*/ 63500 h 692150"/>
+                <a:gd name="connsiteX2" fmla="*/ 1174750 w 1174750"/>
+                <a:gd name="connsiteY2" fmla="*/ 0 h 692150"/>
+                <a:gd name="connsiteX3" fmla="*/ 1174750 w 1174750"/>
+                <a:gd name="connsiteY3" fmla="*/ 304800 h 692150"/>
+                <a:gd name="connsiteX4" fmla="*/ 12700 w 1174750"/>
+                <a:gd name="connsiteY4" fmla="*/ 692150 h 692150"/>
+                <a:gd name="connsiteX5" fmla="*/ 0 w 1174750"/>
+                <a:gd name="connsiteY5" fmla="*/ 355600 h 692150"/>
+                <a:gd name="connsiteX0" fmla="*/ 0 w 1174750"/>
+                <a:gd name="connsiteY0" fmla="*/ 355600 h 692150"/>
+                <a:gd name="connsiteX1" fmla="*/ 431800 w 1174750"/>
+                <a:gd name="connsiteY1" fmla="*/ 6350 h 692150"/>
+                <a:gd name="connsiteX2" fmla="*/ 1174750 w 1174750"/>
+                <a:gd name="connsiteY2" fmla="*/ 0 h 692150"/>
+                <a:gd name="connsiteX3" fmla="*/ 1174750 w 1174750"/>
+                <a:gd name="connsiteY3" fmla="*/ 304800 h 692150"/>
+                <a:gd name="connsiteX4" fmla="*/ 12700 w 1174750"/>
+                <a:gd name="connsiteY4" fmla="*/ 692150 h 692150"/>
+                <a:gd name="connsiteX5" fmla="*/ 0 w 1174750"/>
+                <a:gd name="connsiteY5" fmla="*/ 355600 h 692150"/>
+              </a:gdLst>
+              <a:ahLst/>
+              <a:cxnLst>
+                <a:cxn ang="0">
+                  <a:pos x="connsiteX0" y="connsiteY0"/>
+                </a:cxn>
+                <a:cxn ang="0">
+                  <a:pos x="connsiteX1" y="connsiteY1"/>
+                </a:cxn>
+                <a:cxn ang="0">
+                  <a:pos x="connsiteX2" y="connsiteY2"/>
+                </a:cxn>
+                <a:cxn ang="0">
+                  <a:pos x="connsiteX3" y="connsiteY3"/>
+                </a:cxn>
+                <a:cxn ang="0">
+                  <a:pos x="connsiteX4" y="connsiteY4"/>
+                </a:cxn>
+                <a:cxn ang="0">
+                  <a:pos x="connsiteX5" y="connsiteY5"/>
+                </a:cxn>
+              </a:cxnLst>
+              <a:rect l="l" t="t" r="r" b="b"/>
+              <a:pathLst>
+                <a:path w="1174750" h="692150">
+                  <a:moveTo>
+                    <a:pt x="0" y="355600"/>
+                  </a:moveTo>
+                  <a:lnTo>
+                    <a:pt x="431800" y="6350"/>
+                  </a:lnTo>
+                  <a:lnTo>
+                    <a:pt x="1174750" y="0"/>
+                  </a:lnTo>
+                  <a:lnTo>
+                    <a:pt x="1174750" y="304800"/>
+                  </a:lnTo>
+                  <a:lnTo>
+                    <a:pt x="12700" y="692150"/>
+                  </a:lnTo>
+                  <a:lnTo>
+                    <a:pt x="0" y="355600"/>
+                  </a:lnTo>
+                  <a:close/>
+                </a:path>
+              </a:pathLst>
+            </a:custGeom>
+            <a:solidFill>
+              <a:srgbClr val="B9CDE5"/>
+            </a:solidFill>
+            <a:ln>
+              <a:solidFill>
+                <a:schemeClr val="bg1"/>
+              </a:solidFill>
+            </a:ln>
+            <a:effectLst/>
+          </p:spPr>
+          <p:style>
+            <a:lnRef idx="2">
+              <a:schemeClr val="accent1">
+                <a:shade val="50000"/>
+              </a:schemeClr>
+            </a:lnRef>
+            <a:fillRef idx="1">
+              <a:schemeClr val="accent1"/>
+            </a:fillRef>
+            <a:effectRef idx="0">
+              <a:schemeClr val="accent1"/>
+            </a:effectRef>
+            <a:fontRef idx="minor">
+              <a:schemeClr val="lt1"/>
+            </a:fontRef>
+          </p:style>
+          <p:txBody>
+            <a:bodyPr rtlCol="0" anchor="ctr"/>
+            <a:lstStyle/>
+            <a:p>
+              <a:pPr algn="ctr"/>
+              <a:endParaRPr lang="en-US"/>
+            </a:p>
+          </p:txBody>
+        </p:sp>
+        <p:sp>
+          <p:nvSpPr>
+            <p:cNvPr id="180" name="Rounded Rectangle 179"/>
+            <p:cNvSpPr/>
+            <p:nvPr/>
+          </p:nvSpPr>
+          <p:spPr>
+            <a:xfrm>
+              <a:off x="6753244" y="1689361"/>
+              <a:ext cx="537385" cy="574170"/>
+            </a:xfrm>
+            <a:prstGeom prst="roundRect">
+              <a:avLst/>
+            </a:prstGeom>
+            <a:solidFill>
+              <a:srgbClr val="F8BF8F"/>
+            </a:solidFill>
+            <a:ln>
+              <a:solidFill>
+                <a:schemeClr val="bg1"/>
+              </a:solidFill>
+            </a:ln>
+            <a:effectLst/>
+          </p:spPr>
+          <p:style>
+            <a:lnRef idx="2">
+              <a:schemeClr val="accent1">
+                <a:shade val="50000"/>
+              </a:schemeClr>
+            </a:lnRef>
+            <a:fillRef idx="1">
+              <a:schemeClr val="accent1"/>
+            </a:fillRef>
+            <a:effectRef idx="0">
+              <a:schemeClr val="accent1"/>
+            </a:effectRef>
+            <a:fontRef idx="minor">
+              <a:schemeClr val="lt1"/>
+            </a:fontRef>
+          </p:style>
+          <p:txBody>
+            <a:bodyPr rtlCol="0" anchor="ctr"/>
+            <a:lstStyle/>
+            <a:p>
+              <a:pPr algn="ctr"/>
+              <a:endParaRPr lang="en-US"/>
+            </a:p>
+          </p:txBody>
+        </p:sp>
+        <p:sp>
+          <p:nvSpPr>
+            <p:cNvPr id="184" name="Rounded Rectangle 183"/>
+            <p:cNvSpPr/>
+            <p:nvPr/>
+          </p:nvSpPr>
+          <p:spPr>
+            <a:xfrm>
+              <a:off x="6660655" y="1739433"/>
+              <a:ext cx="537385" cy="574169"/>
+            </a:xfrm>
+            <a:prstGeom prst="roundRect">
+              <a:avLst/>
+            </a:prstGeom>
+            <a:solidFill>
+              <a:srgbClr val="F8BF8F"/>
+            </a:solidFill>
+            <a:ln>
+              <a:solidFill>
+                <a:schemeClr val="bg1"/>
+              </a:solidFill>
+            </a:ln>
+            <a:effectLst/>
+          </p:spPr>
+          <p:style>
+            <a:lnRef idx="2">
+              <a:schemeClr val="accent1">
+                <a:shade val="50000"/>
+              </a:schemeClr>
+            </a:lnRef>
+            <a:fillRef idx="1">
+              <a:schemeClr val="accent1"/>
+            </a:fillRef>
+            <a:effectRef idx="0">
+              <a:schemeClr val="accent1"/>
+            </a:effectRef>
+            <a:fontRef idx="minor">
+              <a:schemeClr val="lt1"/>
+            </a:fontRef>
+          </p:style>
+          <p:txBody>
+            <a:bodyPr rtlCol="0" anchor="ctr"/>
+            <a:lstStyle/>
+            <a:p>
+              <a:pPr algn="ctr"/>
+              <a:endParaRPr lang="en-US"/>
+            </a:p>
+          </p:txBody>
+        </p:sp>
+        <p:sp>
+          <p:nvSpPr>
+            <p:cNvPr id="185" name="Rounded Rectangle 184"/>
+            <p:cNvSpPr/>
+            <p:nvPr/>
+          </p:nvSpPr>
+          <p:spPr>
+            <a:xfrm>
+              <a:off x="6567483" y="1778837"/>
+              <a:ext cx="537385" cy="574170"/>
+            </a:xfrm>
+            <a:prstGeom prst="roundRect">
+              <a:avLst/>
+            </a:prstGeom>
+            <a:solidFill>
+              <a:srgbClr val="F8BF8F"/>
+            </a:solidFill>
+            <a:ln>
+              <a:solidFill>
+                <a:schemeClr val="bg1"/>
+              </a:solidFill>
+            </a:ln>
+            <a:effectLst/>
+          </p:spPr>
+          <p:style>
+            <a:lnRef idx="2">
+              <a:schemeClr val="accent1">
+                <a:shade val="50000"/>
+              </a:schemeClr>
+            </a:lnRef>
+            <a:fillRef idx="1">
+              <a:schemeClr val="accent1"/>
+            </a:fillRef>
+            <a:effectRef idx="0">
+              <a:schemeClr val="accent1"/>
+            </a:effectRef>
+            <a:fontRef idx="minor">
+              <a:schemeClr val="lt1"/>
+            </a:fontRef>
+          </p:style>
+          <p:txBody>
+            <a:bodyPr rtlCol="0" anchor="ctr"/>
+            <a:lstStyle/>
+            <a:p>
+              <a:pPr algn="ctr"/>
+              <a:endParaRPr lang="en-US"/>
+            </a:p>
+          </p:txBody>
+        </p:sp>
+        <p:sp>
+          <p:nvSpPr>
+            <p:cNvPr id="210" name="Freeform 209"/>
+            <p:cNvSpPr/>
+            <p:nvPr/>
+          </p:nvSpPr>
+          <p:spPr>
+            <a:xfrm>
+              <a:off x="7155335" y="2022428"/>
+              <a:ext cx="220188" cy="522336"/>
+            </a:xfrm>
+            <a:custGeom>
+              <a:avLst/>
+              <a:gdLst>
+                <a:gd name="connsiteX0" fmla="*/ 0 w 311150"/>
+                <a:gd name="connsiteY0" fmla="*/ 361950 h 692150"/>
+                <a:gd name="connsiteX1" fmla="*/ 311150 w 311150"/>
+                <a:gd name="connsiteY1" fmla="*/ 0 h 692150"/>
+                <a:gd name="connsiteX2" fmla="*/ 311150 w 311150"/>
+                <a:gd name="connsiteY2" fmla="*/ 279400 h 692150"/>
+                <a:gd name="connsiteX3" fmla="*/ 19050 w 311150"/>
+                <a:gd name="connsiteY3" fmla="*/ 692150 h 692150"/>
+                <a:gd name="connsiteX4" fmla="*/ 0 w 311150"/>
+                <a:gd name="connsiteY4" fmla="*/ 361950 h 692150"/>
+                <a:gd name="connsiteX0" fmla="*/ 0 w 311150"/>
+                <a:gd name="connsiteY0" fmla="*/ 361950 h 692150"/>
+                <a:gd name="connsiteX1" fmla="*/ 311150 w 311150"/>
+                <a:gd name="connsiteY1" fmla="*/ 0 h 692150"/>
+                <a:gd name="connsiteX2" fmla="*/ 311150 w 311150"/>
+                <a:gd name="connsiteY2" fmla="*/ 298450 h 692150"/>
+                <a:gd name="connsiteX3" fmla="*/ 19050 w 311150"/>
+                <a:gd name="connsiteY3" fmla="*/ 692150 h 692150"/>
+                <a:gd name="connsiteX4" fmla="*/ 0 w 311150"/>
+                <a:gd name="connsiteY4" fmla="*/ 361950 h 692150"/>
+                <a:gd name="connsiteX0" fmla="*/ 0 w 295275"/>
+                <a:gd name="connsiteY0" fmla="*/ 361950 h 692150"/>
+                <a:gd name="connsiteX1" fmla="*/ 295275 w 295275"/>
+                <a:gd name="connsiteY1" fmla="*/ 0 h 692150"/>
+                <a:gd name="connsiteX2" fmla="*/ 295275 w 295275"/>
+                <a:gd name="connsiteY2" fmla="*/ 298450 h 692150"/>
+                <a:gd name="connsiteX3" fmla="*/ 3175 w 295275"/>
+                <a:gd name="connsiteY3" fmla="*/ 692150 h 692150"/>
+                <a:gd name="connsiteX4" fmla="*/ 0 w 295275"/>
+                <a:gd name="connsiteY4" fmla="*/ 361950 h 692150"/>
+                <a:gd name="connsiteX0" fmla="*/ 0 w 295275"/>
+                <a:gd name="connsiteY0" fmla="*/ 361950 h 698500"/>
+                <a:gd name="connsiteX1" fmla="*/ 295275 w 295275"/>
+                <a:gd name="connsiteY1" fmla="*/ 0 h 698500"/>
+                <a:gd name="connsiteX2" fmla="*/ 295275 w 295275"/>
+                <a:gd name="connsiteY2" fmla="*/ 298450 h 698500"/>
+                <a:gd name="connsiteX3" fmla="*/ 3175 w 295275"/>
+                <a:gd name="connsiteY3" fmla="*/ 698500 h 698500"/>
+                <a:gd name="connsiteX4" fmla="*/ 0 w 295275"/>
+                <a:gd name="connsiteY4" fmla="*/ 361950 h 698500"/>
+              </a:gdLst>
+              <a:ahLst/>
+              <a:cxnLst>
+                <a:cxn ang="0">
+                  <a:pos x="connsiteX0" y="connsiteY0"/>
+                </a:cxn>
+                <a:cxn ang="0">
+                  <a:pos x="connsiteX1" y="connsiteY1"/>
+                </a:cxn>
+                <a:cxn ang="0">
+                  <a:pos x="connsiteX2" y="connsiteY2"/>
+                </a:cxn>
+                <a:cxn ang="0">
+                  <a:pos x="connsiteX3" y="connsiteY3"/>
+                </a:cxn>
+                <a:cxn ang="0">
+                  <a:pos x="connsiteX4" y="connsiteY4"/>
+                </a:cxn>
+              </a:cxnLst>
+              <a:rect l="l" t="t" r="r" b="b"/>
+              <a:pathLst>
+                <a:path w="295275" h="698500">
+                  <a:moveTo>
+                    <a:pt x="0" y="361950"/>
+                  </a:moveTo>
+                  <a:lnTo>
+                    <a:pt x="295275" y="0"/>
+                  </a:lnTo>
+                  <a:lnTo>
+                    <a:pt x="295275" y="298450"/>
+                  </a:lnTo>
+                  <a:lnTo>
+                    <a:pt x="3175" y="698500"/>
+                  </a:lnTo>
+                  <a:cubicBezTo>
+                    <a:pt x="2117" y="588433"/>
+                    <a:pt x="1058" y="472017"/>
+                    <a:pt x="0" y="361950"/>
+                  </a:cubicBezTo>
+                  <a:close/>
+                </a:path>
+              </a:pathLst>
+            </a:custGeom>
+            <a:solidFill>
+              <a:srgbClr val="B9CDE5"/>
+            </a:solidFill>
+            <a:ln>
+              <a:solidFill>
+                <a:schemeClr val="bg1"/>
+              </a:solidFill>
+            </a:ln>
+            <a:effectLst/>
+          </p:spPr>
+          <p:style>
+            <a:lnRef idx="2">
+              <a:schemeClr val="accent1">
+                <a:shade val="50000"/>
+              </a:schemeClr>
+            </a:lnRef>
+            <a:fillRef idx="1">
+              <a:schemeClr val="accent1"/>
+            </a:fillRef>
+            <a:effectRef idx="0">
+              <a:schemeClr val="accent1"/>
+            </a:effectRef>
+            <a:fontRef idx="minor">
+              <a:schemeClr val="lt1"/>
+            </a:fontRef>
+          </p:style>
+          <p:txBody>
+            <a:bodyPr rtlCol="0" anchor="ctr"/>
+            <a:lstStyle/>
+            <a:p>
+              <a:pPr algn="ctr"/>
+              <a:endParaRPr lang="en-US"/>
+            </a:p>
+          </p:txBody>
+        </p:sp>
+        <p:sp>
+          <p:nvSpPr>
+            <p:cNvPr id="211" name="Rectangle 210"/>
+            <p:cNvSpPr/>
+            <p:nvPr/>
+          </p:nvSpPr>
+          <p:spPr>
+            <a:xfrm>
+              <a:off x="6503670" y="2293442"/>
+              <a:ext cx="654048" cy="251320"/>
+            </a:xfrm>
+            <a:prstGeom prst="rect">
+              <a:avLst/>
+            </a:prstGeom>
+            <a:solidFill>
+              <a:srgbClr val="B9CDE5"/>
+            </a:solidFill>
+            <a:ln>
+              <a:solidFill>
+                <a:schemeClr val="bg1"/>
+              </a:solidFill>
+            </a:ln>
+            <a:effectLst/>
+          </p:spPr>
+          <p:style>
+            <a:lnRef idx="2">
+              <a:schemeClr val="accent1">
+                <a:shade val="50000"/>
+              </a:schemeClr>
+            </a:lnRef>
+            <a:fillRef idx="1">
+              <a:schemeClr val="accent1"/>
+            </a:fillRef>
+            <a:effectRef idx="0">
+              <a:schemeClr val="accent1"/>
+            </a:effectRef>
+            <a:fontRef idx="minor">
+              <a:schemeClr val="lt1"/>
+            </a:fontRef>
+          </p:style>
+          <p:txBody>
+            <a:bodyPr rtlCol="0" anchor="ctr"/>
+            <a:lstStyle/>
+            <a:p>
+              <a:pPr algn="ctr"/>
+              <a:endParaRPr lang="en-US"/>
+            </a:p>
+          </p:txBody>
+        </p:sp>
+      </p:grpSp>
+      <p:sp>
+        <p:nvSpPr>
+          <p:cNvPr id="259" name="Arc 258"/>
+          <p:cNvSpPr/>
+          <p:nvPr/>
+        </p:nvSpPr>
+        <p:spPr>
+          <a:xfrm>
+            <a:off x="3145964" y="1067085"/>
+            <a:ext cx="844975" cy="844975"/>
           </a:xfrm>
           <a:prstGeom prst="arc">
             <a:avLst>
-              <a:gd name="adj1" fmla="val 3939097"/>
-              <a:gd name="adj2" fmla="val 20260855"/>
+              <a:gd name="adj1" fmla="val 10062789"/>
+              <a:gd name="adj2" fmla="val 16724272"/>
             </a:avLst>
           </a:prstGeom>
           <a:noFill/>
           <a:ln w="38100" cap="rnd">
             <a:solidFill>
-              <a:schemeClr val="accent6">
-                <a:lumMod val="75000"/>
-              </a:schemeClr>
+              <a:srgbClr val="E46B09"/>
             </a:solidFill>
             <a:headEnd type="triangle" w="med" len="med"/>
             <a:tailEnd type="none" w="med" len="med"/>
@@ -9257,7 +7420,7 @@
           <a:lstStyle/>
           <a:p>
             <a:pPr algn="ctr"/>
-            <a:endParaRPr lang="en-US">
+            <a:endParaRPr lang="en-SG">
               <a:solidFill>
                 <a:schemeClr val="lt1"/>
               </a:solidFill>
@@ -9267,335 +7430,25 @@
       </p:sp>
       <p:sp>
         <p:nvSpPr>
-          <p:cNvPr id="11" name="Arc 10"/>
+          <p:cNvPr id="260" name="Arc 259"/>
           <p:cNvSpPr/>
           <p:nvPr/>
         </p:nvSpPr>
         <p:spPr>
-          <a:xfrm flipH="1">
-            <a:off x="5777792" y="1706562"/>
-            <a:ext cx="358256" cy="385615"/>
+          <a:xfrm>
+            <a:off x="136525" y="841130"/>
+            <a:ext cx="1613124" cy="1613124"/>
           </a:xfrm>
           <a:prstGeom prst="arc">
             <a:avLst>
-              <a:gd name="adj1" fmla="val 21544144"/>
-              <a:gd name="adj2" fmla="val 6639267"/>
+              <a:gd name="adj1" fmla="val 15549024"/>
+              <a:gd name="adj2" fmla="val 20937197"/>
             </a:avLst>
           </a:prstGeom>
           <a:noFill/>
           <a:ln w="38100" cap="rnd">
             <a:solidFill>
-              <a:schemeClr val="accent6">
-                <a:lumMod val="75000"/>
-              </a:schemeClr>
-            </a:solidFill>
-            <a:headEnd type="none" w="med" len="med"/>
-            <a:tailEnd type="triangle" w="med" len="med"/>
-          </a:ln>
-        </p:spPr>
-        <p:style>
-          <a:lnRef idx="2">
-            <a:schemeClr val="accent1">
-              <a:shade val="50000"/>
-            </a:schemeClr>
-          </a:lnRef>
-          <a:fillRef idx="1">
-            <a:schemeClr val="accent1"/>
-          </a:fillRef>
-          <a:effectRef idx="0">
-            <a:schemeClr val="accent1"/>
-          </a:effectRef>
-          <a:fontRef idx="minor">
-            <a:schemeClr val="lt1"/>
-          </a:fontRef>
-        </p:style>
-        <p:txBody>
-          <a:bodyPr rtlCol="0" anchor="ctr"/>
-          <a:lstStyle/>
-          <a:p>
-            <a:pPr algn="ctr"/>
-            <a:endParaRPr lang="en-US"/>
-          </a:p>
-        </p:txBody>
-      </p:sp>
-      <p:sp>
-        <p:nvSpPr>
-          <p:cNvPr id="114" name="Freeform 113"/>
-          <p:cNvSpPr/>
-          <p:nvPr/>
-        </p:nvSpPr>
-        <p:spPr>
-          <a:xfrm rot="2235209">
-            <a:off x="6801931" y="1243398"/>
-            <a:ext cx="610394" cy="277347"/>
-          </a:xfrm>
-          <a:custGeom>
-            <a:avLst/>
-            <a:gdLst>
-              <a:gd name="connsiteX0" fmla="*/ 0 w 498088"/>
-              <a:gd name="connsiteY0" fmla="*/ 87078 h 220892"/>
-              <a:gd name="connsiteX1" fmla="*/ 245327 w 498088"/>
-              <a:gd name="connsiteY1" fmla="*/ 5302 h 220892"/>
-              <a:gd name="connsiteX2" fmla="*/ 498088 w 498088"/>
-              <a:gd name="connsiteY2" fmla="*/ 220892 h 220892"/>
-              <a:gd name="connsiteX0" fmla="*/ 0 w 498088"/>
-              <a:gd name="connsiteY0" fmla="*/ 42889 h 176703"/>
-              <a:gd name="connsiteX1" fmla="*/ 230764 w 498088"/>
-              <a:gd name="connsiteY1" fmla="*/ 14707 h 176703"/>
-              <a:gd name="connsiteX2" fmla="*/ 498088 w 498088"/>
-              <a:gd name="connsiteY2" fmla="*/ 176703 h 176703"/>
-              <a:gd name="connsiteX0" fmla="*/ 0 w 498088"/>
-              <a:gd name="connsiteY0" fmla="*/ 50473 h 184287"/>
-              <a:gd name="connsiteX1" fmla="*/ 242175 w 498088"/>
-              <a:gd name="connsiteY1" fmla="*/ 11327 h 184287"/>
-              <a:gd name="connsiteX2" fmla="*/ 498088 w 498088"/>
-              <a:gd name="connsiteY2" fmla="*/ 184287 h 184287"/>
-            </a:gdLst>
-            <a:ahLst/>
-            <a:cxnLst>
-              <a:cxn ang="0">
-                <a:pos x="connsiteX0" y="connsiteY0"/>
-              </a:cxn>
-              <a:cxn ang="0">
-                <a:pos x="connsiteX1" y="connsiteY1"/>
-              </a:cxn>
-              <a:cxn ang="0">
-                <a:pos x="connsiteX2" y="connsiteY2"/>
-              </a:cxn>
-            </a:cxnLst>
-            <a:rect l="l" t="t" r="r" b="b"/>
-            <a:pathLst>
-              <a:path w="498088" h="184287">
-                <a:moveTo>
-                  <a:pt x="0" y="50473"/>
-                </a:moveTo>
-                <a:cubicBezTo>
-                  <a:pt x="81156" y="-1566"/>
-                  <a:pt x="159160" y="-10975"/>
-                  <a:pt x="242175" y="11327"/>
-                </a:cubicBezTo>
-                <a:cubicBezTo>
-                  <a:pt x="325190" y="33629"/>
-                  <a:pt x="413215" y="87643"/>
-                  <a:pt x="498088" y="184287"/>
-                </a:cubicBezTo>
-              </a:path>
-            </a:pathLst>
-          </a:custGeom>
-          <a:noFill/>
-          <a:ln w="38100" cap="rnd">
-            <a:headEnd type="none" w="med" len="med"/>
-            <a:tailEnd type="triangle" w="med" len="med"/>
-          </a:ln>
-        </p:spPr>
-        <p:style>
-          <a:lnRef idx="2">
-            <a:schemeClr val="accent1">
-              <a:shade val="50000"/>
-            </a:schemeClr>
-          </a:lnRef>
-          <a:fillRef idx="1">
-            <a:schemeClr val="accent1"/>
-          </a:fillRef>
-          <a:effectRef idx="0">
-            <a:schemeClr val="accent1"/>
-          </a:effectRef>
-          <a:fontRef idx="minor">
-            <a:schemeClr val="lt1"/>
-          </a:fontRef>
-        </p:style>
-        <p:txBody>
-          <a:bodyPr rtlCol="0" anchor="ctr"/>
-          <a:lstStyle/>
-          <a:p>
-            <a:pPr algn="ctr"/>
-            <a:endParaRPr lang="en-US"/>
-          </a:p>
-        </p:txBody>
-      </p:sp>
-      <p:sp>
-        <p:nvSpPr>
-          <p:cNvPr id="116" name="Freeform 115"/>
-          <p:cNvSpPr/>
-          <p:nvPr/>
-        </p:nvSpPr>
-        <p:spPr>
-          <a:xfrm rot="7580198">
-            <a:off x="5962649" y="1303851"/>
-            <a:ext cx="681819" cy="325155"/>
-          </a:xfrm>
-          <a:custGeom>
-            <a:avLst/>
-            <a:gdLst>
-              <a:gd name="connsiteX0" fmla="*/ 0 w 498088"/>
-              <a:gd name="connsiteY0" fmla="*/ 87078 h 220892"/>
-              <a:gd name="connsiteX1" fmla="*/ 245327 w 498088"/>
-              <a:gd name="connsiteY1" fmla="*/ 5302 h 220892"/>
-              <a:gd name="connsiteX2" fmla="*/ 498088 w 498088"/>
-              <a:gd name="connsiteY2" fmla="*/ 220892 h 220892"/>
-              <a:gd name="connsiteX0" fmla="*/ 0 w 498088"/>
-              <a:gd name="connsiteY0" fmla="*/ 42889 h 176703"/>
-              <a:gd name="connsiteX1" fmla="*/ 230764 w 498088"/>
-              <a:gd name="connsiteY1" fmla="*/ 14707 h 176703"/>
-              <a:gd name="connsiteX2" fmla="*/ 498088 w 498088"/>
-              <a:gd name="connsiteY2" fmla="*/ 176703 h 176703"/>
-              <a:gd name="connsiteX0" fmla="*/ 0 w 548075"/>
-              <a:gd name="connsiteY0" fmla="*/ 22042 h 216634"/>
-              <a:gd name="connsiteX1" fmla="*/ 280751 w 548075"/>
-              <a:gd name="connsiteY1" fmla="*/ 54638 h 216634"/>
-              <a:gd name="connsiteX2" fmla="*/ 548075 w 548075"/>
-              <a:gd name="connsiteY2" fmla="*/ 216634 h 216634"/>
-              <a:gd name="connsiteX0" fmla="*/ 0 w 548075"/>
-              <a:gd name="connsiteY0" fmla="*/ 10076 h 204668"/>
-              <a:gd name="connsiteX1" fmla="*/ 280751 w 548075"/>
-              <a:gd name="connsiteY1" fmla="*/ 42672 h 204668"/>
-              <a:gd name="connsiteX2" fmla="*/ 548075 w 548075"/>
-              <a:gd name="connsiteY2" fmla="*/ 204668 h 204668"/>
-              <a:gd name="connsiteX0" fmla="*/ 0 w 548075"/>
-              <a:gd name="connsiteY0" fmla="*/ 15033 h 209625"/>
-              <a:gd name="connsiteX1" fmla="*/ 288172 w 548075"/>
-              <a:gd name="connsiteY1" fmla="*/ 29366 h 209625"/>
-              <a:gd name="connsiteX2" fmla="*/ 548075 w 548075"/>
-              <a:gd name="connsiteY2" fmla="*/ 209625 h 209625"/>
-            </a:gdLst>
-            <a:ahLst/>
-            <a:cxnLst>
-              <a:cxn ang="0">
-                <a:pos x="connsiteX0" y="connsiteY0"/>
-              </a:cxn>
-              <a:cxn ang="0">
-                <a:pos x="connsiteX1" y="connsiteY1"/>
-              </a:cxn>
-              <a:cxn ang="0">
-                <a:pos x="connsiteX2" y="connsiteY2"/>
-              </a:cxn>
-            </a:cxnLst>
-            <a:rect l="l" t="t" r="r" b="b"/>
-            <a:pathLst>
-              <a:path w="548075" h="209625">
-                <a:moveTo>
-                  <a:pt x="0" y="15033"/>
-                </a:moveTo>
-                <a:cubicBezTo>
-                  <a:pt x="111004" y="-9809"/>
-                  <a:pt x="196826" y="-3066"/>
-                  <a:pt x="288172" y="29366"/>
-                </a:cubicBezTo>
-                <a:cubicBezTo>
-                  <a:pt x="379518" y="61798"/>
-                  <a:pt x="463202" y="112981"/>
-                  <a:pt x="548075" y="209625"/>
-                </a:cubicBezTo>
-              </a:path>
-            </a:pathLst>
-          </a:custGeom>
-          <a:noFill/>
-          <a:ln w="38100" cap="rnd">
-            <a:headEnd type="none" w="med" len="med"/>
-            <a:tailEnd type="triangle" w="med" len="med"/>
-          </a:ln>
-        </p:spPr>
-        <p:style>
-          <a:lnRef idx="2">
-            <a:schemeClr val="accent1">
-              <a:shade val="50000"/>
-            </a:schemeClr>
-          </a:lnRef>
-          <a:fillRef idx="1">
-            <a:schemeClr val="accent1"/>
-          </a:fillRef>
-          <a:effectRef idx="0">
-            <a:schemeClr val="accent1"/>
-          </a:effectRef>
-          <a:fontRef idx="minor">
-            <a:schemeClr val="lt1"/>
-          </a:fontRef>
-        </p:style>
-        <p:txBody>
-          <a:bodyPr rtlCol="0" anchor="ctr"/>
-          <a:lstStyle/>
-          <a:p>
-            <a:pPr algn="ctr"/>
-            <a:endParaRPr lang="en-US"/>
-          </a:p>
-        </p:txBody>
-      </p:sp>
-      <p:sp>
-        <p:nvSpPr>
-          <p:cNvPr id="181" name="Arc 180"/>
-          <p:cNvSpPr/>
-          <p:nvPr/>
-        </p:nvSpPr>
-        <p:spPr>
-          <a:xfrm flipH="1">
-            <a:off x="6176353" y="1849151"/>
-            <a:ext cx="635005" cy="683499"/>
-          </a:xfrm>
-          <a:prstGeom prst="arc">
-            <a:avLst>
-              <a:gd name="adj1" fmla="val 1590645"/>
-              <a:gd name="adj2" fmla="val 6555229"/>
-            </a:avLst>
-          </a:prstGeom>
-          <a:noFill/>
-          <a:ln w="38100" cap="rnd">
-            <a:solidFill>
-              <a:schemeClr val="accent6">
-                <a:lumMod val="75000"/>
-              </a:schemeClr>
-            </a:solidFill>
-            <a:headEnd type="none" w="med" len="med"/>
-            <a:tailEnd type="triangle" w="med" len="med"/>
-          </a:ln>
-        </p:spPr>
-        <p:style>
-          <a:lnRef idx="2">
-            <a:schemeClr val="accent1">
-              <a:shade val="50000"/>
-            </a:schemeClr>
-          </a:lnRef>
-          <a:fillRef idx="1">
-            <a:schemeClr val="accent1"/>
-          </a:fillRef>
-          <a:effectRef idx="0">
-            <a:schemeClr val="accent1"/>
-          </a:effectRef>
-          <a:fontRef idx="minor">
-            <a:schemeClr val="lt1"/>
-          </a:fontRef>
-        </p:style>
-        <p:txBody>
-          <a:bodyPr rtlCol="0" anchor="ctr"/>
-          <a:lstStyle/>
-          <a:p>
-            <a:pPr algn="ctr"/>
-            <a:endParaRPr lang="en-US"/>
-          </a:p>
-        </p:txBody>
-      </p:sp>
-      <p:sp>
-        <p:nvSpPr>
-          <p:cNvPr id="183" name="Arc 182"/>
-          <p:cNvSpPr/>
-          <p:nvPr/>
-        </p:nvSpPr>
-        <p:spPr>
-          <a:xfrm>
-            <a:off x="5508317" y="903244"/>
-            <a:ext cx="275180" cy="585149"/>
-          </a:xfrm>
-          <a:prstGeom prst="arc">
-            <a:avLst>
-              <a:gd name="adj1" fmla="val 12344503"/>
-              <a:gd name="adj2" fmla="val 2561817"/>
-            </a:avLst>
-          </a:prstGeom>
-          <a:noFill/>
-          <a:ln w="38100" cap="rnd">
-            <a:solidFill>
-              <a:schemeClr val="accent6">
-                <a:lumMod val="75000"/>
-              </a:schemeClr>
+              <a:srgbClr val="0070C0"/>
             </a:solidFill>
             <a:headEnd type="triangle" w="med" len="med"/>
             <a:tailEnd type="none" w="med" len="med"/>
@@ -9622,11 +7475,208 @@
           <a:lstStyle/>
           <a:p>
             <a:pPr algn="ctr"/>
-            <a:endParaRPr lang="en-US">
+            <a:endParaRPr lang="en-SG">
               <a:solidFill>
                 <a:schemeClr val="lt1"/>
               </a:solidFill>
             </a:endParaRPr>
+          </a:p>
+        </p:txBody>
+      </p:sp>
+      <p:sp>
+        <p:nvSpPr>
+          <p:cNvPr id="261" name="Arc 260"/>
+          <p:cNvSpPr/>
+          <p:nvPr/>
+        </p:nvSpPr>
+        <p:spPr>
+          <a:xfrm>
+            <a:off x="311586" y="1090235"/>
+            <a:ext cx="1474670" cy="1474670"/>
+          </a:xfrm>
+          <a:prstGeom prst="arc">
+            <a:avLst>
+              <a:gd name="adj1" fmla="val 9883988"/>
+              <a:gd name="adj2" fmla="val 20051296"/>
+            </a:avLst>
+          </a:prstGeom>
+          <a:noFill/>
+          <a:ln w="38100" cap="rnd">
+            <a:solidFill>
+              <a:srgbClr val="0070C0"/>
+            </a:solidFill>
+            <a:headEnd type="triangle" w="med" len="med"/>
+            <a:tailEnd type="none" w="med" len="med"/>
+          </a:ln>
+        </p:spPr>
+        <p:style>
+          <a:lnRef idx="2">
+            <a:schemeClr val="accent1">
+              <a:shade val="50000"/>
+            </a:schemeClr>
+          </a:lnRef>
+          <a:fillRef idx="1">
+            <a:schemeClr val="accent1"/>
+          </a:fillRef>
+          <a:effectRef idx="0">
+            <a:schemeClr val="accent1"/>
+          </a:effectRef>
+          <a:fontRef idx="minor">
+            <a:schemeClr val="lt1"/>
+          </a:fontRef>
+        </p:style>
+        <p:txBody>
+          <a:bodyPr rtlCol="0" anchor="ctr"/>
+          <a:lstStyle/>
+          <a:p>
+            <a:pPr algn="ctr"/>
+            <a:endParaRPr lang="en-SG"/>
+          </a:p>
+        </p:txBody>
+      </p:sp>
+      <p:sp>
+        <p:nvSpPr>
+          <p:cNvPr id="262" name="Arc 261"/>
+          <p:cNvSpPr/>
+          <p:nvPr/>
+        </p:nvSpPr>
+        <p:spPr>
+          <a:xfrm>
+            <a:off x="712863" y="1352402"/>
+            <a:ext cx="1186278" cy="1186278"/>
+          </a:xfrm>
+          <a:prstGeom prst="arc">
+            <a:avLst>
+              <a:gd name="adj1" fmla="val 10450404"/>
+              <a:gd name="adj2" fmla="val 18714077"/>
+            </a:avLst>
+          </a:prstGeom>
+          <a:noFill/>
+          <a:ln w="38100" cap="rnd">
+            <a:solidFill>
+              <a:srgbClr val="0070C0"/>
+            </a:solidFill>
+            <a:headEnd type="triangle" w="med" len="med"/>
+            <a:tailEnd type="none" w="med" len="med"/>
+          </a:ln>
+        </p:spPr>
+        <p:style>
+          <a:lnRef idx="2">
+            <a:schemeClr val="accent1">
+              <a:shade val="50000"/>
+            </a:schemeClr>
+          </a:lnRef>
+          <a:fillRef idx="1">
+            <a:schemeClr val="accent1"/>
+          </a:fillRef>
+          <a:effectRef idx="0">
+            <a:schemeClr val="accent1"/>
+          </a:effectRef>
+          <a:fontRef idx="minor">
+            <a:schemeClr val="lt1"/>
+          </a:fontRef>
+        </p:style>
+        <p:txBody>
+          <a:bodyPr rtlCol="0" anchor="ctr"/>
+          <a:lstStyle/>
+          <a:p>
+            <a:pPr algn="ctr"/>
+            <a:endParaRPr lang="en-SG"/>
+          </a:p>
+        </p:txBody>
+      </p:sp>
+      <p:sp>
+        <p:nvSpPr>
+          <p:cNvPr id="212" name="Rounded Rectangle 211"/>
+          <p:cNvSpPr/>
+          <p:nvPr/>
+        </p:nvSpPr>
+        <p:spPr>
+          <a:xfrm>
+            <a:off x="5293902" y="1288847"/>
+            <a:ext cx="1014824" cy="1530461"/>
+          </a:xfrm>
+          <a:prstGeom prst="roundRect">
+            <a:avLst/>
+          </a:prstGeom>
+          <a:solidFill>
+            <a:srgbClr val="F9C090"/>
+          </a:solidFill>
+          <a:ln w="57150">
+            <a:solidFill>
+              <a:schemeClr val="bg1"/>
+            </a:solidFill>
+          </a:ln>
+          <a:effectLst/>
+        </p:spPr>
+        <p:style>
+          <a:lnRef idx="2">
+            <a:schemeClr val="accent1">
+              <a:shade val="50000"/>
+            </a:schemeClr>
+          </a:lnRef>
+          <a:fillRef idx="1">
+            <a:schemeClr val="accent1"/>
+          </a:fillRef>
+          <a:effectRef idx="0">
+            <a:schemeClr val="accent1"/>
+          </a:effectRef>
+          <a:fontRef idx="minor">
+            <a:schemeClr val="lt1"/>
+          </a:fontRef>
+        </p:style>
+        <p:txBody>
+          <a:bodyPr rtlCol="0" anchor="ctr"/>
+          <a:lstStyle/>
+          <a:p>
+            <a:pPr algn="ctr"/>
+            <a:endParaRPr lang="en-US"/>
+          </a:p>
+        </p:txBody>
+      </p:sp>
+      <p:sp>
+        <p:nvSpPr>
+          <p:cNvPr id="20" name="Rounded Rectangle 19"/>
+          <p:cNvSpPr/>
+          <p:nvPr/>
+        </p:nvSpPr>
+        <p:spPr>
+          <a:xfrm>
+            <a:off x="5464469" y="1439273"/>
+            <a:ext cx="352161" cy="374708"/>
+          </a:xfrm>
+          <a:prstGeom prst="roundRect">
+            <a:avLst/>
+          </a:prstGeom>
+          <a:solidFill>
+            <a:schemeClr val="bg1"/>
+          </a:solidFill>
+          <a:ln>
+            <a:noFill/>
+          </a:ln>
+        </p:spPr>
+        <p:style>
+          <a:lnRef idx="2">
+            <a:schemeClr val="accent1">
+              <a:shade val="50000"/>
+            </a:schemeClr>
+          </a:lnRef>
+          <a:fillRef idx="1">
+            <a:schemeClr val="accent1"/>
+          </a:fillRef>
+          <a:effectRef idx="0">
+            <a:schemeClr val="accent1"/>
+          </a:effectRef>
+          <a:fontRef idx="minor">
+            <a:schemeClr val="lt1"/>
+          </a:fontRef>
+        </p:style>
+        <p:txBody>
+          <a:bodyPr rtlCol="0" anchor="ctr"/>
+          <a:lstStyle/>
+          <a:p>
+            <a:pPr algn="ctr"/>
+            <a:endParaRPr lang="en-SG"/>
           </a:p>
         </p:txBody>
       </p:sp>
@@ -9638,8 +7688,8 @@
         </p:nvGrpSpPr>
         <p:grpSpPr>
           <a:xfrm>
-            <a:off x="5541946" y="2114985"/>
-            <a:ext cx="309579" cy="505977"/>
+            <a:off x="5542982" y="1468996"/>
+            <a:ext cx="182142" cy="297693"/>
             <a:chOff x="593726" y="1760533"/>
             <a:chExt cx="309579" cy="505977"/>
           </a:xfrm>
@@ -9660,9 +7710,12 @@
               <a:avLst/>
             </a:prstGeom>
             <a:grpFill/>
-            <a:ln>
+            <a:ln cap="rnd">
               <a:solidFill>
-                <a:schemeClr val="bg1"/>
+                <a:schemeClr val="accent6">
+                  <a:lumMod val="40000"/>
+                  <a:lumOff val="60000"/>
+                </a:schemeClr>
               </a:solidFill>
             </a:ln>
           </p:spPr>
@@ -9721,9 +7774,12 @@
                 <a:avLst/>
               </a:prstGeom>
               <a:grpFill/>
-              <a:ln>
+              <a:ln cap="rnd">
                 <a:solidFill>
-                  <a:schemeClr val="bg1"/>
+                  <a:schemeClr val="accent6">
+                    <a:lumMod val="40000"/>
+                    <a:lumOff val="60000"/>
+                  </a:schemeClr>
                 </a:solidFill>
               </a:ln>
             </p:spPr>
@@ -9833,9 +7889,12 @@
                 </a:pathLst>
               </a:custGeom>
               <a:grpFill/>
-              <a:ln>
+              <a:ln cap="rnd">
                 <a:solidFill>
-                  <a:schemeClr val="bg1"/>
+                  <a:schemeClr val="accent6">
+                    <a:lumMod val="40000"/>
+                    <a:lumOff val="60000"/>
+                  </a:schemeClr>
                 </a:solidFill>
               </a:ln>
             </p:spPr>
@@ -9879,9 +7938,12 @@
                 <a:avLst/>
               </a:prstGeom>
               <a:grpFill/>
-              <a:ln>
+              <a:ln cap="rnd">
                 <a:solidFill>
-                  <a:schemeClr val="bg1"/>
+                  <a:schemeClr val="accent6">
+                    <a:lumMod val="40000"/>
+                    <a:lumOff val="60000"/>
+                  </a:schemeClr>
                 </a:solidFill>
               </a:ln>
             </p:spPr>
@@ -9914,30 +7976,23 @@
       </p:grpSp>
       <p:sp>
         <p:nvSpPr>
-          <p:cNvPr id="112" name="Arc 111"/>
+          <p:cNvPr id="21" name="Rounded Rectangle 20"/>
           <p:cNvSpPr/>
           <p:nvPr/>
         </p:nvSpPr>
         <p:spPr>
-          <a:xfrm flipH="1">
-            <a:off x="6263954" y="1881381"/>
-            <a:ext cx="701840" cy="622330"/>
+          <a:xfrm>
+            <a:off x="5873637" y="1438358"/>
+            <a:ext cx="152400" cy="60819"/>
           </a:xfrm>
-          <a:prstGeom prst="arc">
-            <a:avLst>
-              <a:gd name="adj1" fmla="val 10121185"/>
-              <a:gd name="adj2" fmla="val 19631935"/>
-            </a:avLst>
+          <a:prstGeom prst="roundRect">
+            <a:avLst/>
           </a:prstGeom>
-          <a:noFill/>
-          <a:ln w="38100" cap="rnd">
-            <a:solidFill>
-              <a:schemeClr val="accent6">
-                <a:lumMod val="75000"/>
-              </a:schemeClr>
-            </a:solidFill>
-            <a:headEnd type="triangle" w="med" len="med"/>
-            <a:tailEnd type="none" w="med" len="med"/>
+          <a:solidFill>
+            <a:schemeClr val="bg1"/>
+          </a:solidFill>
+          <a:ln>
+            <a:noFill/>
           </a:ln>
         </p:spPr>
         <p:style>
@@ -9961,36 +8016,29 @@
           <a:lstStyle/>
           <a:p>
             <a:pPr algn="ctr"/>
-            <a:endParaRPr lang="en-US"/>
-          </a:p>
-        </p:txBody>
-      </p:sp>
-      <p:sp>
-        <p:nvSpPr>
-          <p:cNvPr id="161" name="Arc 160"/>
+            <a:endParaRPr lang="en-SG"/>
+          </a:p>
+        </p:txBody>
+      </p:sp>
+      <p:sp>
+        <p:nvSpPr>
+          <p:cNvPr id="213" name="Rounded Rectangle 212"/>
           <p:cNvSpPr/>
           <p:nvPr/>
         </p:nvSpPr>
         <p:spPr>
-          <a:xfrm flipH="1">
-            <a:off x="5873963" y="903245"/>
-            <a:ext cx="846681" cy="837640"/>
+          <a:xfrm>
+            <a:off x="5873637" y="1554254"/>
+            <a:ext cx="304800" cy="60819"/>
           </a:xfrm>
-          <a:prstGeom prst="arc">
-            <a:avLst>
-              <a:gd name="adj1" fmla="val 14609524"/>
-              <a:gd name="adj2" fmla="val 21562356"/>
-            </a:avLst>
+          <a:prstGeom prst="roundRect">
+            <a:avLst/>
           </a:prstGeom>
-          <a:noFill/>
-          <a:ln w="38100" cap="rnd">
-            <a:solidFill>
-              <a:schemeClr val="accent6">
-                <a:lumMod val="75000"/>
-              </a:schemeClr>
-            </a:solidFill>
-            <a:headEnd type="triangle" w="med" len="med"/>
-            <a:tailEnd type="none" w="med" len="med"/>
+          <a:solidFill>
+            <a:schemeClr val="bg1"/>
+          </a:solidFill>
+          <a:ln>
+            <a:noFill/>
           </a:ln>
         </p:spPr>
         <p:style>
@@ -10014,7 +8062,467 @@
           <a:lstStyle/>
           <a:p>
             <a:pPr algn="ctr"/>
-            <a:endParaRPr lang="en-US"/>
+            <a:endParaRPr lang="en-SG"/>
+          </a:p>
+        </p:txBody>
+      </p:sp>
+      <p:sp>
+        <p:nvSpPr>
+          <p:cNvPr id="214" name="Rounded Rectangle 213"/>
+          <p:cNvSpPr/>
+          <p:nvPr/>
+        </p:nvSpPr>
+        <p:spPr>
+          <a:xfrm>
+            <a:off x="5873637" y="1670150"/>
+            <a:ext cx="304800" cy="60819"/>
+          </a:xfrm>
+          <a:prstGeom prst="roundRect">
+            <a:avLst/>
+          </a:prstGeom>
+          <a:solidFill>
+            <a:schemeClr val="bg1"/>
+          </a:solidFill>
+          <a:ln>
+            <a:noFill/>
+          </a:ln>
+        </p:spPr>
+        <p:style>
+          <a:lnRef idx="2">
+            <a:schemeClr val="accent1">
+              <a:shade val="50000"/>
+            </a:schemeClr>
+          </a:lnRef>
+          <a:fillRef idx="1">
+            <a:schemeClr val="accent1"/>
+          </a:fillRef>
+          <a:effectRef idx="0">
+            <a:schemeClr val="accent1"/>
+          </a:effectRef>
+          <a:fontRef idx="minor">
+            <a:schemeClr val="lt1"/>
+          </a:fontRef>
+        </p:style>
+        <p:txBody>
+          <a:bodyPr rtlCol="0" anchor="ctr"/>
+          <a:lstStyle/>
+          <a:p>
+            <a:pPr algn="ctr"/>
+            <a:endParaRPr lang="en-SG"/>
+          </a:p>
+        </p:txBody>
+      </p:sp>
+      <p:sp>
+        <p:nvSpPr>
+          <p:cNvPr id="215" name="Rounded Rectangle 214"/>
+          <p:cNvSpPr/>
+          <p:nvPr/>
+        </p:nvSpPr>
+        <p:spPr>
+          <a:xfrm>
+            <a:off x="5873637" y="1751067"/>
+            <a:ext cx="228600" cy="60819"/>
+          </a:xfrm>
+          <a:prstGeom prst="roundRect">
+            <a:avLst/>
+          </a:prstGeom>
+          <a:solidFill>
+            <a:schemeClr val="bg1"/>
+          </a:solidFill>
+          <a:ln>
+            <a:noFill/>
+          </a:ln>
+        </p:spPr>
+        <p:style>
+          <a:lnRef idx="2">
+            <a:schemeClr val="accent1">
+              <a:shade val="50000"/>
+            </a:schemeClr>
+          </a:lnRef>
+          <a:fillRef idx="1">
+            <a:schemeClr val="accent1"/>
+          </a:fillRef>
+          <a:effectRef idx="0">
+            <a:schemeClr val="accent1"/>
+          </a:effectRef>
+          <a:fontRef idx="minor">
+            <a:schemeClr val="lt1"/>
+          </a:fontRef>
+        </p:style>
+        <p:txBody>
+          <a:bodyPr rtlCol="0" anchor="ctr"/>
+          <a:lstStyle/>
+          <a:p>
+            <a:pPr algn="ctr"/>
+            <a:endParaRPr lang="en-SG"/>
+          </a:p>
+        </p:txBody>
+      </p:sp>
+      <p:sp>
+        <p:nvSpPr>
+          <p:cNvPr id="216" name="Rounded Rectangle 215"/>
+          <p:cNvSpPr/>
+          <p:nvPr/>
+        </p:nvSpPr>
+        <p:spPr>
+          <a:xfrm>
+            <a:off x="5464469" y="1906879"/>
+            <a:ext cx="637768" cy="60819"/>
+          </a:xfrm>
+          <a:prstGeom prst="roundRect">
+            <a:avLst/>
+          </a:prstGeom>
+          <a:solidFill>
+            <a:schemeClr val="bg1"/>
+          </a:solidFill>
+          <a:ln>
+            <a:noFill/>
+          </a:ln>
+        </p:spPr>
+        <p:style>
+          <a:lnRef idx="2">
+            <a:schemeClr val="accent1">
+              <a:shade val="50000"/>
+            </a:schemeClr>
+          </a:lnRef>
+          <a:fillRef idx="1">
+            <a:schemeClr val="accent1"/>
+          </a:fillRef>
+          <a:effectRef idx="0">
+            <a:schemeClr val="accent1"/>
+          </a:effectRef>
+          <a:fontRef idx="minor">
+            <a:schemeClr val="lt1"/>
+          </a:fontRef>
+        </p:style>
+        <p:txBody>
+          <a:bodyPr rtlCol="0" anchor="ctr"/>
+          <a:lstStyle/>
+          <a:p>
+            <a:pPr algn="ctr"/>
+            <a:endParaRPr lang="en-SG"/>
+          </a:p>
+        </p:txBody>
+      </p:sp>
+      <p:sp>
+        <p:nvSpPr>
+          <p:cNvPr id="217" name="Rounded Rectangle 216"/>
+          <p:cNvSpPr/>
+          <p:nvPr/>
+        </p:nvSpPr>
+        <p:spPr>
+          <a:xfrm>
+            <a:off x="5464469" y="1988707"/>
+            <a:ext cx="637768" cy="60819"/>
+          </a:xfrm>
+          <a:prstGeom prst="roundRect">
+            <a:avLst/>
+          </a:prstGeom>
+          <a:solidFill>
+            <a:schemeClr val="bg1"/>
+          </a:solidFill>
+          <a:ln>
+            <a:noFill/>
+          </a:ln>
+        </p:spPr>
+        <p:style>
+          <a:lnRef idx="2">
+            <a:schemeClr val="accent1">
+              <a:shade val="50000"/>
+            </a:schemeClr>
+          </a:lnRef>
+          <a:fillRef idx="1">
+            <a:schemeClr val="accent1"/>
+          </a:fillRef>
+          <a:effectRef idx="0">
+            <a:schemeClr val="accent1"/>
+          </a:effectRef>
+          <a:fontRef idx="minor">
+            <a:schemeClr val="lt1"/>
+          </a:fontRef>
+        </p:style>
+        <p:txBody>
+          <a:bodyPr rtlCol="0" anchor="ctr"/>
+          <a:lstStyle/>
+          <a:p>
+            <a:pPr algn="ctr"/>
+            <a:endParaRPr lang="en-SG"/>
+          </a:p>
+        </p:txBody>
+      </p:sp>
+      <p:sp>
+        <p:nvSpPr>
+          <p:cNvPr id="218" name="Rounded Rectangle 217"/>
+          <p:cNvSpPr/>
+          <p:nvPr/>
+        </p:nvSpPr>
+        <p:spPr>
+          <a:xfrm>
+            <a:off x="5464469" y="2070535"/>
+            <a:ext cx="409168" cy="60819"/>
+          </a:xfrm>
+          <a:prstGeom prst="roundRect">
+            <a:avLst/>
+          </a:prstGeom>
+          <a:solidFill>
+            <a:schemeClr val="bg1"/>
+          </a:solidFill>
+          <a:ln>
+            <a:noFill/>
+          </a:ln>
+        </p:spPr>
+        <p:style>
+          <a:lnRef idx="2">
+            <a:schemeClr val="accent1">
+              <a:shade val="50000"/>
+            </a:schemeClr>
+          </a:lnRef>
+          <a:fillRef idx="1">
+            <a:schemeClr val="accent1"/>
+          </a:fillRef>
+          <a:effectRef idx="0">
+            <a:schemeClr val="accent1"/>
+          </a:effectRef>
+          <a:fontRef idx="minor">
+            <a:schemeClr val="lt1"/>
+          </a:fontRef>
+        </p:style>
+        <p:txBody>
+          <a:bodyPr rtlCol="0" anchor="ctr"/>
+          <a:lstStyle/>
+          <a:p>
+            <a:pPr algn="ctr"/>
+            <a:endParaRPr lang="en-SG"/>
+          </a:p>
+        </p:txBody>
+      </p:sp>
+      <p:sp>
+        <p:nvSpPr>
+          <p:cNvPr id="219" name="Rounded Rectangle 218"/>
+          <p:cNvSpPr/>
+          <p:nvPr/>
+        </p:nvSpPr>
+        <p:spPr>
+          <a:xfrm>
+            <a:off x="5464469" y="2201926"/>
+            <a:ext cx="637768" cy="60819"/>
+          </a:xfrm>
+          <a:prstGeom prst="roundRect">
+            <a:avLst/>
+          </a:prstGeom>
+          <a:solidFill>
+            <a:schemeClr val="bg1"/>
+          </a:solidFill>
+          <a:ln>
+            <a:noFill/>
+          </a:ln>
+        </p:spPr>
+        <p:style>
+          <a:lnRef idx="2">
+            <a:schemeClr val="accent1">
+              <a:shade val="50000"/>
+            </a:schemeClr>
+          </a:lnRef>
+          <a:fillRef idx="1">
+            <a:schemeClr val="accent1"/>
+          </a:fillRef>
+          <a:effectRef idx="0">
+            <a:schemeClr val="accent1"/>
+          </a:effectRef>
+          <a:fontRef idx="minor">
+            <a:schemeClr val="lt1"/>
+          </a:fontRef>
+        </p:style>
+        <p:txBody>
+          <a:bodyPr rtlCol="0" anchor="ctr"/>
+          <a:lstStyle/>
+          <a:p>
+            <a:pPr algn="ctr"/>
+            <a:endParaRPr lang="en-SG"/>
+          </a:p>
+        </p:txBody>
+      </p:sp>
+      <p:sp>
+        <p:nvSpPr>
+          <p:cNvPr id="220" name="Rounded Rectangle 219"/>
+          <p:cNvSpPr/>
+          <p:nvPr/>
+        </p:nvSpPr>
+        <p:spPr>
+          <a:xfrm>
+            <a:off x="5464469" y="2283754"/>
+            <a:ext cx="637768" cy="60819"/>
+          </a:xfrm>
+          <a:prstGeom prst="roundRect">
+            <a:avLst/>
+          </a:prstGeom>
+          <a:solidFill>
+            <a:schemeClr val="bg1"/>
+          </a:solidFill>
+          <a:ln>
+            <a:noFill/>
+          </a:ln>
+        </p:spPr>
+        <p:style>
+          <a:lnRef idx="2">
+            <a:schemeClr val="accent1">
+              <a:shade val="50000"/>
+            </a:schemeClr>
+          </a:lnRef>
+          <a:fillRef idx="1">
+            <a:schemeClr val="accent1"/>
+          </a:fillRef>
+          <a:effectRef idx="0">
+            <a:schemeClr val="accent1"/>
+          </a:effectRef>
+          <a:fontRef idx="minor">
+            <a:schemeClr val="lt1"/>
+          </a:fontRef>
+        </p:style>
+        <p:txBody>
+          <a:bodyPr rtlCol="0" anchor="ctr"/>
+          <a:lstStyle/>
+          <a:p>
+            <a:pPr algn="ctr"/>
+            <a:endParaRPr lang="en-SG"/>
+          </a:p>
+        </p:txBody>
+      </p:sp>
+      <p:sp>
+        <p:nvSpPr>
+          <p:cNvPr id="254" name="Rounded Rectangle 253"/>
+          <p:cNvSpPr/>
+          <p:nvPr/>
+        </p:nvSpPr>
+        <p:spPr>
+          <a:xfrm>
+            <a:off x="5464469" y="2420711"/>
+            <a:ext cx="637768" cy="60819"/>
+          </a:xfrm>
+          <a:prstGeom prst="roundRect">
+            <a:avLst/>
+          </a:prstGeom>
+          <a:solidFill>
+            <a:schemeClr val="bg1"/>
+          </a:solidFill>
+          <a:ln>
+            <a:noFill/>
+          </a:ln>
+        </p:spPr>
+        <p:style>
+          <a:lnRef idx="2">
+            <a:schemeClr val="accent1">
+              <a:shade val="50000"/>
+            </a:schemeClr>
+          </a:lnRef>
+          <a:fillRef idx="1">
+            <a:schemeClr val="accent1"/>
+          </a:fillRef>
+          <a:effectRef idx="0">
+            <a:schemeClr val="accent1"/>
+          </a:effectRef>
+          <a:fontRef idx="minor">
+            <a:schemeClr val="lt1"/>
+          </a:fontRef>
+        </p:style>
+        <p:txBody>
+          <a:bodyPr rtlCol="0" anchor="ctr"/>
+          <a:lstStyle/>
+          <a:p>
+            <a:pPr algn="ctr"/>
+            <a:endParaRPr lang="en-SG"/>
+          </a:p>
+        </p:txBody>
+      </p:sp>
+      <p:sp>
+        <p:nvSpPr>
+          <p:cNvPr id="255" name="Rounded Rectangle 254"/>
+          <p:cNvSpPr/>
+          <p:nvPr/>
+        </p:nvSpPr>
+        <p:spPr>
+          <a:xfrm>
+            <a:off x="5464469" y="2502539"/>
+            <a:ext cx="523468" cy="60819"/>
+          </a:xfrm>
+          <a:prstGeom prst="roundRect">
+            <a:avLst/>
+          </a:prstGeom>
+          <a:solidFill>
+            <a:schemeClr val="bg1"/>
+          </a:solidFill>
+          <a:ln>
+            <a:noFill/>
+          </a:ln>
+        </p:spPr>
+        <p:style>
+          <a:lnRef idx="2">
+            <a:schemeClr val="accent1">
+              <a:shade val="50000"/>
+            </a:schemeClr>
+          </a:lnRef>
+          <a:fillRef idx="1">
+            <a:schemeClr val="accent1"/>
+          </a:fillRef>
+          <a:effectRef idx="0">
+            <a:schemeClr val="accent1"/>
+          </a:effectRef>
+          <a:fontRef idx="minor">
+            <a:schemeClr val="lt1"/>
+          </a:fontRef>
+        </p:style>
+        <p:txBody>
+          <a:bodyPr rtlCol="0" anchor="ctr"/>
+          <a:lstStyle/>
+          <a:p>
+            <a:pPr algn="ctr"/>
+            <a:endParaRPr lang="en-SG"/>
+          </a:p>
+        </p:txBody>
+      </p:sp>
+      <p:sp>
+        <p:nvSpPr>
+          <p:cNvPr id="256" name="Rounded Rectangle 255"/>
+          <p:cNvSpPr/>
+          <p:nvPr/>
+        </p:nvSpPr>
+        <p:spPr>
+          <a:xfrm>
+            <a:off x="5464469" y="2584367"/>
+            <a:ext cx="409168" cy="60819"/>
+          </a:xfrm>
+          <a:prstGeom prst="roundRect">
+            <a:avLst/>
+          </a:prstGeom>
+          <a:solidFill>
+            <a:schemeClr val="bg1"/>
+          </a:solidFill>
+          <a:ln>
+            <a:noFill/>
+          </a:ln>
+        </p:spPr>
+        <p:style>
+          <a:lnRef idx="2">
+            <a:schemeClr val="accent1">
+              <a:shade val="50000"/>
+            </a:schemeClr>
+          </a:lnRef>
+          <a:fillRef idx="1">
+            <a:schemeClr val="accent1"/>
+          </a:fillRef>
+          <a:effectRef idx="0">
+            <a:schemeClr val="accent1"/>
+          </a:effectRef>
+          <a:fontRef idx="minor">
+            <a:schemeClr val="lt1"/>
+          </a:fontRef>
+        </p:style>
+        <p:txBody>
+          <a:bodyPr rtlCol="0" anchor="ctr"/>
+          <a:lstStyle/>
+          <a:p>
+            <a:pPr algn="ctr"/>
+            <a:endParaRPr lang="en-SG"/>
           </a:p>
         </p:txBody>
       </p:sp>
